--- a/doc/publications/2012-04_CMSB2012/figures/Conversion.pptx
+++ b/doc/publications/2012-04_CMSB2012/figures/Conversion.pptx
@@ -290,7 +290,7 @@
             <a:fld id="{7FFB8D8C-A3C7-4ABD-A7A4-8E27FCE4E604}" type="datetimeFigureOut">
               <a:rPr lang="de-DE" smtClean="0"/>
               <a:pPr/>
-              <a:t>05.04.2012</a:t>
+              <a:t>11.04.2012</a:t>
             </a:fld>
             <a:endParaRPr lang="de-DE"/>
           </a:p>
@@ -457,7 +457,7 @@
             <a:fld id="{7FFB8D8C-A3C7-4ABD-A7A4-8E27FCE4E604}" type="datetimeFigureOut">
               <a:rPr lang="de-DE" smtClean="0"/>
               <a:pPr/>
-              <a:t>05.04.2012</a:t>
+              <a:t>11.04.2012</a:t>
             </a:fld>
             <a:endParaRPr lang="de-DE"/>
           </a:p>
@@ -634,7 +634,7 @@
             <a:fld id="{7FFB8D8C-A3C7-4ABD-A7A4-8E27FCE4E604}" type="datetimeFigureOut">
               <a:rPr lang="de-DE" smtClean="0"/>
               <a:pPr/>
-              <a:t>05.04.2012</a:t>
+              <a:t>11.04.2012</a:t>
             </a:fld>
             <a:endParaRPr lang="de-DE"/>
           </a:p>
@@ -801,7 +801,7 @@
             <a:fld id="{7FFB8D8C-A3C7-4ABD-A7A4-8E27FCE4E604}" type="datetimeFigureOut">
               <a:rPr lang="de-DE" smtClean="0"/>
               <a:pPr/>
-              <a:t>05.04.2012</a:t>
+              <a:t>11.04.2012</a:t>
             </a:fld>
             <a:endParaRPr lang="de-DE"/>
           </a:p>
@@ -1044,7 +1044,7 @@
             <a:fld id="{7FFB8D8C-A3C7-4ABD-A7A4-8E27FCE4E604}" type="datetimeFigureOut">
               <a:rPr lang="de-DE" smtClean="0"/>
               <a:pPr/>
-              <a:t>05.04.2012</a:t>
+              <a:t>11.04.2012</a:t>
             </a:fld>
             <a:endParaRPr lang="de-DE"/>
           </a:p>
@@ -1329,7 +1329,7 @@
             <a:fld id="{7FFB8D8C-A3C7-4ABD-A7A4-8E27FCE4E604}" type="datetimeFigureOut">
               <a:rPr lang="de-DE" smtClean="0"/>
               <a:pPr/>
-              <a:t>05.04.2012</a:t>
+              <a:t>11.04.2012</a:t>
             </a:fld>
             <a:endParaRPr lang="de-DE"/>
           </a:p>
@@ -1748,7 +1748,7 @@
             <a:fld id="{7FFB8D8C-A3C7-4ABD-A7A4-8E27FCE4E604}" type="datetimeFigureOut">
               <a:rPr lang="de-DE" smtClean="0"/>
               <a:pPr/>
-              <a:t>05.04.2012</a:t>
+              <a:t>11.04.2012</a:t>
             </a:fld>
             <a:endParaRPr lang="de-DE"/>
           </a:p>
@@ -1863,7 +1863,7 @@
             <a:fld id="{7FFB8D8C-A3C7-4ABD-A7A4-8E27FCE4E604}" type="datetimeFigureOut">
               <a:rPr lang="de-DE" smtClean="0"/>
               <a:pPr/>
-              <a:t>05.04.2012</a:t>
+              <a:t>11.04.2012</a:t>
             </a:fld>
             <a:endParaRPr lang="de-DE"/>
           </a:p>
@@ -1955,7 +1955,7 @@
             <a:fld id="{7FFB8D8C-A3C7-4ABD-A7A4-8E27FCE4E604}" type="datetimeFigureOut">
               <a:rPr lang="de-DE" smtClean="0"/>
               <a:pPr/>
-              <a:t>05.04.2012</a:t>
+              <a:t>11.04.2012</a:t>
             </a:fld>
             <a:endParaRPr lang="de-DE"/>
           </a:p>
@@ -2229,7 +2229,7 @@
             <a:fld id="{7FFB8D8C-A3C7-4ABD-A7A4-8E27FCE4E604}" type="datetimeFigureOut">
               <a:rPr lang="de-DE" smtClean="0"/>
               <a:pPr/>
-              <a:t>05.04.2012</a:t>
+              <a:t>11.04.2012</a:t>
             </a:fld>
             <a:endParaRPr lang="de-DE"/>
           </a:p>
@@ -2479,7 +2479,7 @@
             <a:fld id="{7FFB8D8C-A3C7-4ABD-A7A4-8E27FCE4E604}" type="datetimeFigureOut">
               <a:rPr lang="de-DE" smtClean="0"/>
               <a:pPr/>
-              <a:t>05.04.2012</a:t>
+              <a:t>11.04.2012</a:t>
             </a:fld>
             <a:endParaRPr lang="de-DE"/>
           </a:p>
@@ -2689,7 +2689,7 @@
             <a:fld id="{7FFB8D8C-A3C7-4ABD-A7A4-8E27FCE4E604}" type="datetimeFigureOut">
               <a:rPr lang="de-DE" smtClean="0"/>
               <a:pPr/>
-              <a:t>05.04.2012</a:t>
+              <a:t>11.04.2012</a:t>
             </a:fld>
             <a:endParaRPr lang="de-DE"/>
           </a:p>
@@ -3620,7 +3620,7 @@
         </p:nvSpPr>
         <p:spPr>
           <a:xfrm>
-            <a:off x="6572264" y="4643446"/>
+            <a:off x="6569984" y="5356295"/>
             <a:ext cx="928694" cy="214314"/>
           </a:xfrm>
           <a:prstGeom prst="roundRect">
@@ -3857,7 +3857,7 @@
         </p:nvSpPr>
         <p:spPr>
           <a:xfrm>
-            <a:off x="4286248" y="4881492"/>
+            <a:off x="4283968" y="5594341"/>
             <a:ext cx="2000264" cy="214314"/>
           </a:xfrm>
           <a:prstGeom prst="roundRect">
@@ -3906,7 +3906,7 @@
         </p:nvSpPr>
         <p:spPr>
           <a:xfrm>
-            <a:off x="4286248" y="5167244"/>
+            <a:off x="4283968" y="5880093"/>
             <a:ext cx="2000264" cy="214314"/>
           </a:xfrm>
           <a:prstGeom prst="roundRect">
@@ -4094,7 +4094,7 @@
         </p:nvSpPr>
         <p:spPr>
           <a:xfrm>
-            <a:off x="4286248" y="6429396"/>
+            <a:off x="4283968" y="7142245"/>
             <a:ext cx="2000264" cy="214314"/>
           </a:xfrm>
           <a:prstGeom prst="roundRect">
@@ -4142,7 +4142,7 @@
         </p:nvSpPr>
         <p:spPr>
           <a:xfrm>
-            <a:off x="4286248" y="6143644"/>
+            <a:off x="4283968" y="6856493"/>
             <a:ext cx="2000264" cy="214314"/>
           </a:xfrm>
           <a:prstGeom prst="roundRect">
@@ -4192,9 +4192,9 @@
           <p:nvPr/>
         </p:nvCxnSpPr>
         <p:spPr>
-          <a:xfrm rot="5400000">
-            <a:off x="6305779" y="4092174"/>
-            <a:ext cx="2139361" cy="2177893"/>
+          <a:xfrm flipH="1">
+            <a:off x="6284232" y="4111440"/>
+            <a:ext cx="2180173" cy="2852210"/>
           </a:xfrm>
           <a:prstGeom prst="line">
             <a:avLst/>
@@ -4228,9 +4228,9 @@
           <p:nvPr/>
         </p:nvCxnSpPr>
         <p:spPr>
-          <a:xfrm rot="5400000">
-            <a:off x="6162903" y="4235050"/>
-            <a:ext cx="2425113" cy="2177893"/>
+          <a:xfrm flipH="1">
+            <a:off x="6284232" y="4111440"/>
+            <a:ext cx="2180173" cy="3137962"/>
           </a:xfrm>
           <a:prstGeom prst="line">
             <a:avLst/>
@@ -4262,7 +4262,7 @@
         </p:nvSpPr>
         <p:spPr>
           <a:xfrm>
-            <a:off x="4286248" y="5857892"/>
+            <a:off x="4283968" y="6570741"/>
             <a:ext cx="2000264" cy="214314"/>
           </a:xfrm>
           <a:prstGeom prst="roundRect">
@@ -4312,9 +4312,9 @@
           <p:nvPr/>
         </p:nvCxnSpPr>
         <p:spPr>
-          <a:xfrm rot="5400000">
-            <a:off x="6448655" y="3949298"/>
-            <a:ext cx="1853609" cy="2177893"/>
+          <a:xfrm flipH="1">
+            <a:off x="6284232" y="4111440"/>
+            <a:ext cx="2180173" cy="2566458"/>
           </a:xfrm>
           <a:prstGeom prst="line">
             <a:avLst/>
@@ -4346,7 +4346,7 @@
         </p:nvSpPr>
         <p:spPr>
           <a:xfrm>
-            <a:off x="4286248" y="5452996"/>
+            <a:off x="4283968" y="6165845"/>
             <a:ext cx="2000264" cy="214314"/>
           </a:xfrm>
           <a:prstGeom prst="roundRect">
@@ -4394,7 +4394,7 @@
         </p:nvSpPr>
         <p:spPr>
           <a:xfrm>
-            <a:off x="4286248" y="4516351"/>
+            <a:off x="4283968" y="5229200"/>
             <a:ext cx="2000264" cy="214314"/>
           </a:xfrm>
           <a:prstGeom prst="roundRect">
@@ -4556,7 +4556,7 @@
                   <a:schemeClr val="accent1"/>
                 </a:solidFill>
               </a:rPr>
-              <a:t>Biopax</a:t>
+              <a:t>BioPAX</a:t>
             </a:r>
             <a:endParaRPr lang="de-DE" b="1" dirty="0">
               <a:solidFill>
@@ -4677,7 +4677,7 @@
         <p:spPr>
           <a:xfrm>
             <a:off x="7445016" y="1028626"/>
-            <a:ext cx="1348446" cy="369332"/>
+            <a:ext cx="1401346" cy="230832"/>
           </a:xfrm>
           <a:prstGeom prst="rect">
             <a:avLst/>
@@ -4692,21 +4692,11 @@
           <a:p>
             <a:r>
               <a:rPr lang="de-DE" sz="900" dirty="0" smtClean="0"/>
-              <a:t>Mapping </a:t>
+              <a:t>Level 3 </a:t>
             </a:r>
             <a:r>
               <a:rPr lang="de-DE" sz="900" dirty="0" err="1" smtClean="0"/>
-              <a:t>depending</a:t>
-            </a:r>
-            <a:r>
-              <a:rPr lang="de-DE" sz="900" dirty="0" smtClean="0"/>
-              <a:t> on </a:t>
-            </a:r>
-          </a:p>
-          <a:p>
-            <a:r>
-              <a:rPr lang="de-DE" sz="900" dirty="0" err="1" smtClean="0"/>
-              <a:t>enclosed</a:t>
+              <a:t>exclusive</a:t>
             </a:r>
             <a:r>
               <a:rPr lang="de-DE" sz="900" dirty="0" smtClean="0"/>
@@ -4714,7 +4704,7 @@
             </a:r>
             <a:r>
               <a:rPr lang="de-DE" sz="900" dirty="0" err="1" smtClean="0"/>
-              <a:t>elements</a:t>
+              <a:t>mapping</a:t>
             </a:r>
             <a:endParaRPr lang="de-DE" sz="900" dirty="0"/>
           </a:p>
@@ -5308,9 +5298,9 @@
           <p:nvPr/>
         </p:nvCxnSpPr>
         <p:spPr>
-          <a:xfrm rot="5400000">
-            <a:off x="7663101" y="3949298"/>
-            <a:ext cx="639163" cy="963447"/>
+          <a:xfrm flipH="1">
+            <a:off x="7498678" y="4111440"/>
+            <a:ext cx="965727" cy="1352012"/>
           </a:xfrm>
           <a:prstGeom prst="line">
             <a:avLst/>
@@ -6011,7 +6001,7 @@
         </p:nvCxnSpPr>
         <p:spPr>
           <a:xfrm rot="5400000">
-            <a:off x="6580005" y="4667510"/>
+            <a:off x="6577725" y="5380359"/>
             <a:ext cx="27647" cy="614631"/>
           </a:xfrm>
           <a:prstGeom prst="line">
@@ -6044,7 +6034,7 @@
         </p:nvSpPr>
         <p:spPr>
           <a:xfrm rot="2220000" flipH="1">
-            <a:off x="6879641" y="4863876"/>
+            <a:off x="6877361" y="5576725"/>
             <a:ext cx="108000" cy="108000"/>
           </a:xfrm>
           <a:prstGeom prst="triangle">
@@ -6275,7 +6265,7 @@
         </p:nvCxnSpPr>
         <p:spPr>
           <a:xfrm rot="5400000">
-            <a:off x="6437129" y="4810386"/>
+            <a:off x="6434849" y="5523235"/>
             <a:ext cx="313399" cy="614631"/>
           </a:xfrm>
           <a:prstGeom prst="line">
@@ -6311,7 +6301,7 @@
         </p:nvCxnSpPr>
         <p:spPr>
           <a:xfrm rot="5400000">
-            <a:off x="6294253" y="4953262"/>
+            <a:off x="6291973" y="5666111"/>
             <a:ext cx="599151" cy="614631"/>
           </a:xfrm>
           <a:prstGeom prst="line">
@@ -6373,56 +6363,6 @@
             <a:r>
               <a:rPr lang="de-DE" sz="1200" dirty="0" err="1" smtClean="0"/>
               <a:t>entry</a:t>
-            </a:r>
-            <a:endParaRPr lang="de-DE" sz="1200" dirty="0"/>
-          </a:p>
-        </p:txBody>
-      </p:sp>
-      <p:sp>
-        <p:nvSpPr>
-          <p:cNvPr id="315" name="Abgerundetes Rechteck 314"/>
-          <p:cNvSpPr/>
-          <p:nvPr/>
-        </p:nvSpPr>
-        <p:spPr>
-          <a:xfrm>
-            <a:off x="1643042" y="714356"/>
-            <a:ext cx="1052522" cy="214314"/>
-          </a:xfrm>
-          <a:prstGeom prst="roundRect">
-            <a:avLst/>
-          </a:prstGeom>
-        </p:spPr>
-        <p:style>
-          <a:lnRef idx="2">
-            <a:schemeClr val="accent2"/>
-          </a:lnRef>
-          <a:fillRef idx="1">
-            <a:schemeClr val="lt1"/>
-          </a:fillRef>
-          <a:effectRef idx="0">
-            <a:schemeClr val="accent2"/>
-          </a:effectRef>
-          <a:fontRef idx="minor">
-            <a:schemeClr val="dk1"/>
-          </a:fontRef>
-        </p:style>
-        <p:txBody>
-          <a:bodyPr rtlCol="0" anchor="ctr"/>
-          <a:lstStyle/>
-          <a:p>
-            <a:pPr algn="ctr"/>
-            <a:r>
-              <a:rPr lang="de-DE" sz="1200" dirty="0" err="1" smtClean="0"/>
-              <a:t>c</a:t>
-            </a:r>
-            <a:r>
-              <a:rPr lang="de-DE" sz="1200" dirty="0" err="1" smtClean="0"/>
-              <a:t>omponent</a:t>
-            </a:r>
-            <a:r>
-              <a:rPr lang="de-DE" sz="1200" dirty="0" smtClean="0"/>
-              <a:t>?</a:t>
             </a:r>
             <a:endParaRPr lang="de-DE" sz="1200" dirty="0"/>
           </a:p>
@@ -7123,7 +7063,7 @@
         <p:spPr>
           <a:xfrm>
             <a:off x="2500298" y="1964521"/>
-            <a:ext cx="1785950" cy="3024128"/>
+            <a:ext cx="1783670" cy="3736977"/>
           </a:xfrm>
           <a:prstGeom prst="line">
             <a:avLst/>
@@ -7181,12 +7121,12 @@
           <a:p>
             <a:pPr algn="ctr"/>
             <a:r>
-              <a:rPr lang="de-DE" sz="1100" dirty="0" smtClean="0"/>
-              <a:t>Hidden </a:t>
-            </a:r>
-            <a:r>
               <a:rPr lang="de-DE" sz="1100" dirty="0" err="1" smtClean="0"/>
-              <a:t>compound</a:t>
+              <a:t>c</a:t>
+            </a:r>
+            <a:r>
+              <a:rPr lang="de-DE" sz="1100" dirty="0" err="1" smtClean="0"/>
+              <a:t>ompound</a:t>
             </a:r>
             <a:endParaRPr lang="de-DE" sz="1400" dirty="0"/>
           </a:p>
@@ -7825,6 +7765,305 @@
           </a:p>
         </p:txBody>
       </p:sp>
+      <p:sp>
+        <p:nvSpPr>
+          <p:cNvPr id="119" name="Abgerundetes Rechteck 118"/>
+          <p:cNvSpPr/>
+          <p:nvPr/>
+        </p:nvSpPr>
+        <p:spPr>
+          <a:xfrm>
+            <a:off x="6945984" y="5870041"/>
+            <a:ext cx="2000264" cy="214314"/>
+          </a:xfrm>
+          <a:prstGeom prst="roundRect">
+            <a:avLst/>
+          </a:prstGeom>
+          <a:solidFill>
+            <a:srgbClr val="F7FAFF"/>
+          </a:solidFill>
+          <a:ln>
+            <a:prstDash val="sysDash"/>
+          </a:ln>
+        </p:spPr>
+        <p:style>
+          <a:lnRef idx="2">
+            <a:schemeClr val="accent1"/>
+          </a:lnRef>
+          <a:fillRef idx="1">
+            <a:schemeClr val="lt1"/>
+          </a:fillRef>
+          <a:effectRef idx="0">
+            <a:schemeClr val="accent1"/>
+          </a:effectRef>
+          <a:fontRef idx="minor">
+            <a:schemeClr val="dk1"/>
+          </a:fontRef>
+        </p:style>
+        <p:txBody>
+          <a:bodyPr rtlCol="0" anchor="ctr"/>
+          <a:lstStyle/>
+          <a:p>
+            <a:pPr algn="ctr"/>
+            <a:r>
+              <a:rPr lang="de-DE" sz="1200" dirty="0" smtClean="0"/>
+              <a:t>TODO:</a:t>
+            </a:r>
+          </a:p>
+          <a:p>
+            <a:pPr algn="ctr"/>
+            <a:r>
+              <a:rPr lang="de-DE" sz="1200" dirty="0" err="1" smtClean="0"/>
+              <a:t>InteractionVocabulary</a:t>
+            </a:r>
+            <a:endParaRPr lang="de-DE" sz="1200" dirty="0" smtClean="0"/>
+          </a:p>
+        </p:txBody>
+      </p:sp>
+      <p:cxnSp>
+        <p:nvCxnSpPr>
+          <p:cNvPr id="146" name="Gerade Verbindung 145"/>
+          <p:cNvCxnSpPr>
+            <a:stCxn id="398" idx="3"/>
+            <a:endCxn id="13" idx="1"/>
+          </p:cNvCxnSpPr>
+          <p:nvPr/>
+        </p:nvCxnSpPr>
+        <p:spPr>
+          <a:xfrm flipV="1">
+            <a:off x="2071670" y="3893347"/>
+            <a:ext cx="5357882" cy="697223"/>
+          </a:xfrm>
+          <a:prstGeom prst="line">
+            <a:avLst/>
+          </a:prstGeom>
+          <a:ln w="12700"/>
+        </p:spPr>
+        <p:style>
+          <a:lnRef idx="1">
+            <a:schemeClr val="dk1"/>
+          </a:lnRef>
+          <a:fillRef idx="0">
+            <a:schemeClr val="dk1"/>
+          </a:fillRef>
+          <a:effectRef idx="0">
+            <a:schemeClr val="dk1"/>
+          </a:effectRef>
+          <a:fontRef idx="minor">
+            <a:schemeClr val="tx1"/>
+          </a:fontRef>
+        </p:style>
+      </p:cxnSp>
+      <p:cxnSp>
+        <p:nvCxnSpPr>
+          <p:cNvPr id="149" name="Gerade Verbindung 148"/>
+          <p:cNvCxnSpPr>
+            <a:stCxn id="399" idx="3"/>
+            <a:endCxn id="13" idx="1"/>
+          </p:cNvCxnSpPr>
+          <p:nvPr/>
+        </p:nvCxnSpPr>
+        <p:spPr>
+          <a:xfrm flipV="1">
+            <a:off x="2071670" y="3893347"/>
+            <a:ext cx="5357882" cy="911537"/>
+          </a:xfrm>
+          <a:prstGeom prst="line">
+            <a:avLst/>
+          </a:prstGeom>
+          <a:ln w="12700"/>
+        </p:spPr>
+        <p:style>
+          <a:lnRef idx="1">
+            <a:schemeClr val="dk1"/>
+          </a:lnRef>
+          <a:fillRef idx="0">
+            <a:schemeClr val="dk1"/>
+          </a:fillRef>
+          <a:effectRef idx="0">
+            <a:schemeClr val="dk1"/>
+          </a:effectRef>
+          <a:fontRef idx="minor">
+            <a:schemeClr val="tx1"/>
+          </a:fontRef>
+        </p:style>
+      </p:cxnSp>
+      <p:cxnSp>
+        <p:nvCxnSpPr>
+          <p:cNvPr id="152" name="Gerade Verbindung 151"/>
+          <p:cNvCxnSpPr>
+            <a:stCxn id="401" idx="3"/>
+            <a:endCxn id="13" idx="1"/>
+          </p:cNvCxnSpPr>
+          <p:nvPr/>
+        </p:nvCxnSpPr>
+        <p:spPr>
+          <a:xfrm flipV="1">
+            <a:off x="2071670" y="3893347"/>
+            <a:ext cx="5357882" cy="1125851"/>
+          </a:xfrm>
+          <a:prstGeom prst="line">
+            <a:avLst/>
+          </a:prstGeom>
+          <a:ln w="12700"/>
+        </p:spPr>
+        <p:style>
+          <a:lnRef idx="1">
+            <a:schemeClr val="dk1"/>
+          </a:lnRef>
+          <a:fillRef idx="0">
+            <a:schemeClr val="dk1"/>
+          </a:fillRef>
+          <a:effectRef idx="0">
+            <a:schemeClr val="dk1"/>
+          </a:effectRef>
+          <a:fontRef idx="minor">
+            <a:schemeClr val="tx1"/>
+          </a:fontRef>
+        </p:style>
+      </p:cxnSp>
+      <p:cxnSp>
+        <p:nvCxnSpPr>
+          <p:cNvPr id="155" name="Gerade Verbindung 154"/>
+          <p:cNvCxnSpPr>
+            <a:stCxn id="398" idx="3"/>
+            <a:endCxn id="92" idx="1"/>
+          </p:cNvCxnSpPr>
+          <p:nvPr/>
+        </p:nvCxnSpPr>
+        <p:spPr>
+          <a:xfrm>
+            <a:off x="2071670" y="4590570"/>
+            <a:ext cx="2212298" cy="2658832"/>
+          </a:xfrm>
+          <a:prstGeom prst="line">
+            <a:avLst/>
+          </a:prstGeom>
+          <a:ln w="12700">
+            <a:prstDash val="dash"/>
+          </a:ln>
+        </p:spPr>
+        <p:style>
+          <a:lnRef idx="1">
+            <a:schemeClr val="dk1"/>
+          </a:lnRef>
+          <a:fillRef idx="0">
+            <a:schemeClr val="dk1"/>
+          </a:fillRef>
+          <a:effectRef idx="0">
+            <a:schemeClr val="dk1"/>
+          </a:effectRef>
+          <a:fontRef idx="minor">
+            <a:schemeClr val="tx1"/>
+          </a:fontRef>
+        </p:style>
+      </p:cxnSp>
+      <p:cxnSp>
+        <p:nvCxnSpPr>
+          <p:cNvPr id="158" name="Gerade Verbindung 157"/>
+          <p:cNvCxnSpPr>
+            <a:stCxn id="399" idx="3"/>
+            <a:endCxn id="92" idx="1"/>
+          </p:cNvCxnSpPr>
+          <p:nvPr/>
+        </p:nvCxnSpPr>
+        <p:spPr>
+          <a:xfrm>
+            <a:off x="2071670" y="4804884"/>
+            <a:ext cx="2212298" cy="2444518"/>
+          </a:xfrm>
+          <a:prstGeom prst="line">
+            <a:avLst/>
+          </a:prstGeom>
+          <a:ln w="12700">
+            <a:prstDash val="dash"/>
+          </a:ln>
+        </p:spPr>
+        <p:style>
+          <a:lnRef idx="1">
+            <a:schemeClr val="dk1"/>
+          </a:lnRef>
+          <a:fillRef idx="0">
+            <a:schemeClr val="dk1"/>
+          </a:fillRef>
+          <a:effectRef idx="0">
+            <a:schemeClr val="dk1"/>
+          </a:effectRef>
+          <a:fontRef idx="minor">
+            <a:schemeClr val="tx1"/>
+          </a:fontRef>
+        </p:style>
+      </p:cxnSp>
+      <p:cxnSp>
+        <p:nvCxnSpPr>
+          <p:cNvPr id="161" name="Gerade Verbindung 160"/>
+          <p:cNvCxnSpPr>
+            <a:stCxn id="401" idx="3"/>
+            <a:endCxn id="92" idx="1"/>
+          </p:cNvCxnSpPr>
+          <p:nvPr/>
+        </p:nvCxnSpPr>
+        <p:spPr>
+          <a:xfrm>
+            <a:off x="2071670" y="5019198"/>
+            <a:ext cx="2212298" cy="2230204"/>
+          </a:xfrm>
+          <a:prstGeom prst="line">
+            <a:avLst/>
+          </a:prstGeom>
+          <a:ln w="12700">
+            <a:prstDash val="dash"/>
+          </a:ln>
+        </p:spPr>
+        <p:style>
+          <a:lnRef idx="1">
+            <a:schemeClr val="dk1"/>
+          </a:lnRef>
+          <a:fillRef idx="0">
+            <a:schemeClr val="dk1"/>
+          </a:fillRef>
+          <a:effectRef idx="0">
+            <a:schemeClr val="dk1"/>
+          </a:effectRef>
+          <a:fontRef idx="minor">
+            <a:schemeClr val="tx1"/>
+          </a:fontRef>
+        </p:style>
+      </p:cxnSp>
+      <p:cxnSp>
+        <p:nvCxnSpPr>
+          <p:cNvPr id="165" name="Gerade Verbindung 164"/>
+          <p:cNvCxnSpPr>
+            <a:stCxn id="391" idx="3"/>
+            <a:endCxn id="14" idx="1"/>
+          </p:cNvCxnSpPr>
+          <p:nvPr/>
+        </p:nvCxnSpPr>
+        <p:spPr>
+          <a:xfrm>
+            <a:off x="2071670" y="3090372"/>
+            <a:ext cx="4857784" cy="1160165"/>
+          </a:xfrm>
+          <a:prstGeom prst="line">
+            <a:avLst/>
+          </a:prstGeom>
+          <a:ln w="12700"/>
+        </p:spPr>
+        <p:style>
+          <a:lnRef idx="1">
+            <a:schemeClr val="dk1"/>
+          </a:lnRef>
+          <a:fillRef idx="0">
+            <a:schemeClr val="dk1"/>
+          </a:fillRef>
+          <a:effectRef idx="0">
+            <a:schemeClr val="dk1"/>
+          </a:effectRef>
+          <a:fontRef idx="minor">
+            <a:schemeClr val="tx1"/>
+          </a:fontRef>
+        </p:style>
+      </p:cxnSp>
     </p:spTree>
   </p:cSld>
   <p:clrMapOvr>
@@ -11755,7 +11994,7 @@
                   <a:schemeClr val="accent1"/>
                 </a:solidFill>
               </a:rPr>
-              <a:t>Biopax</a:t>
+              <a:t>BioPAX</a:t>
             </a:r>
             <a:endParaRPr lang="de-DE" b="1" dirty="0">
               <a:solidFill>

--- a/doc/publications/2012-04_CMSB2012/figures/Conversion.pptx
+++ b/doc/publications/2012-04_CMSB2012/figures/Conversion.pptx
@@ -4,9 +4,13 @@
   <p:sldMasterIdLst>
     <p:sldMasterId id="2147483648" r:id="rId1"/>
   </p:sldMasterIdLst>
+  <p:notesMasterIdLst>
+    <p:notesMasterId r:id="rId5"/>
+  </p:notesMasterIdLst>
   <p:sldIdLst>
     <p:sldId id="261" r:id="rId2"/>
     <p:sldId id="262" r:id="rId3"/>
+    <p:sldId id="263" r:id="rId4"/>
   </p:sldIdLst>
   <p:sldSz cx="9144000" cy="6858000" type="screen4x3"/>
   <p:notesSz cx="6858000" cy="9144000"/>
@@ -108,6 +112,539 @@
 </p:presentation>
 </file>
 
+<file path=ppt/notesMasters/notesMaster1.xml><?xml version="1.0" encoding="utf-8"?>
+<p:notesMaster xmlns:a="http://schemas.openxmlformats.org/drawingml/2006/main" xmlns:r="http://schemas.openxmlformats.org/officeDocument/2006/relationships" xmlns:p="http://schemas.openxmlformats.org/presentationml/2006/main">
+  <p:cSld>
+    <p:bg>
+      <p:bgRef idx="1001">
+        <a:schemeClr val="bg1"/>
+      </p:bgRef>
+    </p:bg>
+    <p:spTree>
+      <p:nvGrpSpPr>
+        <p:cNvPr id="1" name=""/>
+        <p:cNvGrpSpPr/>
+        <p:nvPr/>
+      </p:nvGrpSpPr>
+      <p:grpSpPr>
+        <a:xfrm>
+          <a:off x="0" y="0"/>
+          <a:ext cx="0" cy="0"/>
+          <a:chOff x="0" y="0"/>
+          <a:chExt cx="0" cy="0"/>
+        </a:xfrm>
+      </p:grpSpPr>
+      <p:sp>
+        <p:nvSpPr>
+          <p:cNvPr id="2" name="Kopfzeilenplatzhalter 1"/>
+          <p:cNvSpPr>
+            <a:spLocks noGrp="1"/>
+          </p:cNvSpPr>
+          <p:nvPr>
+            <p:ph type="hdr" sz="quarter"/>
+          </p:nvPr>
+        </p:nvSpPr>
+        <p:spPr>
+          <a:xfrm>
+            <a:off x="0" y="0"/>
+            <a:ext cx="2971800" cy="457200"/>
+          </a:xfrm>
+          <a:prstGeom prst="rect">
+            <a:avLst/>
+          </a:prstGeom>
+        </p:spPr>
+        <p:txBody>
+          <a:bodyPr vert="horz" lIns="91440" tIns="45720" rIns="91440" bIns="45720" rtlCol="0"/>
+          <a:lstStyle>
+            <a:lvl1pPr algn="l">
+              <a:defRPr sz="1200"/>
+            </a:lvl1pPr>
+          </a:lstStyle>
+          <a:p>
+            <a:endParaRPr lang="en-US"/>
+          </a:p>
+        </p:txBody>
+      </p:sp>
+      <p:sp>
+        <p:nvSpPr>
+          <p:cNvPr id="3" name="Datumsplatzhalter 2"/>
+          <p:cNvSpPr>
+            <a:spLocks noGrp="1"/>
+          </p:cNvSpPr>
+          <p:nvPr>
+            <p:ph type="dt" idx="1"/>
+          </p:nvPr>
+        </p:nvSpPr>
+        <p:spPr>
+          <a:xfrm>
+            <a:off x="3884613" y="0"/>
+            <a:ext cx="2971800" cy="457200"/>
+          </a:xfrm>
+          <a:prstGeom prst="rect">
+            <a:avLst/>
+          </a:prstGeom>
+        </p:spPr>
+        <p:txBody>
+          <a:bodyPr vert="horz" lIns="91440" tIns="45720" rIns="91440" bIns="45720" rtlCol="0"/>
+          <a:lstStyle>
+            <a:lvl1pPr algn="r">
+              <a:defRPr sz="1200"/>
+            </a:lvl1pPr>
+          </a:lstStyle>
+          <a:p>
+            <a:fld id="{AEBA95E1-29A5-4C92-A114-356173FFE1B7}" type="datetimeFigureOut">
+              <a:rPr lang="en-US" smtClean="0"/>
+              <a:t>4/18/2012</a:t>
+            </a:fld>
+            <a:endParaRPr lang="en-US"/>
+          </a:p>
+        </p:txBody>
+      </p:sp>
+      <p:sp>
+        <p:nvSpPr>
+          <p:cNvPr id="4" name="Folienbildplatzhalter 3"/>
+          <p:cNvSpPr>
+            <a:spLocks noGrp="1" noRot="1" noChangeAspect="1"/>
+          </p:cNvSpPr>
+          <p:nvPr>
+            <p:ph type="sldImg" idx="2"/>
+          </p:nvPr>
+        </p:nvSpPr>
+        <p:spPr>
+          <a:xfrm>
+            <a:off x="1143000" y="685800"/>
+            <a:ext cx="4572000" cy="3429000"/>
+          </a:xfrm>
+          <a:prstGeom prst="rect">
+            <a:avLst/>
+          </a:prstGeom>
+          <a:noFill/>
+          <a:ln w="12700">
+            <a:solidFill>
+              <a:prstClr val="black"/>
+            </a:solidFill>
+          </a:ln>
+        </p:spPr>
+        <p:txBody>
+          <a:bodyPr vert="horz" lIns="91440" tIns="45720" rIns="91440" bIns="45720" rtlCol="0" anchor="ctr"/>
+          <a:lstStyle/>
+          <a:p>
+            <a:endParaRPr lang="en-US"/>
+          </a:p>
+        </p:txBody>
+      </p:sp>
+      <p:sp>
+        <p:nvSpPr>
+          <p:cNvPr id="5" name="Notizenplatzhalter 4"/>
+          <p:cNvSpPr>
+            <a:spLocks noGrp="1"/>
+          </p:cNvSpPr>
+          <p:nvPr>
+            <p:ph type="body" sz="quarter" idx="3"/>
+          </p:nvPr>
+        </p:nvSpPr>
+        <p:spPr>
+          <a:xfrm>
+            <a:off x="685800" y="4343400"/>
+            <a:ext cx="5486400" cy="4114800"/>
+          </a:xfrm>
+          <a:prstGeom prst="rect">
+            <a:avLst/>
+          </a:prstGeom>
+        </p:spPr>
+        <p:txBody>
+          <a:bodyPr vert="horz" lIns="91440" tIns="45720" rIns="91440" bIns="45720" rtlCol="0">
+            <a:normAutofit/>
+          </a:bodyPr>
+          <a:lstStyle/>
+          <a:p>
+            <a:pPr lvl="0"/>
+            <a:r>
+              <a:rPr lang="de-DE" smtClean="0"/>
+              <a:t>Textmasterformate durch Klicken bearbeiten</a:t>
+            </a:r>
+          </a:p>
+          <a:p>
+            <a:pPr lvl="1"/>
+            <a:r>
+              <a:rPr lang="de-DE" smtClean="0"/>
+              <a:t>Zweite Ebene</a:t>
+            </a:r>
+          </a:p>
+          <a:p>
+            <a:pPr lvl="2"/>
+            <a:r>
+              <a:rPr lang="de-DE" smtClean="0"/>
+              <a:t>Dritte Ebene</a:t>
+            </a:r>
+          </a:p>
+          <a:p>
+            <a:pPr lvl="3"/>
+            <a:r>
+              <a:rPr lang="de-DE" smtClean="0"/>
+              <a:t>Vierte Ebene</a:t>
+            </a:r>
+          </a:p>
+          <a:p>
+            <a:pPr lvl="4"/>
+            <a:r>
+              <a:rPr lang="de-DE" smtClean="0"/>
+              <a:t>Fünfte Ebene</a:t>
+            </a:r>
+            <a:endParaRPr lang="en-US"/>
+          </a:p>
+        </p:txBody>
+      </p:sp>
+      <p:sp>
+        <p:nvSpPr>
+          <p:cNvPr id="6" name="Fußzeilenplatzhalter 5"/>
+          <p:cNvSpPr>
+            <a:spLocks noGrp="1"/>
+          </p:cNvSpPr>
+          <p:nvPr>
+            <p:ph type="ftr" sz="quarter" idx="4"/>
+          </p:nvPr>
+        </p:nvSpPr>
+        <p:spPr>
+          <a:xfrm>
+            <a:off x="0" y="8685213"/>
+            <a:ext cx="2971800" cy="457200"/>
+          </a:xfrm>
+          <a:prstGeom prst="rect">
+            <a:avLst/>
+          </a:prstGeom>
+        </p:spPr>
+        <p:txBody>
+          <a:bodyPr vert="horz" lIns="91440" tIns="45720" rIns="91440" bIns="45720" rtlCol="0" anchor="b"/>
+          <a:lstStyle>
+            <a:lvl1pPr algn="l">
+              <a:defRPr sz="1200"/>
+            </a:lvl1pPr>
+          </a:lstStyle>
+          <a:p>
+            <a:endParaRPr lang="en-US"/>
+          </a:p>
+        </p:txBody>
+      </p:sp>
+      <p:sp>
+        <p:nvSpPr>
+          <p:cNvPr id="7" name="Foliennummernplatzhalter 6"/>
+          <p:cNvSpPr>
+            <a:spLocks noGrp="1"/>
+          </p:cNvSpPr>
+          <p:nvPr>
+            <p:ph type="sldNum" sz="quarter" idx="5"/>
+          </p:nvPr>
+        </p:nvSpPr>
+        <p:spPr>
+          <a:xfrm>
+            <a:off x="3884613" y="8685213"/>
+            <a:ext cx="2971800" cy="457200"/>
+          </a:xfrm>
+          <a:prstGeom prst="rect">
+            <a:avLst/>
+          </a:prstGeom>
+        </p:spPr>
+        <p:txBody>
+          <a:bodyPr vert="horz" lIns="91440" tIns="45720" rIns="91440" bIns="45720" rtlCol="0" anchor="b"/>
+          <a:lstStyle>
+            <a:lvl1pPr algn="r">
+              <a:defRPr sz="1200"/>
+            </a:lvl1pPr>
+          </a:lstStyle>
+          <a:p>
+            <a:fld id="{C2B24BFD-F2AE-42F3-982D-C89576D243F6}" type="slidenum">
+              <a:rPr lang="en-US" smtClean="0"/>
+              <a:t>‹Nr.›</a:t>
+            </a:fld>
+            <a:endParaRPr lang="en-US"/>
+          </a:p>
+        </p:txBody>
+      </p:sp>
+    </p:spTree>
+  </p:cSld>
+  <p:clrMap bg1="lt1" tx1="dk1" bg2="lt2" tx2="dk2" accent1="accent1" accent2="accent2" accent3="accent3" accent4="accent4" accent5="accent5" accent6="accent6" hlink="hlink" folHlink="folHlink"/>
+  <p:notesStyle>
+    <a:lvl1pPr marL="0" algn="l" defTabSz="914400" rtl="0" eaLnBrk="1" latinLnBrk="0" hangingPunct="1">
+      <a:defRPr sz="1200" kern="1200">
+        <a:solidFill>
+          <a:schemeClr val="tx1"/>
+        </a:solidFill>
+        <a:latin typeface="+mn-lt"/>
+        <a:ea typeface="+mn-ea"/>
+        <a:cs typeface="+mn-cs"/>
+      </a:defRPr>
+    </a:lvl1pPr>
+    <a:lvl2pPr marL="457200" algn="l" defTabSz="914400" rtl="0" eaLnBrk="1" latinLnBrk="0" hangingPunct="1">
+      <a:defRPr sz="1200" kern="1200">
+        <a:solidFill>
+          <a:schemeClr val="tx1"/>
+        </a:solidFill>
+        <a:latin typeface="+mn-lt"/>
+        <a:ea typeface="+mn-ea"/>
+        <a:cs typeface="+mn-cs"/>
+      </a:defRPr>
+    </a:lvl2pPr>
+    <a:lvl3pPr marL="914400" algn="l" defTabSz="914400" rtl="0" eaLnBrk="1" latinLnBrk="0" hangingPunct="1">
+      <a:defRPr sz="1200" kern="1200">
+        <a:solidFill>
+          <a:schemeClr val="tx1"/>
+        </a:solidFill>
+        <a:latin typeface="+mn-lt"/>
+        <a:ea typeface="+mn-ea"/>
+        <a:cs typeface="+mn-cs"/>
+      </a:defRPr>
+    </a:lvl3pPr>
+    <a:lvl4pPr marL="1371600" algn="l" defTabSz="914400" rtl="0" eaLnBrk="1" latinLnBrk="0" hangingPunct="1">
+      <a:defRPr sz="1200" kern="1200">
+        <a:solidFill>
+          <a:schemeClr val="tx1"/>
+        </a:solidFill>
+        <a:latin typeface="+mn-lt"/>
+        <a:ea typeface="+mn-ea"/>
+        <a:cs typeface="+mn-cs"/>
+      </a:defRPr>
+    </a:lvl4pPr>
+    <a:lvl5pPr marL="1828800" algn="l" defTabSz="914400" rtl="0" eaLnBrk="1" latinLnBrk="0" hangingPunct="1">
+      <a:defRPr sz="1200" kern="1200">
+        <a:solidFill>
+          <a:schemeClr val="tx1"/>
+        </a:solidFill>
+        <a:latin typeface="+mn-lt"/>
+        <a:ea typeface="+mn-ea"/>
+        <a:cs typeface="+mn-cs"/>
+      </a:defRPr>
+    </a:lvl5pPr>
+    <a:lvl6pPr marL="2286000" algn="l" defTabSz="914400" rtl="0" eaLnBrk="1" latinLnBrk="0" hangingPunct="1">
+      <a:defRPr sz="1200" kern="1200">
+        <a:solidFill>
+          <a:schemeClr val="tx1"/>
+        </a:solidFill>
+        <a:latin typeface="+mn-lt"/>
+        <a:ea typeface="+mn-ea"/>
+        <a:cs typeface="+mn-cs"/>
+      </a:defRPr>
+    </a:lvl6pPr>
+    <a:lvl7pPr marL="2743200" algn="l" defTabSz="914400" rtl="0" eaLnBrk="1" latinLnBrk="0" hangingPunct="1">
+      <a:defRPr sz="1200" kern="1200">
+        <a:solidFill>
+          <a:schemeClr val="tx1"/>
+        </a:solidFill>
+        <a:latin typeface="+mn-lt"/>
+        <a:ea typeface="+mn-ea"/>
+        <a:cs typeface="+mn-cs"/>
+      </a:defRPr>
+    </a:lvl7pPr>
+    <a:lvl8pPr marL="3200400" algn="l" defTabSz="914400" rtl="0" eaLnBrk="1" latinLnBrk="0" hangingPunct="1">
+      <a:defRPr sz="1200" kern="1200">
+        <a:solidFill>
+          <a:schemeClr val="tx1"/>
+        </a:solidFill>
+        <a:latin typeface="+mn-lt"/>
+        <a:ea typeface="+mn-ea"/>
+        <a:cs typeface="+mn-cs"/>
+      </a:defRPr>
+    </a:lvl8pPr>
+    <a:lvl9pPr marL="3657600" algn="l" defTabSz="914400" rtl="0" eaLnBrk="1" latinLnBrk="0" hangingPunct="1">
+      <a:defRPr sz="1200" kern="1200">
+        <a:solidFill>
+          <a:schemeClr val="tx1"/>
+        </a:solidFill>
+        <a:latin typeface="+mn-lt"/>
+        <a:ea typeface="+mn-ea"/>
+        <a:cs typeface="+mn-cs"/>
+      </a:defRPr>
+    </a:lvl9pPr>
+  </p:notesStyle>
+</p:notesMaster>
+</file>
+
+<file path=ppt/notesSlides/notesSlide1.xml><?xml version="1.0" encoding="utf-8"?>
+<p:notes xmlns:a="http://schemas.openxmlformats.org/drawingml/2006/main" xmlns:r="http://schemas.openxmlformats.org/officeDocument/2006/relationships" xmlns:p="http://schemas.openxmlformats.org/presentationml/2006/main">
+  <p:cSld>
+    <p:spTree>
+      <p:nvGrpSpPr>
+        <p:cNvPr id="1" name=""/>
+        <p:cNvGrpSpPr/>
+        <p:nvPr/>
+      </p:nvGrpSpPr>
+      <p:grpSpPr>
+        <a:xfrm>
+          <a:off x="0" y="0"/>
+          <a:ext cx="0" cy="0"/>
+          <a:chOff x="0" y="0"/>
+          <a:chExt cx="0" cy="0"/>
+        </a:xfrm>
+      </p:grpSpPr>
+      <p:sp>
+        <p:nvSpPr>
+          <p:cNvPr id="2" name="Folienbildplatzhalter 1"/>
+          <p:cNvSpPr>
+            <a:spLocks noGrp="1" noRot="1" noChangeAspect="1"/>
+          </p:cNvSpPr>
+          <p:nvPr>
+            <p:ph type="sldImg"/>
+          </p:nvPr>
+        </p:nvSpPr>
+        <p:spPr/>
+      </p:sp>
+      <p:sp>
+        <p:nvSpPr>
+          <p:cNvPr id="3" name="Notizenplatzhalter 2"/>
+          <p:cNvSpPr>
+            <a:spLocks noGrp="1"/>
+          </p:cNvSpPr>
+          <p:nvPr>
+            <p:ph type="body" idx="1"/>
+          </p:nvPr>
+        </p:nvSpPr>
+        <p:spPr/>
+        <p:txBody>
+          <a:bodyPr>
+            <a:normAutofit/>
+          </a:bodyPr>
+          <a:lstStyle/>
+          <a:p>
+            <a:r>
+              <a:rPr lang="en-US" dirty="0" err="1" smtClean="0"/>
+              <a:t>Im</a:t>
+            </a:r>
+            <a:r>
+              <a:rPr lang="en-US" dirty="0" smtClean="0"/>
+              <a:t> text </a:t>
+            </a:r>
+            <a:r>
+              <a:rPr lang="en-US" dirty="0" err="1" smtClean="0"/>
+              <a:t>darauf</a:t>
+            </a:r>
+            <a:r>
+              <a:rPr lang="en-US" dirty="0" smtClean="0"/>
+              <a:t> </a:t>
+            </a:r>
+            <a:r>
+              <a:rPr lang="en-US" dirty="0" err="1" smtClean="0"/>
+              <a:t>eingehen</a:t>
+            </a:r>
+            <a:r>
+              <a:rPr lang="en-US" dirty="0" smtClean="0"/>
+              <a:t>, </a:t>
+            </a:r>
+            <a:r>
+              <a:rPr lang="en-US" dirty="0" err="1" smtClean="0"/>
+              <a:t>dass</a:t>
+            </a:r>
+            <a:r>
+              <a:rPr lang="en-US" dirty="0" smtClean="0"/>
+              <a:t> </a:t>
+            </a:r>
+          </a:p>
+          <a:p>
+            <a:pPr marL="228600" indent="-228600">
+              <a:buAutoNum type="arabicPeriod"/>
+            </a:pPr>
+            <a:r>
+              <a:rPr lang="en-US" dirty="0" smtClean="0"/>
+              <a:t>das </a:t>
+            </a:r>
+            <a:r>
+              <a:rPr lang="en-US" dirty="0" err="1" smtClean="0"/>
+              <a:t>alte</a:t>
+            </a:r>
+            <a:r>
+              <a:rPr lang="en-US" dirty="0" smtClean="0"/>
+              <a:t> </a:t>
+            </a:r>
+            <a:r>
+              <a:rPr lang="en-US" dirty="0" err="1" smtClean="0"/>
+              <a:t>physicalInteraction</a:t>
+            </a:r>
+            <a:r>
+              <a:rPr lang="en-US" dirty="0" smtClean="0"/>
+              <a:t> in L3 </a:t>
+            </a:r>
+            <a:r>
+              <a:rPr lang="de-DE" sz="1200" dirty="0" err="1" smtClean="0"/>
+              <a:t>MolecularInteraction</a:t>
+            </a:r>
+            <a:r>
+              <a:rPr lang="de-DE" sz="1200" dirty="0" smtClean="0"/>
+              <a:t> ist (das selbe) und</a:t>
+            </a:r>
+          </a:p>
+          <a:p>
+            <a:pPr marL="228600" indent="-228600">
+              <a:buAutoNum type="arabicPeriod"/>
+            </a:pPr>
+            <a:r>
+              <a:rPr lang="de-DE" sz="1200" dirty="0" err="1" smtClean="0"/>
+              <a:t>Control</a:t>
+            </a:r>
+            <a:r>
+              <a:rPr lang="de-DE" sz="1200" baseline="0" dirty="0" smtClean="0"/>
+              <a:t> u. </a:t>
+            </a:r>
+            <a:r>
+              <a:rPr lang="de-DE" sz="1200" baseline="0" dirty="0" err="1" smtClean="0"/>
+              <a:t>conversion</a:t>
+            </a:r>
+            <a:r>
+              <a:rPr lang="de-DE" sz="1200" baseline="0" dirty="0" smtClean="0"/>
+              <a:t> in L2 </a:t>
+            </a:r>
+            <a:r>
+              <a:rPr lang="de-DE" sz="1200" baseline="0" dirty="0" err="1" smtClean="0"/>
+              <a:t>kinder</a:t>
+            </a:r>
+            <a:r>
+              <a:rPr lang="de-DE" sz="1200" baseline="0" dirty="0" smtClean="0"/>
+              <a:t> von </a:t>
+            </a:r>
+            <a:r>
+              <a:rPr lang="de-DE" sz="1200" baseline="0" dirty="0" err="1" smtClean="0"/>
+              <a:t>physicalInteraction</a:t>
+            </a:r>
+            <a:r>
+              <a:rPr lang="de-DE" sz="1200" baseline="0" smtClean="0"/>
+              <a:t> sind</a:t>
+            </a:r>
+            <a:endParaRPr lang="de-DE" sz="1200" dirty="0" smtClean="0"/>
+          </a:p>
+          <a:p>
+            <a:endParaRPr lang="en-US" dirty="0"/>
+          </a:p>
+        </p:txBody>
+      </p:sp>
+      <p:sp>
+        <p:nvSpPr>
+          <p:cNvPr id="4" name="Foliennummernplatzhalter 3"/>
+          <p:cNvSpPr>
+            <a:spLocks noGrp="1"/>
+          </p:cNvSpPr>
+          <p:nvPr>
+            <p:ph type="sldNum" sz="quarter" idx="10"/>
+          </p:nvPr>
+        </p:nvSpPr>
+        <p:spPr/>
+        <p:txBody>
+          <a:bodyPr/>
+          <a:lstStyle/>
+          <a:p>
+            <a:fld id="{C2B24BFD-F2AE-42F3-982D-C89576D243F6}" type="slidenum">
+              <a:rPr lang="en-US" smtClean="0"/>
+              <a:t>1</a:t>
+            </a:fld>
+            <a:endParaRPr lang="en-US"/>
+          </a:p>
+        </p:txBody>
+      </p:sp>
+    </p:spTree>
+  </p:cSld>
+  <p:clrMapOvr>
+    <a:masterClrMapping/>
+  </p:clrMapOvr>
+</p:notes>
+</file>
+
 <file path=ppt/slideLayouts/slideLayout1.xml><?xml version="1.0" encoding="utf-8"?>
 <p:sldLayout xmlns:a="http://schemas.openxmlformats.org/drawingml/2006/main" xmlns:r="http://schemas.openxmlformats.org/officeDocument/2006/relationships" xmlns:p="http://schemas.openxmlformats.org/presentationml/2006/main" type="title" preserve="1">
   <p:cSld name="Titelfolie">
@@ -290,7 +827,7 @@
             <a:fld id="{7FFB8D8C-A3C7-4ABD-A7A4-8E27FCE4E604}" type="datetimeFigureOut">
               <a:rPr lang="de-DE" smtClean="0"/>
               <a:pPr/>
-              <a:t>11.04.2012</a:t>
+              <a:t>18.04.2012</a:t>
             </a:fld>
             <a:endParaRPr lang="de-DE"/>
           </a:p>
@@ -457,7 +994,7 @@
             <a:fld id="{7FFB8D8C-A3C7-4ABD-A7A4-8E27FCE4E604}" type="datetimeFigureOut">
               <a:rPr lang="de-DE" smtClean="0"/>
               <a:pPr/>
-              <a:t>11.04.2012</a:t>
+              <a:t>18.04.2012</a:t>
             </a:fld>
             <a:endParaRPr lang="de-DE"/>
           </a:p>
@@ -634,7 +1171,7 @@
             <a:fld id="{7FFB8D8C-A3C7-4ABD-A7A4-8E27FCE4E604}" type="datetimeFigureOut">
               <a:rPr lang="de-DE" smtClean="0"/>
               <a:pPr/>
-              <a:t>11.04.2012</a:t>
+              <a:t>18.04.2012</a:t>
             </a:fld>
             <a:endParaRPr lang="de-DE"/>
           </a:p>
@@ -801,7 +1338,7 @@
             <a:fld id="{7FFB8D8C-A3C7-4ABD-A7A4-8E27FCE4E604}" type="datetimeFigureOut">
               <a:rPr lang="de-DE" smtClean="0"/>
               <a:pPr/>
-              <a:t>11.04.2012</a:t>
+              <a:t>18.04.2012</a:t>
             </a:fld>
             <a:endParaRPr lang="de-DE"/>
           </a:p>
@@ -1044,7 +1581,7 @@
             <a:fld id="{7FFB8D8C-A3C7-4ABD-A7A4-8E27FCE4E604}" type="datetimeFigureOut">
               <a:rPr lang="de-DE" smtClean="0"/>
               <a:pPr/>
-              <a:t>11.04.2012</a:t>
+              <a:t>18.04.2012</a:t>
             </a:fld>
             <a:endParaRPr lang="de-DE"/>
           </a:p>
@@ -1329,7 +1866,7 @@
             <a:fld id="{7FFB8D8C-A3C7-4ABD-A7A4-8E27FCE4E604}" type="datetimeFigureOut">
               <a:rPr lang="de-DE" smtClean="0"/>
               <a:pPr/>
-              <a:t>11.04.2012</a:t>
+              <a:t>18.04.2012</a:t>
             </a:fld>
             <a:endParaRPr lang="de-DE"/>
           </a:p>
@@ -1748,7 +2285,7 @@
             <a:fld id="{7FFB8D8C-A3C7-4ABD-A7A4-8E27FCE4E604}" type="datetimeFigureOut">
               <a:rPr lang="de-DE" smtClean="0"/>
               <a:pPr/>
-              <a:t>11.04.2012</a:t>
+              <a:t>18.04.2012</a:t>
             </a:fld>
             <a:endParaRPr lang="de-DE"/>
           </a:p>
@@ -1863,7 +2400,7 @@
             <a:fld id="{7FFB8D8C-A3C7-4ABD-A7A4-8E27FCE4E604}" type="datetimeFigureOut">
               <a:rPr lang="de-DE" smtClean="0"/>
               <a:pPr/>
-              <a:t>11.04.2012</a:t>
+              <a:t>18.04.2012</a:t>
             </a:fld>
             <a:endParaRPr lang="de-DE"/>
           </a:p>
@@ -1955,7 +2492,7 @@
             <a:fld id="{7FFB8D8C-A3C7-4ABD-A7A4-8E27FCE4E604}" type="datetimeFigureOut">
               <a:rPr lang="de-DE" smtClean="0"/>
               <a:pPr/>
-              <a:t>11.04.2012</a:t>
+              <a:t>18.04.2012</a:t>
             </a:fld>
             <a:endParaRPr lang="de-DE"/>
           </a:p>
@@ -2229,7 +2766,7 @@
             <a:fld id="{7FFB8D8C-A3C7-4ABD-A7A4-8E27FCE4E604}" type="datetimeFigureOut">
               <a:rPr lang="de-DE" smtClean="0"/>
               <a:pPr/>
-              <a:t>11.04.2012</a:t>
+              <a:t>18.04.2012</a:t>
             </a:fld>
             <a:endParaRPr lang="de-DE"/>
           </a:p>
@@ -2479,7 +3016,7 @@
             <a:fld id="{7FFB8D8C-A3C7-4ABD-A7A4-8E27FCE4E604}" type="datetimeFigureOut">
               <a:rPr lang="de-DE" smtClean="0"/>
               <a:pPr/>
-              <a:t>11.04.2012</a:t>
+              <a:t>18.04.2012</a:t>
             </a:fld>
             <a:endParaRPr lang="de-DE"/>
           </a:p>
@@ -2689,7 +3226,7 @@
             <a:fld id="{7FFB8D8C-A3C7-4ABD-A7A4-8E27FCE4E604}" type="datetimeFigureOut">
               <a:rPr lang="de-DE" smtClean="0"/>
               <a:pPr/>
-              <a:t>11.04.2012</a:t>
+              <a:t>18.04.2012</a:t>
             </a:fld>
             <a:endParaRPr lang="de-DE"/>
           </a:p>
@@ -3382,14 +3919,14 @@
       </p:sp>
       <p:sp>
         <p:nvSpPr>
-          <p:cNvPr id="10" name="Abgerundetes Rechteck 9"/>
+          <p:cNvPr id="13" name="Abgerundetes Rechteck 12"/>
           <p:cNvSpPr/>
           <p:nvPr/>
         </p:nvSpPr>
         <p:spPr>
           <a:xfrm>
-            <a:off x="4286248" y="1428736"/>
-            <a:ext cx="1571636" cy="214314"/>
+            <a:off x="4499992" y="5733256"/>
+            <a:ext cx="1428728" cy="214314"/>
           </a:xfrm>
           <a:prstGeom prst="roundRect">
             <a:avLst/>
@@ -3397,6 +3934,9 @@
           <a:solidFill>
             <a:srgbClr val="F7FAFF"/>
           </a:solidFill>
+          <a:ln>
+            <a:prstDash val="lgDashDot"/>
+          </a:ln>
         </p:spPr>
         <p:style>
           <a:lnRef idx="2">
@@ -3418,27 +3958,242 @@
           <a:p>
             <a:pPr algn="ctr"/>
             <a:r>
+              <a:rPr lang="de-DE" sz="1200" dirty="0" err="1" smtClean="0"/>
+              <a:t>physicalInteraction</a:t>
+            </a:r>
+            <a:endParaRPr lang="de-DE" sz="1200" dirty="0"/>
+          </a:p>
+        </p:txBody>
+      </p:sp>
+      <p:sp>
+        <p:nvSpPr>
+          <p:cNvPr id="14" name="Abgerundetes Rechteck 13"/>
+          <p:cNvSpPr/>
+          <p:nvPr/>
+        </p:nvSpPr>
+        <p:spPr>
+          <a:xfrm>
+            <a:off x="4867442" y="4293096"/>
+            <a:ext cx="928694" cy="214314"/>
+          </a:xfrm>
+          <a:prstGeom prst="roundRect">
+            <a:avLst/>
+          </a:prstGeom>
+          <a:solidFill>
+            <a:srgbClr val="F7FAFF"/>
+          </a:solidFill>
+        </p:spPr>
+        <p:style>
+          <a:lnRef idx="2">
+            <a:schemeClr val="accent1"/>
+          </a:lnRef>
+          <a:fillRef idx="1">
+            <a:schemeClr val="lt1"/>
+          </a:fillRef>
+          <a:effectRef idx="0">
+            <a:schemeClr val="accent1"/>
+          </a:effectRef>
+          <a:fontRef idx="minor">
+            <a:schemeClr val="dk1"/>
+          </a:fontRef>
+        </p:style>
+        <p:txBody>
+          <a:bodyPr rtlCol="0" anchor="ctr"/>
+          <a:lstStyle/>
+          <a:p>
+            <a:pPr algn="ctr"/>
+            <a:r>
+              <a:rPr lang="de-DE" sz="1200" dirty="0" err="1" smtClean="0"/>
+              <a:t>Conversion</a:t>
+            </a:r>
+            <a:endParaRPr lang="de-DE" sz="1200" dirty="0"/>
+          </a:p>
+        </p:txBody>
+      </p:sp>
+      <p:sp>
+        <p:nvSpPr>
+          <p:cNvPr id="15" name="Abgerundetes Rechteck 14"/>
+          <p:cNvSpPr/>
+          <p:nvPr/>
+        </p:nvSpPr>
+        <p:spPr>
+          <a:xfrm>
+            <a:off x="6588224" y="3140968"/>
+            <a:ext cx="928694" cy="214314"/>
+          </a:xfrm>
+          <a:prstGeom prst="roundRect">
+            <a:avLst/>
+          </a:prstGeom>
+          <a:solidFill>
+            <a:srgbClr val="F7FAFF"/>
+          </a:solidFill>
+        </p:spPr>
+        <p:style>
+          <a:lnRef idx="2">
+            <a:schemeClr val="accent1"/>
+          </a:lnRef>
+          <a:fillRef idx="1">
+            <a:schemeClr val="lt1"/>
+          </a:fillRef>
+          <a:effectRef idx="0">
+            <a:schemeClr val="accent1"/>
+          </a:effectRef>
+          <a:fontRef idx="minor">
+            <a:schemeClr val="dk1"/>
+          </a:fontRef>
+        </p:style>
+        <p:txBody>
+          <a:bodyPr rtlCol="0" anchor="ctr"/>
+          <a:lstStyle/>
+          <a:p>
+            <a:pPr algn="ctr"/>
+            <a:r>
+              <a:rPr lang="de-DE" sz="1200" dirty="0" err="1" smtClean="0"/>
+              <a:t>Control</a:t>
+            </a:r>
+            <a:endParaRPr lang="de-DE" sz="1200" dirty="0"/>
+          </a:p>
+        </p:txBody>
+      </p:sp>
+      <p:sp>
+        <p:nvSpPr>
+          <p:cNvPr id="16" name="Abgerundetes Rechteck 15"/>
+          <p:cNvSpPr/>
+          <p:nvPr/>
+        </p:nvSpPr>
+        <p:spPr>
+          <a:xfrm>
+            <a:off x="4283968" y="3717032"/>
+            <a:ext cx="2000264" cy="214314"/>
+          </a:xfrm>
+          <a:prstGeom prst="roundRect">
+            <a:avLst/>
+          </a:prstGeom>
+          <a:solidFill>
+            <a:srgbClr val="F7FAFF"/>
+          </a:solidFill>
+        </p:spPr>
+        <p:style>
+          <a:lnRef idx="2">
+            <a:schemeClr val="accent1"/>
+          </a:lnRef>
+          <a:fillRef idx="1">
+            <a:schemeClr val="lt1"/>
+          </a:fillRef>
+          <a:effectRef idx="0">
+            <a:schemeClr val="accent1"/>
+          </a:effectRef>
+          <a:fontRef idx="minor">
+            <a:schemeClr val="dk1"/>
+          </a:fontRef>
+        </p:style>
+        <p:txBody>
+          <a:bodyPr rtlCol="0" anchor="ctr"/>
+          <a:lstStyle/>
+          <a:p>
+            <a:pPr algn="ctr"/>
+            <a:r>
+              <a:rPr lang="de-DE" sz="1200" dirty="0" err="1" smtClean="0"/>
+              <a:t>BiochemicalReaction</a:t>
+            </a:r>
+            <a:endParaRPr lang="de-DE" sz="1200" dirty="0"/>
+          </a:p>
+        </p:txBody>
+      </p:sp>
+      <p:sp>
+        <p:nvSpPr>
+          <p:cNvPr id="31" name="Abgerundetes Rechteck 30"/>
+          <p:cNvSpPr/>
+          <p:nvPr/>
+        </p:nvSpPr>
+        <p:spPr>
+          <a:xfrm>
+            <a:off x="4281688" y="3379679"/>
+            <a:ext cx="2000264" cy="214314"/>
+          </a:xfrm>
+          <a:prstGeom prst="roundRect">
+            <a:avLst/>
+          </a:prstGeom>
+          <a:solidFill>
+            <a:srgbClr val="F7FAFF"/>
+          </a:solidFill>
+        </p:spPr>
+        <p:style>
+          <a:lnRef idx="2">
+            <a:schemeClr val="accent1"/>
+          </a:lnRef>
+          <a:fillRef idx="1">
+            <a:schemeClr val="lt1"/>
+          </a:fillRef>
+          <a:effectRef idx="0">
+            <a:schemeClr val="accent1"/>
+          </a:effectRef>
+          <a:fontRef idx="minor">
+            <a:schemeClr val="dk1"/>
+          </a:fontRef>
+        </p:style>
+        <p:txBody>
+          <a:bodyPr rtlCol="0" anchor="ctr"/>
+          <a:lstStyle/>
+          <a:p>
+            <a:pPr algn="ctr"/>
+            <a:r>
               <a:rPr lang="de-DE" sz="1200" dirty="0" err="1"/>
-              <a:t>D</a:t>
+              <a:t>C</a:t>
             </a:r>
             <a:r>
               <a:rPr lang="de-DE" sz="1200" dirty="0" err="1" smtClean="0"/>
-              <a:t>na</a:t>
+              <a:t>atalysis</a:t>
             </a:r>
             <a:endParaRPr lang="de-DE" sz="1200" dirty="0"/>
           </a:p>
         </p:txBody>
       </p:sp>
-      <p:sp>
-        <p:nvSpPr>
-          <p:cNvPr id="11" name="Abgerundetes Rechteck 10"/>
+      <p:cxnSp>
+        <p:nvCxnSpPr>
+          <p:cNvPr id="60" name="Gerade Verbindung 59"/>
+          <p:cNvCxnSpPr>
+            <a:stCxn id="163" idx="3"/>
+          </p:cNvCxnSpPr>
+          <p:nvPr/>
+        </p:nvCxnSpPr>
+        <p:spPr>
+          <a:xfrm rot="5400000">
+            <a:off x="8203891" y="2509328"/>
+            <a:ext cx="359617" cy="193846"/>
+          </a:xfrm>
+          <a:prstGeom prst="line">
+            <a:avLst/>
+          </a:prstGeom>
+          <a:ln>
+            <a:headEnd type="none"/>
+          </a:ln>
+        </p:spPr>
+        <p:style>
+          <a:lnRef idx="2">
+            <a:schemeClr val="accent1"/>
+          </a:lnRef>
+          <a:fillRef idx="1">
+            <a:schemeClr val="lt1"/>
+          </a:fillRef>
+          <a:effectRef idx="0">
+            <a:schemeClr val="accent1"/>
+          </a:effectRef>
+          <a:fontRef idx="minor">
+            <a:schemeClr val="dk1"/>
+          </a:fontRef>
+        </p:style>
+      </p:cxnSp>
+      <p:sp>
+        <p:nvSpPr>
+          <p:cNvPr id="92" name="Abgerundetes Rechteck 91"/>
           <p:cNvSpPr/>
           <p:nvPr/>
         </p:nvSpPr>
         <p:spPr>
           <a:xfrm>
-            <a:off x="4286248" y="1714488"/>
-            <a:ext cx="1571636" cy="214314"/>
+            <a:off x="4355976" y="6093296"/>
+            <a:ext cx="2000264" cy="214314"/>
           </a:xfrm>
           <a:prstGeom prst="roundRect">
             <a:avLst/>
@@ -3471,766 +4226,25 @@
             <a:pPr algn="ctr"/>
             <a:r>
               <a:rPr lang="de-DE" sz="1200" dirty="0" err="1" smtClean="0"/>
-              <a:t>DnaRegion</a:t>
+              <a:t>MolecularInteraction</a:t>
             </a:r>
             <a:endParaRPr lang="de-DE" sz="1200" dirty="0"/>
           </a:p>
         </p:txBody>
       </p:sp>
-      <p:sp>
-        <p:nvSpPr>
-          <p:cNvPr id="12" name="Abgerundetes Rechteck 11"/>
-          <p:cNvSpPr/>
-          <p:nvPr/>
-        </p:nvSpPr>
-        <p:spPr>
-          <a:xfrm>
-            <a:off x="4286248" y="2000240"/>
-            <a:ext cx="1571636" cy="214314"/>
-          </a:xfrm>
-          <a:prstGeom prst="roundRect">
-            <a:avLst/>
-          </a:prstGeom>
-          <a:solidFill>
-            <a:srgbClr val="F7FAFF"/>
-          </a:solidFill>
-        </p:spPr>
-        <p:style>
-          <a:lnRef idx="2">
-            <a:schemeClr val="accent1"/>
-          </a:lnRef>
-          <a:fillRef idx="1">
-            <a:schemeClr val="lt1"/>
-          </a:fillRef>
-          <a:effectRef idx="0">
-            <a:schemeClr val="accent1"/>
-          </a:effectRef>
-          <a:fontRef idx="minor">
-            <a:schemeClr val="dk1"/>
-          </a:fontRef>
-        </p:style>
-        <p:txBody>
-          <a:bodyPr rtlCol="0" anchor="ctr"/>
-          <a:lstStyle/>
-          <a:p>
-            <a:pPr algn="ctr"/>
-            <a:r>
-              <a:rPr lang="de-DE" sz="1200" dirty="0" err="1" smtClean="0"/>
-              <a:t>Rna</a:t>
-            </a:r>
-            <a:endParaRPr lang="de-DE" sz="1200" dirty="0"/>
-          </a:p>
-        </p:txBody>
-      </p:sp>
-      <p:sp>
-        <p:nvSpPr>
-          <p:cNvPr id="13" name="Abgerundetes Rechteck 12"/>
-          <p:cNvSpPr/>
-          <p:nvPr/>
-        </p:nvSpPr>
-        <p:spPr>
-          <a:xfrm>
-            <a:off x="7429552" y="3786190"/>
-            <a:ext cx="1428728" cy="214314"/>
-          </a:xfrm>
-          <a:prstGeom prst="roundRect">
-            <a:avLst/>
-          </a:prstGeom>
-          <a:solidFill>
-            <a:srgbClr val="F7FAFF"/>
-          </a:solidFill>
-        </p:spPr>
-        <p:style>
-          <a:lnRef idx="2">
-            <a:schemeClr val="accent1"/>
-          </a:lnRef>
-          <a:fillRef idx="1">
-            <a:schemeClr val="lt1"/>
-          </a:fillRef>
-          <a:effectRef idx="0">
-            <a:schemeClr val="accent1"/>
-          </a:effectRef>
-          <a:fontRef idx="minor">
-            <a:schemeClr val="dk1"/>
-          </a:fontRef>
-        </p:style>
-        <p:txBody>
-          <a:bodyPr rtlCol="0" anchor="ctr"/>
-          <a:lstStyle/>
-          <a:p>
-            <a:pPr algn="ctr"/>
-            <a:r>
-              <a:rPr lang="de-DE" sz="1200" dirty="0" err="1" smtClean="0"/>
-              <a:t>PhysicalInteraction</a:t>
-            </a:r>
-            <a:endParaRPr lang="de-DE" sz="1200" dirty="0"/>
-          </a:p>
-        </p:txBody>
-      </p:sp>
-      <p:sp>
-        <p:nvSpPr>
-          <p:cNvPr id="14" name="Abgerundetes Rechteck 13"/>
-          <p:cNvSpPr/>
-          <p:nvPr/>
-        </p:nvSpPr>
-        <p:spPr>
-          <a:xfrm>
-            <a:off x="6929454" y="4143380"/>
-            <a:ext cx="928694" cy="214314"/>
-          </a:xfrm>
-          <a:prstGeom prst="roundRect">
-            <a:avLst/>
-          </a:prstGeom>
-          <a:solidFill>
-            <a:srgbClr val="F7FAFF"/>
-          </a:solidFill>
-        </p:spPr>
-        <p:style>
-          <a:lnRef idx="2">
-            <a:schemeClr val="accent1"/>
-          </a:lnRef>
-          <a:fillRef idx="1">
-            <a:schemeClr val="lt1"/>
-          </a:fillRef>
-          <a:effectRef idx="0">
-            <a:schemeClr val="accent1"/>
-          </a:effectRef>
-          <a:fontRef idx="minor">
-            <a:schemeClr val="dk1"/>
-          </a:fontRef>
-        </p:style>
-        <p:txBody>
-          <a:bodyPr rtlCol="0" anchor="ctr"/>
-          <a:lstStyle/>
-          <a:p>
-            <a:pPr algn="ctr"/>
-            <a:r>
-              <a:rPr lang="de-DE" sz="1200" dirty="0" err="1" smtClean="0"/>
-              <a:t>Conversion</a:t>
-            </a:r>
-            <a:endParaRPr lang="de-DE" sz="1200" dirty="0"/>
-          </a:p>
-        </p:txBody>
-      </p:sp>
-      <p:sp>
-        <p:nvSpPr>
-          <p:cNvPr id="15" name="Abgerundetes Rechteck 14"/>
-          <p:cNvSpPr/>
-          <p:nvPr/>
-        </p:nvSpPr>
-        <p:spPr>
-          <a:xfrm>
-            <a:off x="6569984" y="5356295"/>
-            <a:ext cx="928694" cy="214314"/>
-          </a:xfrm>
-          <a:prstGeom prst="roundRect">
-            <a:avLst/>
-          </a:prstGeom>
-          <a:solidFill>
-            <a:srgbClr val="F7FAFF"/>
-          </a:solidFill>
-        </p:spPr>
-        <p:style>
-          <a:lnRef idx="2">
-            <a:schemeClr val="accent1"/>
-          </a:lnRef>
-          <a:fillRef idx="1">
-            <a:schemeClr val="lt1"/>
-          </a:fillRef>
-          <a:effectRef idx="0">
-            <a:schemeClr val="accent1"/>
-          </a:effectRef>
-          <a:fontRef idx="minor">
-            <a:schemeClr val="dk1"/>
-          </a:fontRef>
-        </p:style>
-        <p:txBody>
-          <a:bodyPr rtlCol="0" anchor="ctr"/>
-          <a:lstStyle/>
-          <a:p>
-            <a:pPr algn="ctr"/>
-            <a:r>
-              <a:rPr lang="de-DE" sz="1200" dirty="0" err="1" smtClean="0"/>
-              <a:t>Control</a:t>
-            </a:r>
-            <a:endParaRPr lang="de-DE" sz="1200" dirty="0"/>
-          </a:p>
-        </p:txBody>
-      </p:sp>
-      <p:sp>
-        <p:nvSpPr>
-          <p:cNvPr id="16" name="Abgerundetes Rechteck 15"/>
-          <p:cNvSpPr/>
-          <p:nvPr/>
-        </p:nvSpPr>
-        <p:spPr>
-          <a:xfrm>
-            <a:off x="4286248" y="3190289"/>
-            <a:ext cx="2000264" cy="214314"/>
-          </a:xfrm>
-          <a:prstGeom prst="roundRect">
-            <a:avLst/>
-          </a:prstGeom>
-          <a:solidFill>
-            <a:srgbClr val="F7FAFF"/>
-          </a:solidFill>
-        </p:spPr>
-        <p:style>
-          <a:lnRef idx="2">
-            <a:schemeClr val="accent1"/>
-          </a:lnRef>
-          <a:fillRef idx="1">
-            <a:schemeClr val="lt1"/>
-          </a:fillRef>
-          <a:effectRef idx="0">
-            <a:schemeClr val="accent1"/>
-          </a:effectRef>
-          <a:fontRef idx="minor">
-            <a:schemeClr val="dk1"/>
-          </a:fontRef>
-        </p:style>
-        <p:txBody>
-          <a:bodyPr rtlCol="0" anchor="ctr"/>
-          <a:lstStyle/>
-          <a:p>
-            <a:pPr algn="ctr"/>
-            <a:r>
-              <a:rPr lang="de-DE" sz="1200" dirty="0" err="1" smtClean="0"/>
-              <a:t>BiochemicalReaction</a:t>
-            </a:r>
-            <a:endParaRPr lang="de-DE" sz="1200" dirty="0"/>
-          </a:p>
-        </p:txBody>
-      </p:sp>
-      <p:sp>
-        <p:nvSpPr>
-          <p:cNvPr id="28" name="Abgerundetes Rechteck 27"/>
-          <p:cNvSpPr/>
-          <p:nvPr/>
-        </p:nvSpPr>
-        <p:spPr>
-          <a:xfrm>
-            <a:off x="4286248" y="2904537"/>
-            <a:ext cx="2000264" cy="214314"/>
-          </a:xfrm>
-          <a:prstGeom prst="roundRect">
-            <a:avLst/>
-          </a:prstGeom>
-          <a:solidFill>
-            <a:srgbClr val="F7FAFF"/>
-          </a:solidFill>
-        </p:spPr>
-        <p:style>
-          <a:lnRef idx="2">
-            <a:schemeClr val="accent1"/>
-          </a:lnRef>
-          <a:fillRef idx="1">
-            <a:schemeClr val="lt1"/>
-          </a:fillRef>
-          <a:effectRef idx="0">
-            <a:schemeClr val="accent1"/>
-          </a:effectRef>
-          <a:fontRef idx="minor">
-            <a:schemeClr val="dk1"/>
-          </a:fontRef>
-        </p:style>
-        <p:txBody>
-          <a:bodyPr rtlCol="0" anchor="ctr"/>
-          <a:lstStyle/>
-          <a:p>
-            <a:pPr algn="ctr"/>
-            <a:r>
-              <a:rPr lang="de-DE" sz="1200" dirty="0" err="1" smtClean="0"/>
-              <a:t>ComplexAssembly</a:t>
-            </a:r>
-            <a:endParaRPr lang="de-DE" sz="1200" dirty="0"/>
-          </a:p>
-        </p:txBody>
-      </p:sp>
-      <p:sp>
-        <p:nvSpPr>
-          <p:cNvPr id="29" name="Abgerundetes Rechteck 28"/>
-          <p:cNvSpPr/>
-          <p:nvPr/>
-        </p:nvSpPr>
-        <p:spPr>
-          <a:xfrm>
-            <a:off x="4286248" y="4211695"/>
-            <a:ext cx="2000264" cy="214314"/>
-          </a:xfrm>
-          <a:prstGeom prst="roundRect">
-            <a:avLst/>
-          </a:prstGeom>
-          <a:solidFill>
-            <a:srgbClr val="F7FAFF"/>
-          </a:solidFill>
-        </p:spPr>
-        <p:style>
-          <a:lnRef idx="2">
-            <a:schemeClr val="accent1"/>
-          </a:lnRef>
-          <a:fillRef idx="1">
-            <a:schemeClr val="lt1"/>
-          </a:fillRef>
-          <a:effectRef idx="0">
-            <a:schemeClr val="accent1"/>
-          </a:effectRef>
-          <a:fontRef idx="minor">
-            <a:schemeClr val="dk1"/>
-          </a:fontRef>
-        </p:style>
-        <p:txBody>
-          <a:bodyPr rtlCol="0" anchor="ctr"/>
-          <a:lstStyle/>
-          <a:p>
-            <a:pPr algn="ctr"/>
-            <a:r>
-              <a:rPr lang="de-DE" sz="1200" dirty="0" smtClean="0"/>
-              <a:t>Transport</a:t>
-            </a:r>
-            <a:endParaRPr lang="de-DE" sz="1200" dirty="0"/>
-          </a:p>
-        </p:txBody>
-      </p:sp>
-      <p:sp>
-        <p:nvSpPr>
-          <p:cNvPr id="30" name="Abgerundetes Rechteck 29"/>
-          <p:cNvSpPr/>
-          <p:nvPr/>
-        </p:nvSpPr>
-        <p:spPr>
-          <a:xfrm>
-            <a:off x="4286248" y="3618917"/>
-            <a:ext cx="2000264" cy="357190"/>
-          </a:xfrm>
-          <a:prstGeom prst="roundRect">
-            <a:avLst/>
-          </a:prstGeom>
-          <a:solidFill>
-            <a:srgbClr val="F7FAFF"/>
-          </a:solidFill>
-        </p:spPr>
-        <p:style>
-          <a:lnRef idx="2">
-            <a:schemeClr val="accent1"/>
-          </a:lnRef>
-          <a:fillRef idx="1">
-            <a:schemeClr val="lt1"/>
-          </a:fillRef>
-          <a:effectRef idx="0">
-            <a:schemeClr val="accent1"/>
-          </a:effectRef>
-          <a:fontRef idx="minor">
-            <a:schemeClr val="dk1"/>
-          </a:fontRef>
-        </p:style>
-        <p:txBody>
-          <a:bodyPr rtlCol="0" anchor="ctr"/>
-          <a:lstStyle/>
-          <a:p>
-            <a:pPr algn="ctr"/>
-            <a:r>
-              <a:rPr lang="de-DE" sz="1200" dirty="0" err="1"/>
-              <a:t>T</a:t>
-            </a:r>
-            <a:r>
-              <a:rPr lang="de-DE" sz="1200" dirty="0" err="1" smtClean="0"/>
-              <a:t>ransportWith</a:t>
-            </a:r>
-            <a:endParaRPr lang="de-DE" sz="1200" dirty="0" smtClean="0"/>
-          </a:p>
-          <a:p>
-            <a:pPr algn="ctr"/>
-            <a:r>
-              <a:rPr lang="de-DE" sz="1200" dirty="0" err="1" smtClean="0"/>
-              <a:t>BiochemicalReaction</a:t>
-            </a:r>
-            <a:endParaRPr lang="de-DE" sz="1200" dirty="0"/>
-          </a:p>
-        </p:txBody>
-      </p:sp>
-      <p:sp>
-        <p:nvSpPr>
-          <p:cNvPr id="31" name="Abgerundetes Rechteck 30"/>
-          <p:cNvSpPr/>
-          <p:nvPr/>
-        </p:nvSpPr>
-        <p:spPr>
-          <a:xfrm>
-            <a:off x="4283968" y="5594341"/>
-            <a:ext cx="2000264" cy="214314"/>
-          </a:xfrm>
-          <a:prstGeom prst="roundRect">
-            <a:avLst/>
-          </a:prstGeom>
-          <a:solidFill>
-            <a:srgbClr val="F7FAFF"/>
-          </a:solidFill>
-        </p:spPr>
-        <p:style>
-          <a:lnRef idx="2">
-            <a:schemeClr val="accent1"/>
-          </a:lnRef>
-          <a:fillRef idx="1">
-            <a:schemeClr val="lt1"/>
-          </a:fillRef>
-          <a:effectRef idx="0">
-            <a:schemeClr val="accent1"/>
-          </a:effectRef>
-          <a:fontRef idx="minor">
-            <a:schemeClr val="dk1"/>
-          </a:fontRef>
-        </p:style>
-        <p:txBody>
-          <a:bodyPr rtlCol="0" anchor="ctr"/>
-          <a:lstStyle/>
-          <a:p>
-            <a:pPr algn="ctr"/>
-            <a:r>
-              <a:rPr lang="de-DE" sz="1200" dirty="0" err="1"/>
-              <a:t>C</a:t>
-            </a:r>
-            <a:r>
-              <a:rPr lang="de-DE" sz="1200" dirty="0" err="1" smtClean="0"/>
-              <a:t>atalysis</a:t>
-            </a:r>
-            <a:endParaRPr lang="de-DE" sz="1200" dirty="0"/>
-          </a:p>
-        </p:txBody>
-      </p:sp>
-      <p:sp>
-        <p:nvSpPr>
-          <p:cNvPr id="32" name="Abgerundetes Rechteck 31"/>
-          <p:cNvSpPr/>
-          <p:nvPr/>
-        </p:nvSpPr>
-        <p:spPr>
-          <a:xfrm>
-            <a:off x="4283968" y="5880093"/>
-            <a:ext cx="2000264" cy="214314"/>
-          </a:xfrm>
-          <a:prstGeom prst="roundRect">
-            <a:avLst/>
-          </a:prstGeom>
-          <a:solidFill>
-            <a:srgbClr val="F7FAFF"/>
-          </a:solidFill>
-        </p:spPr>
-        <p:style>
-          <a:lnRef idx="2">
-            <a:schemeClr val="accent1"/>
-          </a:lnRef>
-          <a:fillRef idx="1">
-            <a:schemeClr val="lt1"/>
-          </a:fillRef>
-          <a:effectRef idx="0">
-            <a:schemeClr val="accent1"/>
-          </a:effectRef>
-          <a:fontRef idx="minor">
-            <a:schemeClr val="dk1"/>
-          </a:fontRef>
-        </p:style>
-        <p:txBody>
-          <a:bodyPr rtlCol="0" anchor="ctr"/>
-          <a:lstStyle/>
-          <a:p>
-            <a:pPr algn="ctr"/>
-            <a:r>
-              <a:rPr lang="de-DE" sz="1200" dirty="0"/>
-              <a:t>M</a:t>
-            </a:r>
-            <a:r>
-              <a:rPr lang="de-DE" sz="1200" dirty="0" smtClean="0"/>
-              <a:t>odulation</a:t>
-            </a:r>
-            <a:endParaRPr lang="de-DE" sz="1200" dirty="0"/>
-          </a:p>
-        </p:txBody>
-      </p:sp>
-      <p:cxnSp>
-        <p:nvCxnSpPr>
-          <p:cNvPr id="60" name="Gerade Verbindung 59"/>
-          <p:cNvCxnSpPr>
-            <a:stCxn id="163" idx="3"/>
-          </p:cNvCxnSpPr>
-          <p:nvPr/>
-        </p:nvCxnSpPr>
-        <p:spPr>
-          <a:xfrm rot="5400000">
-            <a:off x="8203891" y="2509328"/>
-            <a:ext cx="359617" cy="193846"/>
-          </a:xfrm>
-          <a:prstGeom prst="line">
-            <a:avLst/>
-          </a:prstGeom>
-          <a:ln>
-            <a:headEnd type="none"/>
-          </a:ln>
-        </p:spPr>
-        <p:style>
-          <a:lnRef idx="2">
-            <a:schemeClr val="accent1"/>
-          </a:lnRef>
-          <a:fillRef idx="1">
-            <a:schemeClr val="lt1"/>
-          </a:fillRef>
-          <a:effectRef idx="0">
-            <a:schemeClr val="accent1"/>
-          </a:effectRef>
-          <a:fontRef idx="minor">
-            <a:schemeClr val="dk1"/>
-          </a:fontRef>
-        </p:style>
-      </p:cxnSp>
-      <p:cxnSp>
-        <p:nvCxnSpPr>
-          <p:cNvPr id="64" name="Gerade Verbindung 63"/>
-          <p:cNvCxnSpPr>
-            <a:stCxn id="174" idx="3"/>
-            <a:endCxn id="14" idx="3"/>
-          </p:cNvCxnSpPr>
-          <p:nvPr/>
-        </p:nvCxnSpPr>
-        <p:spPr>
-          <a:xfrm rot="5400000">
-            <a:off x="8091729" y="3877860"/>
-            <a:ext cx="139097" cy="606257"/>
-          </a:xfrm>
-          <a:prstGeom prst="line">
-            <a:avLst/>
-          </a:prstGeom>
-          <a:ln>
-            <a:headEnd type="none"/>
-          </a:ln>
-        </p:spPr>
-        <p:style>
-          <a:lnRef idx="2">
-            <a:schemeClr val="accent1"/>
-          </a:lnRef>
-          <a:fillRef idx="1">
-            <a:schemeClr val="lt1"/>
-          </a:fillRef>
-          <a:effectRef idx="0">
-            <a:schemeClr val="accent1"/>
-          </a:effectRef>
-          <a:fontRef idx="minor">
-            <a:schemeClr val="dk1"/>
-          </a:fontRef>
-        </p:style>
-      </p:cxnSp>
-      <p:cxnSp>
-        <p:nvCxnSpPr>
-          <p:cNvPr id="97" name="Gerade Verbindung 96"/>
-          <p:cNvCxnSpPr>
-            <a:stCxn id="30" idx="2"/>
-            <a:endCxn id="187" idx="3"/>
-          </p:cNvCxnSpPr>
-          <p:nvPr/>
-        </p:nvCxnSpPr>
-        <p:spPr>
-          <a:xfrm rot="5400000">
-            <a:off x="5232214" y="4028253"/>
-            <a:ext cx="106313" cy="2020"/>
-          </a:xfrm>
-          <a:prstGeom prst="line">
-            <a:avLst/>
-          </a:prstGeom>
-          <a:ln/>
-        </p:spPr>
-        <p:style>
-          <a:lnRef idx="2">
-            <a:schemeClr val="accent1"/>
-          </a:lnRef>
-          <a:fillRef idx="1">
-            <a:schemeClr val="lt1"/>
-          </a:fillRef>
-          <a:effectRef idx="0">
-            <a:schemeClr val="accent1"/>
-          </a:effectRef>
-          <a:fontRef idx="minor">
-            <a:schemeClr val="dk1"/>
-          </a:fontRef>
-        </p:style>
-      </p:cxnSp>
-      <p:cxnSp>
-        <p:nvCxnSpPr>
-          <p:cNvPr id="101" name="Gerade Verbindung 100"/>
-          <p:cNvCxnSpPr>
-            <a:stCxn id="190" idx="3"/>
-            <a:endCxn id="30" idx="0"/>
-          </p:cNvCxnSpPr>
-          <p:nvPr/>
-        </p:nvCxnSpPr>
-        <p:spPr>
-          <a:xfrm rot="16200000" flipH="1">
-            <a:off x="5232213" y="3564750"/>
-            <a:ext cx="106314" cy="2020"/>
-          </a:xfrm>
-          <a:prstGeom prst="line">
-            <a:avLst/>
-          </a:prstGeom>
-          <a:ln/>
-        </p:spPr>
-        <p:style>
-          <a:lnRef idx="2">
-            <a:schemeClr val="accent1"/>
-          </a:lnRef>
-          <a:fillRef idx="1">
-            <a:schemeClr val="lt1"/>
-          </a:fillRef>
-          <a:effectRef idx="0">
-            <a:schemeClr val="accent1"/>
-          </a:effectRef>
-          <a:fontRef idx="minor">
-            <a:schemeClr val="dk1"/>
-          </a:fontRef>
-        </p:style>
-      </p:cxnSp>
-      <p:sp>
-        <p:nvSpPr>
-          <p:cNvPr id="92" name="Abgerundetes Rechteck 91"/>
-          <p:cNvSpPr/>
-          <p:nvPr/>
-        </p:nvSpPr>
-        <p:spPr>
-          <a:xfrm>
-            <a:off x="4283968" y="7142245"/>
-            <a:ext cx="2000264" cy="214314"/>
-          </a:xfrm>
-          <a:prstGeom prst="roundRect">
-            <a:avLst/>
-          </a:prstGeom>
-          <a:solidFill>
-            <a:srgbClr val="F7FAFF"/>
-          </a:solidFill>
-          <a:ln>
-            <a:prstDash val="sysDash"/>
-          </a:ln>
-        </p:spPr>
-        <p:style>
-          <a:lnRef idx="2">
-            <a:schemeClr val="accent1"/>
-          </a:lnRef>
-          <a:fillRef idx="1">
-            <a:schemeClr val="lt1"/>
-          </a:fillRef>
-          <a:effectRef idx="0">
-            <a:schemeClr val="accent1"/>
-          </a:effectRef>
-          <a:fontRef idx="minor">
-            <a:schemeClr val="dk1"/>
-          </a:fontRef>
-        </p:style>
-        <p:txBody>
-          <a:bodyPr rtlCol="0" anchor="ctr"/>
-          <a:lstStyle/>
-          <a:p>
-            <a:pPr algn="ctr"/>
-            <a:r>
-              <a:rPr lang="de-DE" sz="1200" dirty="0" err="1" smtClean="0"/>
-              <a:t>MolecularInteraction</a:t>
-            </a:r>
-            <a:endParaRPr lang="de-DE" sz="1200" dirty="0"/>
-          </a:p>
-        </p:txBody>
-      </p:sp>
-      <p:sp>
-        <p:nvSpPr>
-          <p:cNvPr id="93" name="Abgerundetes Rechteck 92"/>
-          <p:cNvSpPr/>
-          <p:nvPr/>
-        </p:nvSpPr>
-        <p:spPr>
-          <a:xfrm>
-            <a:off x="4283968" y="6856493"/>
-            <a:ext cx="2000264" cy="214314"/>
-          </a:xfrm>
-          <a:prstGeom prst="roundRect">
-            <a:avLst/>
-          </a:prstGeom>
-          <a:solidFill>
-            <a:srgbClr val="F7FAFF"/>
-          </a:solidFill>
-          <a:ln>
-            <a:prstDash val="sysDash"/>
-          </a:ln>
-        </p:spPr>
-        <p:style>
-          <a:lnRef idx="2">
-            <a:schemeClr val="accent1"/>
-          </a:lnRef>
-          <a:fillRef idx="1">
-            <a:schemeClr val="lt1"/>
-          </a:fillRef>
-          <a:effectRef idx="0">
-            <a:schemeClr val="accent1"/>
-          </a:effectRef>
-          <a:fontRef idx="minor">
-            <a:schemeClr val="dk1"/>
-          </a:fontRef>
-        </p:style>
-        <p:txBody>
-          <a:bodyPr rtlCol="0" anchor="ctr"/>
-          <a:lstStyle/>
-          <a:p>
-            <a:pPr algn="ctr"/>
-            <a:r>
-              <a:rPr lang="de-DE" sz="1200" dirty="0" err="1" smtClean="0"/>
-              <a:t>GeneticInteraction</a:t>
-            </a:r>
-            <a:endParaRPr lang="de-DE" sz="1200" dirty="0"/>
-          </a:p>
-        </p:txBody>
-      </p:sp>
-      <p:cxnSp>
-        <p:nvCxnSpPr>
-          <p:cNvPr id="95" name="Gerade Verbindung 94"/>
-          <p:cNvCxnSpPr>
-            <a:stCxn id="174" idx="3"/>
-            <a:endCxn id="93" idx="3"/>
-          </p:cNvCxnSpPr>
-          <p:nvPr/>
-        </p:nvCxnSpPr>
-        <p:spPr>
-          <a:xfrm flipH="1">
-            <a:off x="6284232" y="4111440"/>
-            <a:ext cx="2180173" cy="2852210"/>
-          </a:xfrm>
-          <a:prstGeom prst="line">
-            <a:avLst/>
-          </a:prstGeom>
-          <a:ln>
-            <a:headEnd type="none"/>
-          </a:ln>
-        </p:spPr>
-        <p:style>
-          <a:lnRef idx="2">
-            <a:schemeClr val="accent1"/>
-          </a:lnRef>
-          <a:fillRef idx="1">
-            <a:schemeClr val="lt1"/>
-          </a:fillRef>
-          <a:effectRef idx="0">
-            <a:schemeClr val="accent1"/>
-          </a:effectRef>
-          <a:fontRef idx="minor">
-            <a:schemeClr val="dk1"/>
-          </a:fontRef>
-        </p:style>
-      </p:cxnSp>
       <p:cxnSp>
         <p:nvCxnSpPr>
           <p:cNvPr id="99" name="Gerade Verbindung 98"/>
           <p:cNvCxnSpPr>
-            <a:stCxn id="174" idx="3"/>
+            <a:stCxn id="167" idx="3"/>
             <a:endCxn id="92" idx="3"/>
           </p:cNvCxnSpPr>
           <p:nvPr/>
         </p:nvCxnSpPr>
         <p:spPr>
           <a:xfrm flipH="1">
-            <a:off x="6284232" y="4111440"/>
-            <a:ext cx="2180173" cy="3137962"/>
+            <a:off x="6356240" y="3120886"/>
+            <a:ext cx="2052944" cy="3079567"/>
           </a:xfrm>
           <a:prstGeom prst="line">
             <a:avLst/>
@@ -4256,241 +4270,13 @@
       </p:cxnSp>
       <p:sp>
         <p:nvSpPr>
-          <p:cNvPr id="103" name="Abgerundetes Rechteck 102"/>
-          <p:cNvSpPr/>
-          <p:nvPr/>
-        </p:nvSpPr>
-        <p:spPr>
-          <a:xfrm>
-            <a:off x="4283968" y="6570741"/>
-            <a:ext cx="2000264" cy="214314"/>
-          </a:xfrm>
-          <a:prstGeom prst="roundRect">
-            <a:avLst/>
-          </a:prstGeom>
-          <a:solidFill>
-            <a:srgbClr val="F7FAFF"/>
-          </a:solidFill>
-          <a:ln>
-            <a:prstDash val="sysDash"/>
-          </a:ln>
-        </p:spPr>
-        <p:style>
-          <a:lnRef idx="2">
-            <a:schemeClr val="accent1"/>
-          </a:lnRef>
-          <a:fillRef idx="1">
-            <a:schemeClr val="lt1"/>
-          </a:fillRef>
-          <a:effectRef idx="0">
-            <a:schemeClr val="accent1"/>
-          </a:effectRef>
-          <a:fontRef idx="minor">
-            <a:schemeClr val="dk1"/>
-          </a:fontRef>
-        </p:style>
-        <p:txBody>
-          <a:bodyPr rtlCol="0" anchor="ctr"/>
-          <a:lstStyle/>
-          <a:p>
-            <a:pPr algn="ctr"/>
-            <a:r>
-              <a:rPr lang="de-DE" sz="1200" dirty="0" err="1" smtClean="0"/>
-              <a:t>TemplateReaction</a:t>
-            </a:r>
-            <a:endParaRPr lang="de-DE" sz="1200" dirty="0"/>
-          </a:p>
-        </p:txBody>
-      </p:sp>
-      <p:cxnSp>
-        <p:nvCxnSpPr>
-          <p:cNvPr id="105" name="Gerade Verbindung 104"/>
-          <p:cNvCxnSpPr>
-            <a:stCxn id="174" idx="3"/>
-            <a:endCxn id="103" idx="3"/>
-          </p:cNvCxnSpPr>
-          <p:nvPr/>
-        </p:nvCxnSpPr>
-        <p:spPr>
-          <a:xfrm flipH="1">
-            <a:off x="6284232" y="4111440"/>
-            <a:ext cx="2180173" cy="2566458"/>
-          </a:xfrm>
-          <a:prstGeom prst="line">
-            <a:avLst/>
-          </a:prstGeom>
-          <a:ln>
-            <a:headEnd type="none"/>
-          </a:ln>
-        </p:spPr>
-        <p:style>
-          <a:lnRef idx="2">
-            <a:schemeClr val="accent1"/>
-          </a:lnRef>
-          <a:fillRef idx="1">
-            <a:schemeClr val="lt1"/>
-          </a:fillRef>
-          <a:effectRef idx="0">
-            <a:schemeClr val="accent1"/>
-          </a:effectRef>
-          <a:fontRef idx="minor">
-            <a:schemeClr val="dk1"/>
-          </a:fontRef>
-        </p:style>
-      </p:cxnSp>
-      <p:sp>
-        <p:nvSpPr>
-          <p:cNvPr id="168" name="Abgerundetes Rechteck 167"/>
-          <p:cNvSpPr/>
-          <p:nvPr/>
-        </p:nvSpPr>
-        <p:spPr>
-          <a:xfrm>
-            <a:off x="4283968" y="6165845"/>
-            <a:ext cx="2000264" cy="214314"/>
-          </a:xfrm>
-          <a:prstGeom prst="roundRect">
-            <a:avLst/>
-          </a:prstGeom>
-          <a:solidFill>
-            <a:srgbClr val="F7FAFF"/>
-          </a:solidFill>
-          <a:ln>
-            <a:prstDash val="sysDash"/>
-          </a:ln>
-        </p:spPr>
-        <p:style>
-          <a:lnRef idx="2">
-            <a:schemeClr val="accent1"/>
-          </a:lnRef>
-          <a:fillRef idx="1">
-            <a:schemeClr val="lt1"/>
-          </a:fillRef>
-          <a:effectRef idx="0">
-            <a:schemeClr val="accent1"/>
-          </a:effectRef>
-          <a:fontRef idx="minor">
-            <a:schemeClr val="dk1"/>
-          </a:fontRef>
-        </p:style>
-        <p:txBody>
-          <a:bodyPr rtlCol="0" anchor="ctr"/>
-          <a:lstStyle/>
-          <a:p>
-            <a:pPr algn="ctr"/>
-            <a:r>
-              <a:rPr lang="de-DE" sz="1200" dirty="0" err="1" smtClean="0"/>
-              <a:t>TemplateReactionRegulation</a:t>
-            </a:r>
-            <a:endParaRPr lang="de-DE" sz="1200" dirty="0"/>
-          </a:p>
-        </p:txBody>
-      </p:sp>
-      <p:sp>
-        <p:nvSpPr>
-          <p:cNvPr id="180" name="Abgerundetes Rechteck 179"/>
-          <p:cNvSpPr/>
-          <p:nvPr/>
-        </p:nvSpPr>
-        <p:spPr>
-          <a:xfrm>
-            <a:off x="4283968" y="5229200"/>
-            <a:ext cx="2000264" cy="214314"/>
-          </a:xfrm>
-          <a:prstGeom prst="roundRect">
-            <a:avLst/>
-          </a:prstGeom>
-          <a:solidFill>
-            <a:srgbClr val="F7FAFF"/>
-          </a:solidFill>
-          <a:ln>
-            <a:prstDash val="sysDash"/>
-          </a:ln>
-        </p:spPr>
-        <p:style>
-          <a:lnRef idx="2">
-            <a:schemeClr val="accent1"/>
-          </a:lnRef>
-          <a:fillRef idx="1">
-            <a:schemeClr val="lt1"/>
-          </a:fillRef>
-          <a:effectRef idx="0">
-            <a:schemeClr val="accent1"/>
-          </a:effectRef>
-          <a:fontRef idx="minor">
-            <a:schemeClr val="dk1"/>
-          </a:fontRef>
-        </p:style>
-        <p:txBody>
-          <a:bodyPr rtlCol="0" anchor="ctr"/>
-          <a:lstStyle/>
-          <a:p>
-            <a:pPr algn="ctr"/>
-            <a:r>
-              <a:rPr lang="de-DE" sz="1200" dirty="0" smtClean="0"/>
-              <a:t>Degradation</a:t>
-            </a:r>
-            <a:endParaRPr lang="de-DE" sz="1200" dirty="0"/>
-          </a:p>
-        </p:txBody>
-      </p:sp>
-      <p:sp>
-        <p:nvSpPr>
-          <p:cNvPr id="245" name="Abgerundetes Rechteck 244"/>
-          <p:cNvSpPr/>
-          <p:nvPr/>
-        </p:nvSpPr>
-        <p:spPr>
-          <a:xfrm>
-            <a:off x="4286248" y="2285992"/>
-            <a:ext cx="1571636" cy="214314"/>
-          </a:xfrm>
-          <a:prstGeom prst="roundRect">
-            <a:avLst/>
-          </a:prstGeom>
-          <a:solidFill>
-            <a:srgbClr val="F7FAFF"/>
-          </a:solidFill>
-          <a:ln>
-            <a:prstDash val="sysDash"/>
-          </a:ln>
-        </p:spPr>
-        <p:style>
-          <a:lnRef idx="2">
-            <a:schemeClr val="accent1"/>
-          </a:lnRef>
-          <a:fillRef idx="1">
-            <a:schemeClr val="lt1"/>
-          </a:fillRef>
-          <a:effectRef idx="0">
-            <a:schemeClr val="accent1"/>
-          </a:effectRef>
-          <a:fontRef idx="minor">
-            <a:schemeClr val="dk1"/>
-          </a:fontRef>
-        </p:style>
-        <p:txBody>
-          <a:bodyPr rtlCol="0" anchor="ctr"/>
-          <a:lstStyle/>
-          <a:p>
-            <a:pPr algn="ctr"/>
-            <a:r>
-              <a:rPr lang="de-DE" sz="1200" dirty="0" err="1" smtClean="0"/>
-              <a:t>RnaRegion</a:t>
-            </a:r>
-            <a:endParaRPr lang="de-DE" sz="1200" dirty="0"/>
-          </a:p>
-        </p:txBody>
-      </p:sp>
-      <p:sp>
-        <p:nvSpPr>
           <p:cNvPr id="246" name="Abgerundetes Rechteck 245"/>
           <p:cNvSpPr/>
           <p:nvPr/>
         </p:nvSpPr>
         <p:spPr>
           <a:xfrm>
-            <a:off x="4286248" y="2571744"/>
+            <a:off x="4283968" y="1484784"/>
             <a:ext cx="1571636" cy="214314"/>
           </a:xfrm>
           <a:prstGeom prst="roundRect">
@@ -4574,7 +4360,7 @@
         </p:nvCxnSpPr>
         <p:spPr>
           <a:xfrm>
-            <a:off x="7159264" y="1000108"/>
+            <a:off x="7159264" y="793386"/>
             <a:ext cx="285752" cy="0"/>
           </a:xfrm>
           <a:prstGeom prst="line">
@@ -4605,7 +4391,7 @@
         </p:nvCxnSpPr>
         <p:spPr>
           <a:xfrm>
-            <a:off x="7159264" y="1142984"/>
+            <a:off x="7159264" y="936262"/>
             <a:ext cx="285752" cy="0"/>
           </a:xfrm>
           <a:prstGeom prst="line">
@@ -4638,7 +4424,7 @@
         </p:nvSpPr>
         <p:spPr>
           <a:xfrm>
-            <a:off x="7445016" y="857232"/>
+            <a:off x="7445016" y="650510"/>
             <a:ext cx="982961" cy="230832"/>
           </a:xfrm>
           <a:prstGeom prst="rect">
@@ -4676,8 +4462,8 @@
         </p:nvSpPr>
         <p:spPr>
           <a:xfrm>
-            <a:off x="7445016" y="1028626"/>
-            <a:ext cx="1401346" cy="230832"/>
+            <a:off x="7445016" y="821904"/>
+            <a:ext cx="963725" cy="230832"/>
           </a:xfrm>
           <a:prstGeom prst="rect">
             <a:avLst/>
@@ -4698,14 +4484,6 @@
               <a:rPr lang="de-DE" sz="900" dirty="0" err="1" smtClean="0"/>
               <a:t>exclusive</a:t>
             </a:r>
-            <a:r>
-              <a:rPr lang="de-DE" sz="900" dirty="0" smtClean="0"/>
-              <a:t> </a:t>
-            </a:r>
-            <a:r>
-              <a:rPr lang="de-DE" sz="900" dirty="0" err="1" smtClean="0"/>
-              <a:t>mapping</a:t>
-            </a:r>
             <a:endParaRPr lang="de-DE" sz="900" dirty="0"/>
           </a:p>
         </p:txBody>
@@ -4718,7 +4496,7 @@
         </p:nvSpPr>
         <p:spPr>
           <a:xfrm>
-            <a:off x="7445016" y="571480"/>
+            <a:off x="7445016" y="364758"/>
             <a:ext cx="720069" cy="230832"/>
           </a:xfrm>
           <a:prstGeom prst="rect">
@@ -4742,13 +4520,13 @@
       </p:sp>
       <p:sp>
         <p:nvSpPr>
-          <p:cNvPr id="111" name="Abgerundetes Rechteck 110"/>
+          <p:cNvPr id="112" name="Abgerundetes Rechteck 111"/>
           <p:cNvSpPr/>
           <p:nvPr/>
         </p:nvSpPr>
         <p:spPr>
           <a:xfrm>
-            <a:off x="7159264" y="460511"/>
+            <a:off x="7159264" y="278104"/>
             <a:ext cx="285752" cy="110969"/>
           </a:xfrm>
           <a:prstGeom prst="roundRect">
@@ -4757,9 +4535,6 @@
           <a:solidFill>
             <a:srgbClr val="F7FAFF"/>
           </a:solidFill>
-          <a:ln>
-            <a:prstDash val="sysDash"/>
-          </a:ln>
         </p:spPr>
         <p:style>
           <a:lnRef idx="2">
@@ -4781,81 +4556,6 @@
           <a:p>
             <a:pPr algn="ctr"/>
             <a:endParaRPr lang="de-DE" sz="1200" dirty="0"/>
-          </a:p>
-        </p:txBody>
-      </p:sp>
-      <p:sp>
-        <p:nvSpPr>
-          <p:cNvPr id="112" name="Abgerundetes Rechteck 111"/>
-          <p:cNvSpPr/>
-          <p:nvPr/>
-        </p:nvSpPr>
-        <p:spPr>
-          <a:xfrm>
-            <a:off x="7159264" y="278104"/>
-            <a:ext cx="285752" cy="110969"/>
-          </a:xfrm>
-          <a:prstGeom prst="roundRect">
-            <a:avLst/>
-          </a:prstGeom>
-          <a:solidFill>
-            <a:srgbClr val="F7FAFF"/>
-          </a:solidFill>
-        </p:spPr>
-        <p:style>
-          <a:lnRef idx="2">
-            <a:schemeClr val="accent1"/>
-          </a:lnRef>
-          <a:fillRef idx="1">
-            <a:schemeClr val="lt1"/>
-          </a:fillRef>
-          <a:effectRef idx="0">
-            <a:schemeClr val="accent1"/>
-          </a:effectRef>
-          <a:fontRef idx="minor">
-            <a:schemeClr val="dk1"/>
-          </a:fontRef>
-        </p:style>
-        <p:txBody>
-          <a:bodyPr rtlCol="0" anchor="ctr"/>
-          <a:lstStyle/>
-          <a:p>
-            <a:pPr algn="ctr"/>
-            <a:endParaRPr lang="de-DE" sz="1200" dirty="0"/>
-          </a:p>
-        </p:txBody>
-      </p:sp>
-      <p:sp>
-        <p:nvSpPr>
-          <p:cNvPr id="114" name="Textfeld 113"/>
-          <p:cNvSpPr txBox="1"/>
-          <p:nvPr/>
-        </p:nvSpPr>
-        <p:spPr>
-          <a:xfrm>
-            <a:off x="7445016" y="396697"/>
-            <a:ext cx="930063" cy="230832"/>
-          </a:xfrm>
-          <a:prstGeom prst="rect">
-            <a:avLst/>
-          </a:prstGeom>
-          <a:noFill/>
-        </p:spPr>
-        <p:txBody>
-          <a:bodyPr wrap="none" rtlCol="0">
-            <a:spAutoFit/>
-          </a:bodyPr>
-          <a:lstStyle/>
-          <a:p>
-            <a:r>
-              <a:rPr lang="de-DE" sz="900" dirty="0" smtClean="0"/>
-              <a:t>Level 3 </a:t>
-            </a:r>
-            <a:r>
-              <a:rPr lang="de-DE" sz="900" dirty="0" err="1" smtClean="0"/>
-              <a:t>element</a:t>
-            </a:r>
-            <a:endParaRPr lang="de-DE" sz="900" dirty="0"/>
           </a:p>
         </p:txBody>
       </p:sp>
@@ -4909,7 +4609,7 @@
         </p:nvGrpSpPr>
         <p:grpSpPr>
           <a:xfrm>
-            <a:off x="7154736" y="665279"/>
+            <a:off x="7154736" y="458557"/>
             <a:ext cx="290280" cy="71438"/>
             <a:chOff x="209754" y="1071546"/>
             <a:chExt cx="290280" cy="71438"/>
@@ -4997,7 +4697,7 @@
         </p:nvCxnSpPr>
         <p:spPr>
           <a:xfrm>
-            <a:off x="7257102" y="864479"/>
+            <a:off x="7257102" y="657757"/>
             <a:ext cx="198000" cy="0"/>
           </a:xfrm>
           <a:prstGeom prst="line">
@@ -5028,7 +4728,7 @@
         </p:nvSpPr>
         <p:spPr>
           <a:xfrm>
-            <a:off x="7159264" y="817701"/>
+            <a:off x="7159264" y="610979"/>
             <a:ext cx="90000" cy="90000"/>
           </a:xfrm>
           <a:prstGeom prst="diamond">
@@ -5070,7 +4770,7 @@
         </p:nvSpPr>
         <p:spPr>
           <a:xfrm>
-            <a:off x="7439327" y="723880"/>
+            <a:off x="7439327" y="517158"/>
             <a:ext cx="798617" cy="230832"/>
           </a:xfrm>
           <a:prstGeom prst="rect">
@@ -5215,14 +4915,14 @@
           <p:cNvPr id="166" name="Gerade Verbindung 165"/>
           <p:cNvCxnSpPr>
             <a:stCxn id="167" idx="3"/>
-            <a:endCxn id="13" idx="0"/>
+            <a:endCxn id="13" idx="3"/>
           </p:cNvCxnSpPr>
           <p:nvPr/>
         </p:nvCxnSpPr>
         <p:spPr>
-          <a:xfrm rot="5400000">
-            <a:off x="7943898" y="3320904"/>
-            <a:ext cx="665304" cy="265268"/>
+          <a:xfrm flipH="1">
+            <a:off x="5928720" y="3120886"/>
+            <a:ext cx="2480464" cy="2719527"/>
           </a:xfrm>
           <a:prstGeom prst="line">
             <a:avLst/>
@@ -5285,216 +4985,6 @@
           <a:p>
             <a:pPr algn="ctr"/>
             <a:endParaRPr lang="de-DE" b="1" dirty="0"/>
-          </a:p>
-        </p:txBody>
-      </p:sp>
-      <p:cxnSp>
-        <p:nvCxnSpPr>
-          <p:cNvPr id="173" name="Gerade Verbindung 172"/>
-          <p:cNvCxnSpPr>
-            <a:stCxn id="174" idx="3"/>
-            <a:endCxn id="15" idx="3"/>
-          </p:cNvCxnSpPr>
-          <p:nvPr/>
-        </p:nvCxnSpPr>
-        <p:spPr>
-          <a:xfrm flipH="1">
-            <a:off x="7498678" y="4111440"/>
-            <a:ext cx="965727" cy="1352012"/>
-          </a:xfrm>
-          <a:prstGeom prst="line">
-            <a:avLst/>
-          </a:prstGeom>
-          <a:ln>
-            <a:headEnd type="none"/>
-          </a:ln>
-        </p:spPr>
-        <p:style>
-          <a:lnRef idx="2">
-            <a:schemeClr val="accent1"/>
-          </a:lnRef>
-          <a:fillRef idx="1">
-            <a:schemeClr val="lt1"/>
-          </a:fillRef>
-          <a:effectRef idx="0">
-            <a:schemeClr val="accent1"/>
-          </a:effectRef>
-          <a:fontRef idx="minor">
-            <a:schemeClr val="dk1"/>
-          </a:fontRef>
-        </p:style>
-      </p:cxnSp>
-      <p:sp>
-        <p:nvSpPr>
-          <p:cNvPr id="174" name="Gleichschenkliges Dreieck 173"/>
-          <p:cNvSpPr/>
-          <p:nvPr/>
-        </p:nvSpPr>
-        <p:spPr>
-          <a:xfrm rot="2220000" flipH="1">
-            <a:off x="8442903" y="4014314"/>
-            <a:ext cx="108000" cy="108000"/>
-          </a:xfrm>
-          <a:prstGeom prst="triangle">
-            <a:avLst/>
-          </a:prstGeom>
-          <a:noFill/>
-          <a:ln w="25400"/>
-        </p:spPr>
-        <p:style>
-          <a:lnRef idx="2">
-            <a:schemeClr val="accent1">
-              <a:shade val="50000"/>
-            </a:schemeClr>
-          </a:lnRef>
-          <a:fillRef idx="1">
-            <a:schemeClr val="accent1"/>
-          </a:fillRef>
-          <a:effectRef idx="0">
-            <a:schemeClr val="accent1"/>
-          </a:effectRef>
-          <a:fontRef idx="minor">
-            <a:schemeClr val="lt1"/>
-          </a:fontRef>
-        </p:style>
-        <p:txBody>
-          <a:bodyPr rtlCol="0" anchor="ctr"/>
-          <a:lstStyle/>
-          <a:p>
-            <a:pPr algn="ctr"/>
-            <a:endParaRPr lang="de-DE" b="1" dirty="0"/>
-          </a:p>
-        </p:txBody>
-      </p:sp>
-      <p:sp>
-        <p:nvSpPr>
-          <p:cNvPr id="187" name="Gleichschenkliges Dreieck 186"/>
-          <p:cNvSpPr/>
-          <p:nvPr/>
-        </p:nvSpPr>
-        <p:spPr>
-          <a:xfrm rot="10800000">
-            <a:off x="5230360" y="4082420"/>
-            <a:ext cx="108000" cy="108000"/>
-          </a:xfrm>
-          <a:prstGeom prst="triangle">
-            <a:avLst/>
-          </a:prstGeom>
-          <a:noFill/>
-          <a:ln w="25400"/>
-        </p:spPr>
-        <p:style>
-          <a:lnRef idx="2">
-            <a:schemeClr val="accent1">
-              <a:shade val="50000"/>
-            </a:schemeClr>
-          </a:lnRef>
-          <a:fillRef idx="1">
-            <a:schemeClr val="accent1"/>
-          </a:fillRef>
-          <a:effectRef idx="0">
-            <a:schemeClr val="accent1"/>
-          </a:effectRef>
-          <a:fontRef idx="minor">
-            <a:schemeClr val="lt1"/>
-          </a:fontRef>
-        </p:style>
-        <p:txBody>
-          <a:bodyPr rtlCol="0" anchor="ctr"/>
-          <a:lstStyle/>
-          <a:p>
-            <a:pPr algn="ctr"/>
-            <a:endParaRPr lang="de-DE" b="1" dirty="0"/>
-          </a:p>
-        </p:txBody>
-      </p:sp>
-      <p:sp>
-        <p:nvSpPr>
-          <p:cNvPr id="190" name="Gleichschenkliges Dreieck 189"/>
-          <p:cNvSpPr/>
-          <p:nvPr/>
-        </p:nvSpPr>
-        <p:spPr>
-          <a:xfrm rot="10800000" flipH="1" flipV="1">
-            <a:off x="5230360" y="3404603"/>
-            <a:ext cx="108000" cy="108000"/>
-          </a:xfrm>
-          <a:prstGeom prst="triangle">
-            <a:avLst/>
-          </a:prstGeom>
-          <a:noFill/>
-          <a:ln w="25400"/>
-        </p:spPr>
-        <p:style>
-          <a:lnRef idx="2">
-            <a:schemeClr val="accent1">
-              <a:shade val="50000"/>
-            </a:schemeClr>
-          </a:lnRef>
-          <a:fillRef idx="1">
-            <a:schemeClr val="accent1"/>
-          </a:fillRef>
-          <a:effectRef idx="0">
-            <a:schemeClr val="accent1"/>
-          </a:effectRef>
-          <a:fontRef idx="minor">
-            <a:schemeClr val="lt1"/>
-          </a:fontRef>
-        </p:style>
-        <p:txBody>
-          <a:bodyPr rtlCol="0" anchor="ctr"/>
-          <a:lstStyle/>
-          <a:p>
-            <a:pPr algn="ctr"/>
-            <a:endParaRPr lang="de-DE" b="1" dirty="0"/>
-          </a:p>
-        </p:txBody>
-      </p:sp>
-      <p:sp>
-        <p:nvSpPr>
-          <p:cNvPr id="136" name="Abgerundetes Rechteck 135"/>
-          <p:cNvSpPr/>
-          <p:nvPr/>
-        </p:nvSpPr>
-        <p:spPr>
-          <a:xfrm>
-            <a:off x="4286248" y="571480"/>
-            <a:ext cx="1571636" cy="214314"/>
-          </a:xfrm>
-          <a:prstGeom prst="roundRect">
-            <a:avLst/>
-          </a:prstGeom>
-          <a:solidFill>
-            <a:srgbClr val="F7FAFF"/>
-          </a:solidFill>
-          <a:ln>
-            <a:prstDash val="sysDash"/>
-          </a:ln>
-        </p:spPr>
-        <p:style>
-          <a:lnRef idx="2">
-            <a:schemeClr val="accent1"/>
-          </a:lnRef>
-          <a:fillRef idx="1">
-            <a:schemeClr val="lt1"/>
-          </a:fillRef>
-          <a:effectRef idx="0">
-            <a:schemeClr val="accent1"/>
-          </a:effectRef>
-          <a:fontRef idx="minor">
-            <a:schemeClr val="dk1"/>
-          </a:fontRef>
-        </p:style>
-        <p:txBody>
-          <a:bodyPr rtlCol="0" anchor="ctr"/>
-          <a:lstStyle/>
-          <a:p>
-            <a:pPr algn="ctr"/>
-            <a:r>
-              <a:rPr lang="de-DE" sz="1200" dirty="0" smtClean="0"/>
-              <a:t>Gene</a:t>
-            </a:r>
-            <a:endParaRPr lang="de-DE" sz="1200" dirty="0"/>
           </a:p>
         </p:txBody>
       </p:sp>
@@ -5637,42 +5127,6 @@
           <a:xfrm>
             <a:off x="5857884" y="250009"/>
             <a:ext cx="2151091" cy="1946385"/>
-          </a:xfrm>
-          <a:prstGeom prst="line">
-            <a:avLst/>
-          </a:prstGeom>
-          <a:ln>
-            <a:headEnd type="none"/>
-          </a:ln>
-        </p:spPr>
-        <p:style>
-          <a:lnRef idx="2">
-            <a:schemeClr val="accent1"/>
-          </a:lnRef>
-          <a:fillRef idx="1">
-            <a:schemeClr val="lt1"/>
-          </a:fillRef>
-          <a:effectRef idx="0">
-            <a:schemeClr val="accent1"/>
-          </a:effectRef>
-          <a:fontRef idx="minor">
-            <a:schemeClr val="dk1"/>
-          </a:fontRef>
-        </p:style>
-      </p:cxnSp>
-      <p:cxnSp>
-        <p:nvCxnSpPr>
-          <p:cNvPr id="208" name="Gerade Verbindung 207"/>
-          <p:cNvCxnSpPr>
-            <a:stCxn id="136" idx="3"/>
-            <a:endCxn id="137" idx="3"/>
-          </p:cNvCxnSpPr>
-          <p:nvPr/>
-        </p:nvCxnSpPr>
-        <p:spPr>
-          <a:xfrm>
-            <a:off x="5857884" y="678637"/>
-            <a:ext cx="2151091" cy="1517757"/>
           </a:xfrm>
           <a:prstGeom prst="line">
             <a:avLst/>
@@ -5812,150 +5266,6 @@
       </p:cxnSp>
       <p:cxnSp>
         <p:nvCxnSpPr>
-          <p:cNvPr id="222" name="Gerade Verbindung 221"/>
-          <p:cNvCxnSpPr>
-            <a:stCxn id="10" idx="3"/>
-            <a:endCxn id="214" idx="3"/>
-          </p:cNvCxnSpPr>
-          <p:nvPr/>
-        </p:nvCxnSpPr>
-        <p:spPr>
-          <a:xfrm>
-            <a:off x="5857884" y="1535893"/>
-            <a:ext cx="590478" cy="650742"/>
-          </a:xfrm>
-          <a:prstGeom prst="line">
-            <a:avLst/>
-          </a:prstGeom>
-          <a:ln>
-            <a:headEnd type="none"/>
-          </a:ln>
-        </p:spPr>
-        <p:style>
-          <a:lnRef idx="2">
-            <a:schemeClr val="accent1"/>
-          </a:lnRef>
-          <a:fillRef idx="1">
-            <a:schemeClr val="lt1"/>
-          </a:fillRef>
-          <a:effectRef idx="0">
-            <a:schemeClr val="accent1"/>
-          </a:effectRef>
-          <a:fontRef idx="minor">
-            <a:schemeClr val="dk1"/>
-          </a:fontRef>
-        </p:style>
-      </p:cxnSp>
-      <p:cxnSp>
-        <p:nvCxnSpPr>
-          <p:cNvPr id="225" name="Gerade Verbindung 224"/>
-          <p:cNvCxnSpPr>
-            <a:stCxn id="11" idx="3"/>
-            <a:endCxn id="214" idx="3"/>
-          </p:cNvCxnSpPr>
-          <p:nvPr/>
-        </p:nvCxnSpPr>
-        <p:spPr>
-          <a:xfrm>
-            <a:off x="5857884" y="1821645"/>
-            <a:ext cx="590478" cy="364990"/>
-          </a:xfrm>
-          <a:prstGeom prst="line">
-            <a:avLst/>
-          </a:prstGeom>
-          <a:ln>
-            <a:headEnd type="none"/>
-          </a:ln>
-        </p:spPr>
-        <p:style>
-          <a:lnRef idx="2">
-            <a:schemeClr val="accent1"/>
-          </a:lnRef>
-          <a:fillRef idx="1">
-            <a:schemeClr val="lt1"/>
-          </a:fillRef>
-          <a:effectRef idx="0">
-            <a:schemeClr val="accent1"/>
-          </a:effectRef>
-          <a:fontRef idx="minor">
-            <a:schemeClr val="dk1"/>
-          </a:fontRef>
-        </p:style>
-      </p:cxnSp>
-      <p:cxnSp>
-        <p:nvCxnSpPr>
-          <p:cNvPr id="230" name="Gerade Verbindung 229"/>
-          <p:cNvCxnSpPr>
-            <a:stCxn id="12" idx="3"/>
-            <a:endCxn id="214" idx="3"/>
-          </p:cNvCxnSpPr>
-          <p:nvPr/>
-        </p:nvCxnSpPr>
-        <p:spPr>
-          <a:xfrm>
-            <a:off x="5857884" y="2107397"/>
-            <a:ext cx="590478" cy="79238"/>
-          </a:xfrm>
-          <a:prstGeom prst="line">
-            <a:avLst/>
-          </a:prstGeom>
-          <a:ln>
-            <a:headEnd type="none"/>
-          </a:ln>
-        </p:spPr>
-        <p:style>
-          <a:lnRef idx="2">
-            <a:schemeClr val="accent1"/>
-          </a:lnRef>
-          <a:fillRef idx="1">
-            <a:schemeClr val="lt1"/>
-          </a:fillRef>
-          <a:effectRef idx="0">
-            <a:schemeClr val="accent1"/>
-          </a:effectRef>
-          <a:fontRef idx="minor">
-            <a:schemeClr val="dk1"/>
-          </a:fontRef>
-        </p:style>
-      </p:cxnSp>
-      <p:cxnSp>
-        <p:nvCxnSpPr>
-          <p:cNvPr id="234" name="Gerade Verbindung 233"/>
-          <p:cNvCxnSpPr>
-            <a:stCxn id="245" idx="3"/>
-            <a:endCxn id="214" idx="3"/>
-          </p:cNvCxnSpPr>
-          <p:nvPr/>
-        </p:nvCxnSpPr>
-        <p:spPr>
-          <a:xfrm flipV="1">
-            <a:off x="5857884" y="2186635"/>
-            <a:ext cx="590478" cy="206514"/>
-          </a:xfrm>
-          <a:prstGeom prst="line">
-            <a:avLst/>
-          </a:prstGeom>
-          <a:ln>
-            <a:headEnd type="none"/>
-          </a:ln>
-        </p:spPr>
-        <p:style>
-          <a:lnRef idx="2">
-            <a:schemeClr val="accent1"/>
-          </a:lnRef>
-          <a:fillRef idx="1">
-            <a:schemeClr val="lt1"/>
-          </a:fillRef>
-          <a:effectRef idx="0">
-            <a:schemeClr val="accent1"/>
-          </a:effectRef>
-          <a:fontRef idx="minor">
-            <a:schemeClr val="dk1"/>
-          </a:fontRef>
-        </p:style>
-      </p:cxnSp>
-      <p:cxnSp>
-        <p:nvCxnSpPr>
           <p:cNvPr id="237" name="Gerade Verbindung 236"/>
           <p:cNvCxnSpPr>
             <a:stCxn id="246" idx="3"/>
@@ -5964,9 +5274,9 @@
           <p:nvPr/>
         </p:nvCxnSpPr>
         <p:spPr>
-          <a:xfrm flipV="1">
-            <a:off x="5857884" y="2186635"/>
-            <a:ext cx="590478" cy="492266"/>
+          <a:xfrm>
+            <a:off x="5855604" y="1591941"/>
+            <a:ext cx="592758" cy="594694"/>
           </a:xfrm>
           <a:prstGeom prst="line">
             <a:avLst/>
@@ -6000,9 +5310,9 @@
           <p:nvPr/>
         </p:nvCxnSpPr>
         <p:spPr>
-          <a:xfrm rot="5400000">
-            <a:off x="6577725" y="5380359"/>
-            <a:ext cx="27647" cy="614631"/>
+          <a:xfrm flipH="1">
+            <a:off x="6281952" y="3331726"/>
+            <a:ext cx="205383" cy="155110"/>
           </a:xfrm>
           <a:prstGeom prst="line">
             <a:avLst/>
@@ -6034,7 +5344,7 @@
         </p:nvSpPr>
         <p:spPr>
           <a:xfrm rot="2220000" flipH="1">
-            <a:off x="6877361" y="5576725"/>
+            <a:off x="6465833" y="3234600"/>
             <a:ext cx="108000" cy="108000"/>
           </a:xfrm>
           <a:prstGeom prst="triangle">
@@ -6075,8 +5385,8 @@
           <p:nvPr/>
         </p:nvSpPr>
         <p:spPr>
-          <a:xfrm rot="5400000" flipH="1">
-            <a:off x="6821454" y="4162176"/>
+          <a:xfrm rot="10800000" flipH="1">
+            <a:off x="5227482" y="4149080"/>
             <a:ext cx="108000" cy="108000"/>
           </a:xfrm>
           <a:prstGeom prst="triangle">
@@ -6110,55 +5420,19 @@
           </a:p>
         </p:txBody>
       </p:sp>
-      <p:cxnSp>
-        <p:nvCxnSpPr>
-          <p:cNvPr id="274" name="Gerade Verbindung 273"/>
-          <p:cNvCxnSpPr>
-            <a:stCxn id="28" idx="3"/>
-            <a:endCxn id="273" idx="3"/>
-          </p:cNvCxnSpPr>
-          <p:nvPr/>
-        </p:nvCxnSpPr>
-        <p:spPr>
-          <a:xfrm>
-            <a:off x="6286512" y="3011694"/>
-            <a:ext cx="534942" cy="1204482"/>
-          </a:xfrm>
-          <a:prstGeom prst="line">
-            <a:avLst/>
-          </a:prstGeom>
-          <a:ln>
-            <a:headEnd type="none"/>
-          </a:ln>
-        </p:spPr>
-        <p:style>
-          <a:lnRef idx="2">
-            <a:schemeClr val="accent1"/>
-          </a:lnRef>
-          <a:fillRef idx="1">
-            <a:schemeClr val="lt1"/>
-          </a:fillRef>
-          <a:effectRef idx="0">
-            <a:schemeClr val="accent1"/>
-          </a:effectRef>
-          <a:fontRef idx="minor">
-            <a:schemeClr val="dk1"/>
-          </a:fontRef>
-        </p:style>
-      </p:cxnSp>
       <p:cxnSp>
         <p:nvCxnSpPr>
           <p:cNvPr id="276" name="Gerade Verbindung 275"/>
           <p:cNvCxnSpPr>
-            <a:stCxn id="16" idx="3"/>
+            <a:stCxn id="16" idx="2"/>
             <a:endCxn id="273" idx="3"/>
           </p:cNvCxnSpPr>
           <p:nvPr/>
         </p:nvCxnSpPr>
         <p:spPr>
-          <a:xfrm>
-            <a:off x="6286512" y="3297446"/>
-            <a:ext cx="534942" cy="918730"/>
+          <a:xfrm flipH="1">
+            <a:off x="5281482" y="3931346"/>
+            <a:ext cx="2618" cy="217734"/>
           </a:xfrm>
           <a:prstGeom prst="line">
             <a:avLst/>
@@ -6182,150 +5456,6 @@
           </a:fontRef>
         </p:style>
       </p:cxnSp>
-      <p:cxnSp>
-        <p:nvCxnSpPr>
-          <p:cNvPr id="280" name="Gerade Verbindung 279"/>
-          <p:cNvCxnSpPr>
-            <a:stCxn id="30" idx="3"/>
-            <a:endCxn id="273" idx="3"/>
-          </p:cNvCxnSpPr>
-          <p:nvPr/>
-        </p:nvCxnSpPr>
-        <p:spPr>
-          <a:xfrm>
-            <a:off x="6286512" y="3797512"/>
-            <a:ext cx="534942" cy="418664"/>
-          </a:xfrm>
-          <a:prstGeom prst="line">
-            <a:avLst/>
-          </a:prstGeom>
-          <a:ln>
-            <a:headEnd type="none"/>
-          </a:ln>
-        </p:spPr>
-        <p:style>
-          <a:lnRef idx="2">
-            <a:schemeClr val="accent1"/>
-          </a:lnRef>
-          <a:fillRef idx="1">
-            <a:schemeClr val="lt1"/>
-          </a:fillRef>
-          <a:effectRef idx="0">
-            <a:schemeClr val="accent1"/>
-          </a:effectRef>
-          <a:fontRef idx="minor">
-            <a:schemeClr val="dk1"/>
-          </a:fontRef>
-        </p:style>
-      </p:cxnSp>
-      <p:cxnSp>
-        <p:nvCxnSpPr>
-          <p:cNvPr id="284" name="Gerade Verbindung 283"/>
-          <p:cNvCxnSpPr>
-            <a:stCxn id="29" idx="3"/>
-            <a:endCxn id="273" idx="3"/>
-          </p:cNvCxnSpPr>
-          <p:nvPr/>
-        </p:nvCxnSpPr>
-        <p:spPr>
-          <a:xfrm flipV="1">
-            <a:off x="6286512" y="4216176"/>
-            <a:ext cx="534942" cy="102676"/>
-          </a:xfrm>
-          <a:prstGeom prst="line">
-            <a:avLst/>
-          </a:prstGeom>
-          <a:ln>
-            <a:headEnd type="none"/>
-          </a:ln>
-        </p:spPr>
-        <p:style>
-          <a:lnRef idx="2">
-            <a:schemeClr val="accent1"/>
-          </a:lnRef>
-          <a:fillRef idx="1">
-            <a:schemeClr val="lt1"/>
-          </a:fillRef>
-          <a:effectRef idx="0">
-            <a:schemeClr val="accent1"/>
-          </a:effectRef>
-          <a:fontRef idx="minor">
-            <a:schemeClr val="dk1"/>
-          </a:fontRef>
-        </p:style>
-      </p:cxnSp>
-      <p:cxnSp>
-        <p:nvCxnSpPr>
-          <p:cNvPr id="293" name="Gerade Verbindung 292"/>
-          <p:cNvCxnSpPr>
-            <a:stCxn id="272" idx="3"/>
-            <a:endCxn id="32" idx="3"/>
-          </p:cNvCxnSpPr>
-          <p:nvPr/>
-        </p:nvCxnSpPr>
-        <p:spPr>
-          <a:xfrm rot="5400000">
-            <a:off x="6434849" y="5523235"/>
-            <a:ext cx="313399" cy="614631"/>
-          </a:xfrm>
-          <a:prstGeom prst="line">
-            <a:avLst/>
-          </a:prstGeom>
-          <a:ln>
-            <a:headEnd type="none"/>
-          </a:ln>
-        </p:spPr>
-        <p:style>
-          <a:lnRef idx="2">
-            <a:schemeClr val="accent1"/>
-          </a:lnRef>
-          <a:fillRef idx="1">
-            <a:schemeClr val="lt1"/>
-          </a:fillRef>
-          <a:effectRef idx="0">
-            <a:schemeClr val="accent1"/>
-          </a:effectRef>
-          <a:fontRef idx="minor">
-            <a:schemeClr val="dk1"/>
-          </a:fontRef>
-        </p:style>
-      </p:cxnSp>
-      <p:cxnSp>
-        <p:nvCxnSpPr>
-          <p:cNvPr id="296" name="Gerade Verbindung 295"/>
-          <p:cNvCxnSpPr>
-            <a:stCxn id="272" idx="3"/>
-            <a:endCxn id="168" idx="3"/>
-          </p:cNvCxnSpPr>
-          <p:nvPr/>
-        </p:nvCxnSpPr>
-        <p:spPr>
-          <a:xfrm rot="5400000">
-            <a:off x="6291973" y="5666111"/>
-            <a:ext cx="599151" cy="614631"/>
-          </a:xfrm>
-          <a:prstGeom prst="line">
-            <a:avLst/>
-          </a:prstGeom>
-          <a:ln>
-            <a:headEnd type="none"/>
-          </a:ln>
-        </p:spPr>
-        <p:style>
-          <a:lnRef idx="2">
-            <a:schemeClr val="accent1"/>
-          </a:lnRef>
-          <a:fillRef idx="1">
-            <a:schemeClr val="lt1"/>
-          </a:fillRef>
-          <a:effectRef idx="0">
-            <a:schemeClr val="accent1"/>
-          </a:effectRef>
-          <a:fontRef idx="minor">
-            <a:schemeClr val="dk1"/>
-          </a:fontRef>
-        </p:style>
-      </p:cxnSp>
       <p:sp>
         <p:nvSpPr>
           <p:cNvPr id="314" name="Abgerundetes Rechteck 313"/>
@@ -6334,7 +5464,7 @@
         </p:nvSpPr>
         <p:spPr>
           <a:xfrm>
-            <a:off x="1571604" y="1142984"/>
+            <a:off x="1691680" y="1196752"/>
             <a:ext cx="785818" cy="214314"/>
           </a:xfrm>
           <a:prstGeom prst="roundRect">
@@ -6370,57 +5500,14 @@
       </p:sp>
       <p:sp>
         <p:nvSpPr>
-          <p:cNvPr id="316" name="Abgerundetes Rechteck 315"/>
-          <p:cNvSpPr/>
-          <p:nvPr/>
-        </p:nvSpPr>
-        <p:spPr>
-          <a:xfrm>
-            <a:off x="714348" y="2963248"/>
-            <a:ext cx="1357322" cy="180000"/>
-          </a:xfrm>
-          <a:prstGeom prst="roundRect">
-            <a:avLst/>
-          </a:prstGeom>
-          <a:ln w="15875"/>
-        </p:spPr>
-        <p:style>
-          <a:lnRef idx="2">
-            <a:schemeClr val="accent2"/>
-          </a:lnRef>
-          <a:fillRef idx="1">
-            <a:schemeClr val="lt1"/>
-          </a:fillRef>
-          <a:effectRef idx="0">
-            <a:schemeClr val="accent2"/>
-          </a:effectRef>
-          <a:fontRef idx="minor">
-            <a:schemeClr val="dk1"/>
-          </a:fontRef>
-        </p:style>
-        <p:txBody>
-          <a:bodyPr rtlCol="0" anchor="ctr"/>
-          <a:lstStyle/>
-          <a:p>
-            <a:pPr algn="ctr"/>
-            <a:r>
-              <a:rPr lang="de-DE" sz="1100" dirty="0" err="1" smtClean="0"/>
-              <a:t>compound</a:t>
-            </a:r>
-            <a:endParaRPr lang="de-DE" sz="1400" dirty="0"/>
-          </a:p>
-        </p:txBody>
-      </p:sp>
-      <p:sp>
-        <p:nvSpPr>
           <p:cNvPr id="320" name="Abgerundetes Rechteck 319"/>
           <p:cNvSpPr/>
           <p:nvPr/>
         </p:nvSpPr>
         <p:spPr>
           <a:xfrm>
-            <a:off x="428596" y="2643183"/>
-            <a:ext cx="1785950" cy="3643338"/>
+            <a:off x="1691680" y="2492896"/>
+            <a:ext cx="784800" cy="216000"/>
           </a:xfrm>
           <a:prstGeom prst="roundRect">
             <a:avLst/>
@@ -6444,90 +5531,11 @@
           <a:bodyPr rtlCol="0" anchor="ctr"/>
           <a:lstStyle/>
           <a:p>
-            <a:r>
-              <a:rPr lang="de-DE" sz="1200" dirty="0" smtClean="0"/>
-              <a:t>  </a:t>
-            </a:r>
-          </a:p>
-          <a:p>
-            <a:r>
-              <a:rPr lang="de-DE" sz="1200" dirty="0" smtClean="0"/>
-              <a:t>Relation</a:t>
-            </a:r>
-          </a:p>
-          <a:p>
             <a:pPr algn="ctr"/>
-            <a:endParaRPr lang="de-DE" sz="1200" dirty="0" smtClean="0"/>
-          </a:p>
-          <a:p>
-            <a:pPr algn="ctr"/>
-            <a:endParaRPr lang="de-DE" sz="1200" dirty="0" smtClean="0"/>
-          </a:p>
-          <a:p>
-            <a:pPr algn="ctr"/>
-            <a:endParaRPr lang="de-DE" sz="1200" dirty="0" smtClean="0"/>
-          </a:p>
-          <a:p>
-            <a:pPr algn="ctr"/>
-            <a:endParaRPr lang="de-DE" sz="1200" dirty="0" smtClean="0"/>
-          </a:p>
-          <a:p>
-            <a:pPr algn="ctr"/>
-            <a:endParaRPr lang="de-DE" sz="1200" dirty="0" smtClean="0"/>
-          </a:p>
-          <a:p>
-            <a:pPr algn="ctr"/>
-            <a:endParaRPr lang="de-DE" sz="1200" dirty="0" smtClean="0"/>
-          </a:p>
-          <a:p>
-            <a:pPr algn="ctr"/>
-            <a:endParaRPr lang="de-DE" sz="1200" dirty="0" smtClean="0"/>
-          </a:p>
-          <a:p>
-            <a:pPr algn="ctr"/>
-            <a:endParaRPr lang="de-DE" sz="1200" dirty="0" smtClean="0"/>
-          </a:p>
-          <a:p>
-            <a:pPr algn="ctr"/>
-            <a:endParaRPr lang="de-DE" sz="1200" dirty="0" smtClean="0"/>
-          </a:p>
-          <a:p>
-            <a:pPr algn="ctr"/>
-            <a:endParaRPr lang="de-DE" sz="1200" dirty="0" smtClean="0"/>
-          </a:p>
-          <a:p>
-            <a:pPr algn="ctr"/>
-            <a:endParaRPr lang="de-DE" sz="1200" dirty="0" smtClean="0"/>
-          </a:p>
-          <a:p>
-            <a:pPr algn="ctr"/>
-            <a:endParaRPr lang="de-DE" sz="1200" dirty="0" smtClean="0"/>
-          </a:p>
-          <a:p>
-            <a:pPr algn="ctr"/>
-            <a:endParaRPr lang="de-DE" sz="1200" dirty="0" smtClean="0"/>
-          </a:p>
-          <a:p>
-            <a:pPr algn="ctr"/>
-            <a:endParaRPr lang="de-DE" sz="1200" dirty="0" smtClean="0"/>
-          </a:p>
-          <a:p>
-            <a:pPr algn="ctr"/>
-            <a:endParaRPr lang="de-DE" sz="1200" dirty="0" smtClean="0"/>
-          </a:p>
-          <a:p>
-            <a:pPr algn="ctr"/>
-            <a:endParaRPr lang="de-DE" sz="1200" dirty="0" smtClean="0"/>
-          </a:p>
-          <a:p>
-            <a:pPr algn="ctr"/>
-            <a:endParaRPr lang="de-DE" sz="1200" dirty="0" smtClean="0"/>
-          </a:p>
-          <a:p>
-            <a:pPr algn="ctr"/>
-            <a:endParaRPr lang="de-DE" sz="1200" dirty="0" smtClean="0"/>
-          </a:p>
-          <a:p>
+            <a:r>
+              <a:rPr lang="de-DE" sz="1200" dirty="0" err="1" smtClean="0"/>
+              <a:t>relation</a:t>
+            </a:r>
             <a:endParaRPr lang="de-DE" sz="1200" dirty="0" smtClean="0"/>
           </a:p>
         </p:txBody>
@@ -6584,9 +5592,9 @@
           <p:nvPr/>
         </p:nvCxnSpPr>
         <p:spPr>
-          <a:xfrm rot="10800000">
+          <a:xfrm flipH="1" flipV="1">
             <a:off x="696910" y="845801"/>
-            <a:ext cx="874694" cy="404340"/>
+            <a:ext cx="994770" cy="458108"/>
           </a:xfrm>
           <a:prstGeom prst="line">
             <a:avLst/>
@@ -6688,9 +5696,9 @@
           <p:nvPr/>
         </p:nvCxnSpPr>
         <p:spPr>
-          <a:xfrm rot="16200000" flipV="1">
-            <a:off x="110550" y="1432161"/>
-            <a:ext cx="1797382" cy="624661"/>
+          <a:xfrm flipH="1" flipV="1">
+            <a:off x="696910" y="845801"/>
+            <a:ext cx="1387170" cy="1647095"/>
           </a:xfrm>
           <a:prstGeom prst="line">
             <a:avLst/>
@@ -6747,40 +5755,6 @@
       </p:cxnSp>
       <p:cxnSp>
         <p:nvCxnSpPr>
-          <p:cNvPr id="336" name="Gerade Verbindung 335"/>
-          <p:cNvCxnSpPr>
-            <a:stCxn id="314" idx="3"/>
-            <a:endCxn id="136" idx="1"/>
-          </p:cNvCxnSpPr>
-          <p:nvPr/>
-        </p:nvCxnSpPr>
-        <p:spPr>
-          <a:xfrm flipV="1">
-            <a:off x="2357422" y="678637"/>
-            <a:ext cx="1928826" cy="571504"/>
-          </a:xfrm>
-          <a:prstGeom prst="line">
-            <a:avLst/>
-          </a:prstGeom>
-          <a:ln w="12700"/>
-        </p:spPr>
-        <p:style>
-          <a:lnRef idx="1">
-            <a:schemeClr val="dk1"/>
-          </a:lnRef>
-          <a:fillRef idx="0">
-            <a:schemeClr val="dk1"/>
-          </a:fillRef>
-          <a:effectRef idx="0">
-            <a:schemeClr val="dk1"/>
-          </a:effectRef>
-          <a:fontRef idx="minor">
-            <a:schemeClr val="tx1"/>
-          </a:fontRef>
-        </p:style>
-      </p:cxnSp>
-      <p:cxnSp>
-        <p:nvCxnSpPr>
           <p:cNvPr id="340" name="Gerade Verbindung 339"/>
           <p:cNvCxnSpPr>
             <a:stCxn id="314" idx="3"/>
@@ -6790,8 +5764,8 @@
         </p:nvCxnSpPr>
         <p:spPr>
           <a:xfrm flipV="1">
-            <a:off x="2357422" y="964389"/>
-            <a:ext cx="1928826" cy="285752"/>
+            <a:off x="2477498" y="964389"/>
+            <a:ext cx="1808750" cy="339520"/>
           </a:xfrm>
           <a:prstGeom prst="line">
             <a:avLst/>
@@ -6823,145 +5797,9 @@
           <p:nvPr/>
         </p:nvCxnSpPr>
         <p:spPr>
-          <a:xfrm>
-            <a:off x="2357422" y="1250141"/>
-            <a:ext cx="1928826" cy="0"/>
-          </a:xfrm>
-          <a:prstGeom prst="line">
-            <a:avLst/>
-          </a:prstGeom>
-          <a:ln w="12700"/>
-        </p:spPr>
-        <p:style>
-          <a:lnRef idx="1">
-            <a:schemeClr val="dk1"/>
-          </a:lnRef>
-          <a:fillRef idx="0">
-            <a:schemeClr val="dk1"/>
-          </a:fillRef>
-          <a:effectRef idx="0">
-            <a:schemeClr val="dk1"/>
-          </a:effectRef>
-          <a:fontRef idx="minor">
-            <a:schemeClr val="tx1"/>
-          </a:fontRef>
-        </p:style>
-      </p:cxnSp>
-      <p:cxnSp>
-        <p:nvCxnSpPr>
-          <p:cNvPr id="346" name="Gerade Verbindung 345"/>
-          <p:cNvCxnSpPr>
-            <a:stCxn id="314" idx="3"/>
-            <a:endCxn id="10" idx="1"/>
-          </p:cNvCxnSpPr>
-          <p:nvPr/>
-        </p:nvCxnSpPr>
-        <p:spPr>
-          <a:xfrm>
-            <a:off x="2357422" y="1250141"/>
-            <a:ext cx="1928826" cy="285752"/>
-          </a:xfrm>
-          <a:prstGeom prst="line">
-            <a:avLst/>
-          </a:prstGeom>
-          <a:ln w="12700"/>
-        </p:spPr>
-        <p:style>
-          <a:lnRef idx="1">
-            <a:schemeClr val="dk1"/>
-          </a:lnRef>
-          <a:fillRef idx="0">
-            <a:schemeClr val="dk1"/>
-          </a:fillRef>
-          <a:effectRef idx="0">
-            <a:schemeClr val="dk1"/>
-          </a:effectRef>
-          <a:fontRef idx="minor">
-            <a:schemeClr val="tx1"/>
-          </a:fontRef>
-        </p:style>
-      </p:cxnSp>
-      <p:cxnSp>
-        <p:nvCxnSpPr>
-          <p:cNvPr id="349" name="Gerade Verbindung 348"/>
-          <p:cNvCxnSpPr>
-            <a:stCxn id="314" idx="3"/>
-            <a:endCxn id="11" idx="1"/>
-          </p:cNvCxnSpPr>
-          <p:nvPr/>
-        </p:nvCxnSpPr>
-        <p:spPr>
-          <a:xfrm>
-            <a:off x="2357422" y="1250141"/>
-            <a:ext cx="1928826" cy="571504"/>
-          </a:xfrm>
-          <a:prstGeom prst="line">
-            <a:avLst/>
-          </a:prstGeom>
-          <a:ln w="12700"/>
-        </p:spPr>
-        <p:style>
-          <a:lnRef idx="1">
-            <a:schemeClr val="dk1"/>
-          </a:lnRef>
-          <a:fillRef idx="0">
-            <a:schemeClr val="dk1"/>
-          </a:fillRef>
-          <a:effectRef idx="0">
-            <a:schemeClr val="dk1"/>
-          </a:effectRef>
-          <a:fontRef idx="minor">
-            <a:schemeClr val="tx1"/>
-          </a:fontRef>
-        </p:style>
-      </p:cxnSp>
-      <p:cxnSp>
-        <p:nvCxnSpPr>
-          <p:cNvPr id="352" name="Gerade Verbindung 351"/>
-          <p:cNvCxnSpPr>
-            <a:stCxn id="314" idx="3"/>
-            <a:endCxn id="12" idx="1"/>
-          </p:cNvCxnSpPr>
-          <p:nvPr/>
-        </p:nvCxnSpPr>
-        <p:spPr>
-          <a:xfrm>
-            <a:off x="2357422" y="1250141"/>
-            <a:ext cx="1928826" cy="857256"/>
-          </a:xfrm>
-          <a:prstGeom prst="line">
-            <a:avLst/>
-          </a:prstGeom>
-          <a:ln w="12700"/>
-        </p:spPr>
-        <p:style>
-          <a:lnRef idx="1">
-            <a:schemeClr val="dk1"/>
-          </a:lnRef>
-          <a:fillRef idx="0">
-            <a:schemeClr val="dk1"/>
-          </a:fillRef>
-          <a:effectRef idx="0">
-            <a:schemeClr val="dk1"/>
-          </a:effectRef>
-          <a:fontRef idx="minor">
-            <a:schemeClr val="tx1"/>
-          </a:fontRef>
-        </p:style>
-      </p:cxnSp>
-      <p:cxnSp>
-        <p:nvCxnSpPr>
-          <p:cNvPr id="356" name="Gerade Verbindung 355"/>
-          <p:cNvCxnSpPr>
-            <a:stCxn id="314" idx="3"/>
-            <a:endCxn id="245" idx="1"/>
-          </p:cNvCxnSpPr>
-          <p:nvPr/>
-        </p:nvCxnSpPr>
-        <p:spPr>
-          <a:xfrm>
-            <a:off x="2357422" y="1250141"/>
-            <a:ext cx="1928826" cy="1143008"/>
+          <a:xfrm flipV="1">
+            <a:off x="2477498" y="1250141"/>
+            <a:ext cx="1808750" cy="53768"/>
           </a:xfrm>
           <a:prstGeom prst="line">
             <a:avLst/>
@@ -6994,8 +5832,8 @@
         </p:nvCxnSpPr>
         <p:spPr>
           <a:xfrm>
-            <a:off x="2357422" y="1250141"/>
-            <a:ext cx="1928826" cy="1428760"/>
+            <a:off x="2477498" y="1303909"/>
+            <a:ext cx="1806470" cy="288032"/>
           </a:xfrm>
           <a:prstGeom prst="line">
             <a:avLst/>
@@ -7029,7 +5867,7 @@
         <p:spPr>
           <a:xfrm>
             <a:off x="2500298" y="1964521"/>
-            <a:ext cx="1785950" cy="1332925"/>
+            <a:ext cx="1783670" cy="1859668"/>
           </a:xfrm>
           <a:prstGeom prst="line">
             <a:avLst/>
@@ -7063,7 +5901,7 @@
         <p:spPr>
           <a:xfrm>
             <a:off x="2500298" y="1964521"/>
-            <a:ext cx="1783670" cy="3736977"/>
+            <a:ext cx="1781390" cy="1522315"/>
           </a:xfrm>
           <a:prstGeom prst="line">
             <a:avLst/>
@@ -7085,686 +5923,6 @@
           </a:fontRef>
         </p:style>
       </p:cxnSp>
-      <p:sp>
-        <p:nvSpPr>
-          <p:cNvPr id="391" name="Abgerundetes Rechteck 390"/>
-          <p:cNvSpPr/>
-          <p:nvPr/>
-        </p:nvSpPr>
-        <p:spPr>
-          <a:xfrm>
-            <a:off x="714348" y="3000372"/>
-            <a:ext cx="1357322" cy="180000"/>
-          </a:xfrm>
-          <a:prstGeom prst="roundRect">
-            <a:avLst/>
-          </a:prstGeom>
-          <a:ln w="15875"/>
-        </p:spPr>
-        <p:style>
-          <a:lnRef idx="2">
-            <a:schemeClr val="accent2"/>
-          </a:lnRef>
-          <a:fillRef idx="1">
-            <a:schemeClr val="lt1"/>
-          </a:fillRef>
-          <a:effectRef idx="0">
-            <a:schemeClr val="accent2"/>
-          </a:effectRef>
-          <a:fontRef idx="minor">
-            <a:schemeClr val="dk1"/>
-          </a:fontRef>
-        </p:style>
-        <p:txBody>
-          <a:bodyPr rtlCol="0" anchor="ctr"/>
-          <a:lstStyle/>
-          <a:p>
-            <a:pPr algn="ctr"/>
-            <a:r>
-              <a:rPr lang="de-DE" sz="1100" dirty="0" err="1" smtClean="0"/>
-              <a:t>c</a:t>
-            </a:r>
-            <a:r>
-              <a:rPr lang="de-DE" sz="1100" dirty="0" err="1" smtClean="0"/>
-              <a:t>ompound</a:t>
-            </a:r>
-            <a:endParaRPr lang="de-DE" sz="1400" dirty="0"/>
-          </a:p>
-        </p:txBody>
-      </p:sp>
-      <p:sp>
-        <p:nvSpPr>
-          <p:cNvPr id="392" name="Abgerundetes Rechteck 391"/>
-          <p:cNvSpPr/>
-          <p:nvPr/>
-        </p:nvSpPr>
-        <p:spPr>
-          <a:xfrm>
-            <a:off x="714348" y="3214686"/>
-            <a:ext cx="1357322" cy="180000"/>
-          </a:xfrm>
-          <a:prstGeom prst="roundRect">
-            <a:avLst/>
-          </a:prstGeom>
-          <a:ln w="15875"/>
-        </p:spPr>
-        <p:style>
-          <a:lnRef idx="2">
-            <a:schemeClr val="accent2"/>
-          </a:lnRef>
-          <a:fillRef idx="1">
-            <a:schemeClr val="lt1"/>
-          </a:fillRef>
-          <a:effectRef idx="0">
-            <a:schemeClr val="accent2"/>
-          </a:effectRef>
-          <a:fontRef idx="minor">
-            <a:schemeClr val="dk1"/>
-          </a:fontRef>
-        </p:style>
-        <p:txBody>
-          <a:bodyPr rtlCol="0" anchor="ctr"/>
-          <a:lstStyle/>
-          <a:p>
-            <a:pPr algn="ctr"/>
-            <a:r>
-              <a:rPr lang="de-DE" sz="1100" dirty="0" err="1" smtClean="0"/>
-              <a:t>activation</a:t>
-            </a:r>
-            <a:endParaRPr lang="de-DE" sz="1400" dirty="0"/>
-          </a:p>
-        </p:txBody>
-      </p:sp>
-      <p:sp>
-        <p:nvSpPr>
-          <p:cNvPr id="393" name="Abgerundetes Rechteck 392"/>
-          <p:cNvSpPr/>
-          <p:nvPr/>
-        </p:nvSpPr>
-        <p:spPr>
-          <a:xfrm>
-            <a:off x="714348" y="3429000"/>
-            <a:ext cx="1357322" cy="180000"/>
-          </a:xfrm>
-          <a:prstGeom prst="roundRect">
-            <a:avLst/>
-          </a:prstGeom>
-          <a:ln w="15875"/>
-        </p:spPr>
-        <p:style>
-          <a:lnRef idx="2">
-            <a:schemeClr val="accent2"/>
-          </a:lnRef>
-          <a:fillRef idx="1">
-            <a:schemeClr val="lt1"/>
-          </a:fillRef>
-          <a:effectRef idx="0">
-            <a:schemeClr val="accent2"/>
-          </a:effectRef>
-          <a:fontRef idx="minor">
-            <a:schemeClr val="dk1"/>
-          </a:fontRef>
-        </p:style>
-        <p:txBody>
-          <a:bodyPr rtlCol="0" anchor="ctr"/>
-          <a:lstStyle/>
-          <a:p>
-            <a:pPr algn="ctr"/>
-            <a:r>
-              <a:rPr lang="de-DE" sz="1100" dirty="0" smtClean="0"/>
-              <a:t>Inhibition</a:t>
-            </a:r>
-          </a:p>
-        </p:txBody>
-      </p:sp>
-      <p:sp>
-        <p:nvSpPr>
-          <p:cNvPr id="394" name="Abgerundetes Rechteck 393"/>
-          <p:cNvSpPr/>
-          <p:nvPr/>
-        </p:nvSpPr>
-        <p:spPr>
-          <a:xfrm>
-            <a:off x="714348" y="3643314"/>
-            <a:ext cx="1357322" cy="180000"/>
-          </a:xfrm>
-          <a:prstGeom prst="roundRect">
-            <a:avLst/>
-          </a:prstGeom>
-          <a:ln w="15875"/>
-        </p:spPr>
-        <p:style>
-          <a:lnRef idx="2">
-            <a:schemeClr val="accent2"/>
-          </a:lnRef>
-          <a:fillRef idx="1">
-            <a:schemeClr val="lt1"/>
-          </a:fillRef>
-          <a:effectRef idx="0">
-            <a:schemeClr val="accent2"/>
-          </a:effectRef>
-          <a:fontRef idx="minor">
-            <a:schemeClr val="dk1"/>
-          </a:fontRef>
-        </p:style>
-        <p:txBody>
-          <a:bodyPr rtlCol="0" anchor="ctr"/>
-          <a:lstStyle/>
-          <a:p>
-            <a:pPr algn="ctr"/>
-            <a:r>
-              <a:rPr lang="de-DE" sz="1100" dirty="0" err="1" smtClean="0"/>
-              <a:t>expression</a:t>
-            </a:r>
-            <a:endParaRPr lang="de-DE" sz="1400" dirty="0"/>
-          </a:p>
-        </p:txBody>
-      </p:sp>
-      <p:sp>
-        <p:nvSpPr>
-          <p:cNvPr id="395" name="Abgerundetes Rechteck 394"/>
-          <p:cNvSpPr/>
-          <p:nvPr/>
-        </p:nvSpPr>
-        <p:spPr>
-          <a:xfrm>
-            <a:off x="714348" y="3857628"/>
-            <a:ext cx="1357322" cy="180000"/>
-          </a:xfrm>
-          <a:prstGeom prst="roundRect">
-            <a:avLst/>
-          </a:prstGeom>
-          <a:ln w="15875"/>
-        </p:spPr>
-        <p:style>
-          <a:lnRef idx="2">
-            <a:schemeClr val="accent2"/>
-          </a:lnRef>
-          <a:fillRef idx="1">
-            <a:schemeClr val="lt1"/>
-          </a:fillRef>
-          <a:effectRef idx="0">
-            <a:schemeClr val="accent2"/>
-          </a:effectRef>
-          <a:fontRef idx="minor">
-            <a:schemeClr val="dk1"/>
-          </a:fontRef>
-        </p:style>
-        <p:txBody>
-          <a:bodyPr rtlCol="0" anchor="ctr"/>
-          <a:lstStyle/>
-          <a:p>
-            <a:pPr algn="ctr"/>
-            <a:r>
-              <a:rPr lang="de-DE" sz="1100" dirty="0" err="1" smtClean="0"/>
-              <a:t>repression</a:t>
-            </a:r>
-            <a:endParaRPr lang="de-DE" sz="1400" dirty="0"/>
-          </a:p>
-        </p:txBody>
-      </p:sp>
-      <p:sp>
-        <p:nvSpPr>
-          <p:cNvPr id="396" name="Abgerundetes Rechteck 395"/>
-          <p:cNvSpPr/>
-          <p:nvPr/>
-        </p:nvSpPr>
-        <p:spPr>
-          <a:xfrm>
-            <a:off x="714348" y="4071942"/>
-            <a:ext cx="1357322" cy="180000"/>
-          </a:xfrm>
-          <a:prstGeom prst="roundRect">
-            <a:avLst/>
-          </a:prstGeom>
-          <a:ln w="15875"/>
-        </p:spPr>
-        <p:style>
-          <a:lnRef idx="2">
-            <a:schemeClr val="accent2"/>
-          </a:lnRef>
-          <a:fillRef idx="1">
-            <a:schemeClr val="lt1"/>
-          </a:fillRef>
-          <a:effectRef idx="0">
-            <a:schemeClr val="accent2"/>
-          </a:effectRef>
-          <a:fontRef idx="minor">
-            <a:schemeClr val="dk1"/>
-          </a:fontRef>
-        </p:style>
-        <p:txBody>
-          <a:bodyPr rtlCol="0" anchor="ctr"/>
-          <a:lstStyle/>
-          <a:p>
-            <a:pPr algn="ctr"/>
-            <a:r>
-              <a:rPr lang="de-DE" sz="1100" dirty="0" err="1" smtClean="0"/>
-              <a:t>indirect</a:t>
-            </a:r>
-            <a:r>
-              <a:rPr lang="de-DE" sz="1100" dirty="0" smtClean="0"/>
-              <a:t> </a:t>
-            </a:r>
-            <a:r>
-              <a:rPr lang="de-DE" sz="1100" dirty="0" err="1" smtClean="0"/>
-              <a:t>effect</a:t>
-            </a:r>
-            <a:endParaRPr lang="de-DE" sz="1400" dirty="0"/>
-          </a:p>
-        </p:txBody>
-      </p:sp>
-      <p:sp>
-        <p:nvSpPr>
-          <p:cNvPr id="397" name="Abgerundetes Rechteck 396"/>
-          <p:cNvSpPr/>
-          <p:nvPr/>
-        </p:nvSpPr>
-        <p:spPr>
-          <a:xfrm>
-            <a:off x="714348" y="4286256"/>
-            <a:ext cx="1357322" cy="180000"/>
-          </a:xfrm>
-          <a:prstGeom prst="roundRect">
-            <a:avLst/>
-          </a:prstGeom>
-          <a:ln w="15875"/>
-        </p:spPr>
-        <p:style>
-          <a:lnRef idx="2">
-            <a:schemeClr val="accent2"/>
-          </a:lnRef>
-          <a:fillRef idx="1">
-            <a:schemeClr val="lt1"/>
-          </a:fillRef>
-          <a:effectRef idx="0">
-            <a:schemeClr val="accent2"/>
-          </a:effectRef>
-          <a:fontRef idx="minor">
-            <a:schemeClr val="dk1"/>
-          </a:fontRef>
-        </p:style>
-        <p:txBody>
-          <a:bodyPr rtlCol="0" anchor="ctr"/>
-          <a:lstStyle/>
-          <a:p>
-            <a:pPr algn="ctr"/>
-            <a:r>
-              <a:rPr lang="de-DE" sz="1100" dirty="0" err="1" smtClean="0"/>
-              <a:t>state</a:t>
-            </a:r>
-            <a:r>
-              <a:rPr lang="de-DE" sz="1100" dirty="0" smtClean="0"/>
-              <a:t> </a:t>
-            </a:r>
-            <a:r>
-              <a:rPr lang="de-DE" sz="1100" dirty="0" err="1" smtClean="0"/>
-              <a:t>change</a:t>
-            </a:r>
-            <a:endParaRPr lang="de-DE" sz="1400" dirty="0"/>
-          </a:p>
-        </p:txBody>
-      </p:sp>
-      <p:sp>
-        <p:nvSpPr>
-          <p:cNvPr id="398" name="Abgerundetes Rechteck 397"/>
-          <p:cNvSpPr/>
-          <p:nvPr/>
-        </p:nvSpPr>
-        <p:spPr>
-          <a:xfrm>
-            <a:off x="714348" y="4500570"/>
-            <a:ext cx="1357322" cy="180000"/>
-          </a:xfrm>
-          <a:prstGeom prst="roundRect">
-            <a:avLst/>
-          </a:prstGeom>
-          <a:ln w="15875"/>
-        </p:spPr>
-        <p:style>
-          <a:lnRef idx="2">
-            <a:schemeClr val="accent2"/>
-          </a:lnRef>
-          <a:fillRef idx="1">
-            <a:schemeClr val="lt1"/>
-          </a:fillRef>
-          <a:effectRef idx="0">
-            <a:schemeClr val="accent2"/>
-          </a:effectRef>
-          <a:fontRef idx="minor">
-            <a:schemeClr val="dk1"/>
-          </a:fontRef>
-        </p:style>
-        <p:txBody>
-          <a:bodyPr rtlCol="0" anchor="ctr"/>
-          <a:lstStyle/>
-          <a:p>
-            <a:pPr algn="ctr"/>
-            <a:r>
-              <a:rPr lang="de-DE" sz="1100" dirty="0" err="1" smtClean="0"/>
-              <a:t>binding</a:t>
-            </a:r>
-            <a:r>
-              <a:rPr lang="de-DE" sz="1100" dirty="0" smtClean="0"/>
-              <a:t>/</a:t>
-            </a:r>
-            <a:r>
-              <a:rPr lang="de-DE" sz="1100" dirty="0" err="1" smtClean="0"/>
-              <a:t>association</a:t>
-            </a:r>
-            <a:endParaRPr lang="de-DE" sz="1400" dirty="0"/>
-          </a:p>
-        </p:txBody>
-      </p:sp>
-      <p:sp>
-        <p:nvSpPr>
-          <p:cNvPr id="399" name="Abgerundetes Rechteck 398"/>
-          <p:cNvSpPr/>
-          <p:nvPr/>
-        </p:nvSpPr>
-        <p:spPr>
-          <a:xfrm>
-            <a:off x="714348" y="4714884"/>
-            <a:ext cx="1357322" cy="180000"/>
-          </a:xfrm>
-          <a:prstGeom prst="roundRect">
-            <a:avLst/>
-          </a:prstGeom>
-          <a:ln w="15875"/>
-        </p:spPr>
-        <p:style>
-          <a:lnRef idx="2">
-            <a:schemeClr val="accent2"/>
-          </a:lnRef>
-          <a:fillRef idx="1">
-            <a:schemeClr val="lt1"/>
-          </a:fillRef>
-          <a:effectRef idx="0">
-            <a:schemeClr val="accent2"/>
-          </a:effectRef>
-          <a:fontRef idx="minor">
-            <a:schemeClr val="dk1"/>
-          </a:fontRef>
-        </p:style>
-        <p:txBody>
-          <a:bodyPr rtlCol="0" anchor="ctr"/>
-          <a:lstStyle/>
-          <a:p>
-            <a:pPr algn="ctr"/>
-            <a:r>
-              <a:rPr lang="de-DE" sz="1100" dirty="0" err="1" smtClean="0"/>
-              <a:t>dissociation</a:t>
-            </a:r>
-            <a:endParaRPr lang="de-DE" sz="1400" dirty="0"/>
-          </a:p>
-        </p:txBody>
-      </p:sp>
-      <p:sp>
-        <p:nvSpPr>
-          <p:cNvPr id="401" name="Abgerundetes Rechteck 400"/>
-          <p:cNvSpPr/>
-          <p:nvPr/>
-        </p:nvSpPr>
-        <p:spPr>
-          <a:xfrm>
-            <a:off x="714348" y="4929198"/>
-            <a:ext cx="1357322" cy="180000"/>
-          </a:xfrm>
-          <a:prstGeom prst="roundRect">
-            <a:avLst/>
-          </a:prstGeom>
-          <a:ln w="15875"/>
-        </p:spPr>
-        <p:style>
-          <a:lnRef idx="2">
-            <a:schemeClr val="accent2"/>
-          </a:lnRef>
-          <a:fillRef idx="1">
-            <a:schemeClr val="lt1"/>
-          </a:fillRef>
-          <a:effectRef idx="0">
-            <a:schemeClr val="accent2"/>
-          </a:effectRef>
-          <a:fontRef idx="minor">
-            <a:schemeClr val="dk1"/>
-          </a:fontRef>
-        </p:style>
-        <p:txBody>
-          <a:bodyPr rtlCol="0" anchor="ctr"/>
-          <a:lstStyle/>
-          <a:p>
-            <a:pPr algn="ctr"/>
-            <a:r>
-              <a:rPr lang="de-DE" sz="1100" dirty="0" err="1" smtClean="0"/>
-              <a:t>missing</a:t>
-            </a:r>
-            <a:r>
-              <a:rPr lang="de-DE" sz="1100" dirty="0" smtClean="0"/>
-              <a:t> </a:t>
-            </a:r>
-            <a:r>
-              <a:rPr lang="de-DE" sz="1100" dirty="0" err="1" smtClean="0"/>
-              <a:t>interaction</a:t>
-            </a:r>
-            <a:endParaRPr lang="de-DE" sz="1400" dirty="0"/>
-          </a:p>
-        </p:txBody>
-      </p:sp>
-      <p:sp>
-        <p:nvSpPr>
-          <p:cNvPr id="402" name="Abgerundetes Rechteck 401"/>
-          <p:cNvSpPr/>
-          <p:nvPr/>
-        </p:nvSpPr>
-        <p:spPr>
-          <a:xfrm>
-            <a:off x="714348" y="5143512"/>
-            <a:ext cx="1357322" cy="180000"/>
-          </a:xfrm>
-          <a:prstGeom prst="roundRect">
-            <a:avLst/>
-          </a:prstGeom>
-          <a:ln w="15875"/>
-        </p:spPr>
-        <p:style>
-          <a:lnRef idx="2">
-            <a:schemeClr val="accent2"/>
-          </a:lnRef>
-          <a:fillRef idx="1">
-            <a:schemeClr val="lt1"/>
-          </a:fillRef>
-          <a:effectRef idx="0">
-            <a:schemeClr val="accent2"/>
-          </a:effectRef>
-          <a:fontRef idx="minor">
-            <a:schemeClr val="dk1"/>
-          </a:fontRef>
-        </p:style>
-        <p:txBody>
-          <a:bodyPr rtlCol="0" anchor="ctr"/>
-          <a:lstStyle/>
-          <a:p>
-            <a:pPr algn="ctr"/>
-            <a:r>
-              <a:rPr lang="de-DE" sz="1100" dirty="0" err="1" smtClean="0"/>
-              <a:t>phosphorylation</a:t>
-            </a:r>
-            <a:endParaRPr lang="de-DE" sz="1400" dirty="0"/>
-          </a:p>
-        </p:txBody>
-      </p:sp>
-      <p:sp>
-        <p:nvSpPr>
-          <p:cNvPr id="403" name="Abgerundetes Rechteck 402"/>
-          <p:cNvSpPr/>
-          <p:nvPr/>
-        </p:nvSpPr>
-        <p:spPr>
-          <a:xfrm>
-            <a:off x="714348" y="5357826"/>
-            <a:ext cx="1357322" cy="180000"/>
-          </a:xfrm>
-          <a:prstGeom prst="roundRect">
-            <a:avLst/>
-          </a:prstGeom>
-          <a:ln w="15875"/>
-        </p:spPr>
-        <p:style>
-          <a:lnRef idx="2">
-            <a:schemeClr val="accent2"/>
-          </a:lnRef>
-          <a:fillRef idx="1">
-            <a:schemeClr val="lt1"/>
-          </a:fillRef>
-          <a:effectRef idx="0">
-            <a:schemeClr val="accent2"/>
-          </a:effectRef>
-          <a:fontRef idx="minor">
-            <a:schemeClr val="dk1"/>
-          </a:fontRef>
-        </p:style>
-        <p:txBody>
-          <a:bodyPr rtlCol="0" anchor="ctr"/>
-          <a:lstStyle/>
-          <a:p>
-            <a:pPr algn="ctr"/>
-            <a:r>
-              <a:rPr lang="de-DE" sz="1100" dirty="0" err="1" smtClean="0"/>
-              <a:t>dephosphorylation</a:t>
-            </a:r>
-            <a:endParaRPr lang="de-DE" sz="1400" dirty="0"/>
-          </a:p>
-        </p:txBody>
-      </p:sp>
-      <p:sp>
-        <p:nvSpPr>
-          <p:cNvPr id="404" name="Abgerundetes Rechteck 403"/>
-          <p:cNvSpPr/>
-          <p:nvPr/>
-        </p:nvSpPr>
-        <p:spPr>
-          <a:xfrm>
-            <a:off x="714348" y="5572140"/>
-            <a:ext cx="1357322" cy="180000"/>
-          </a:xfrm>
-          <a:prstGeom prst="roundRect">
-            <a:avLst/>
-          </a:prstGeom>
-          <a:ln w="15875"/>
-        </p:spPr>
-        <p:style>
-          <a:lnRef idx="2">
-            <a:schemeClr val="accent2"/>
-          </a:lnRef>
-          <a:fillRef idx="1">
-            <a:schemeClr val="lt1"/>
-          </a:fillRef>
-          <a:effectRef idx="0">
-            <a:schemeClr val="accent2"/>
-          </a:effectRef>
-          <a:fontRef idx="minor">
-            <a:schemeClr val="dk1"/>
-          </a:fontRef>
-        </p:style>
-        <p:txBody>
-          <a:bodyPr rtlCol="0" anchor="ctr"/>
-          <a:lstStyle/>
-          <a:p>
-            <a:pPr algn="ctr"/>
-            <a:r>
-              <a:rPr lang="de-DE" sz="1100" dirty="0" err="1" smtClean="0"/>
-              <a:t>glycosylation</a:t>
-            </a:r>
-            <a:endParaRPr lang="de-DE" sz="1400" dirty="0"/>
-          </a:p>
-        </p:txBody>
-      </p:sp>
-      <p:sp>
-        <p:nvSpPr>
-          <p:cNvPr id="405" name="Abgerundetes Rechteck 404"/>
-          <p:cNvSpPr/>
-          <p:nvPr/>
-        </p:nvSpPr>
-        <p:spPr>
-          <a:xfrm>
-            <a:off x="714348" y="5786454"/>
-            <a:ext cx="1357322" cy="180000"/>
-          </a:xfrm>
-          <a:prstGeom prst="roundRect">
-            <a:avLst/>
-          </a:prstGeom>
-          <a:ln w="15875"/>
-        </p:spPr>
-        <p:style>
-          <a:lnRef idx="2">
-            <a:schemeClr val="accent2"/>
-          </a:lnRef>
-          <a:fillRef idx="1">
-            <a:schemeClr val="lt1"/>
-          </a:fillRef>
-          <a:effectRef idx="0">
-            <a:schemeClr val="accent2"/>
-          </a:effectRef>
-          <a:fontRef idx="minor">
-            <a:schemeClr val="dk1"/>
-          </a:fontRef>
-        </p:style>
-        <p:txBody>
-          <a:bodyPr rtlCol="0" anchor="ctr"/>
-          <a:lstStyle/>
-          <a:p>
-            <a:pPr algn="ctr"/>
-            <a:r>
-              <a:rPr lang="de-DE" sz="1100" dirty="0" err="1" smtClean="0"/>
-              <a:t>ubiquitination</a:t>
-            </a:r>
-            <a:endParaRPr lang="de-DE" sz="1400" dirty="0"/>
-          </a:p>
-        </p:txBody>
-      </p:sp>
-      <p:sp>
-        <p:nvSpPr>
-          <p:cNvPr id="406" name="Abgerundetes Rechteck 405"/>
-          <p:cNvSpPr/>
-          <p:nvPr/>
-        </p:nvSpPr>
-        <p:spPr>
-          <a:xfrm>
-            <a:off x="714348" y="6000768"/>
-            <a:ext cx="1357322" cy="180000"/>
-          </a:xfrm>
-          <a:prstGeom prst="roundRect">
-            <a:avLst/>
-          </a:prstGeom>
-          <a:ln w="15875"/>
-        </p:spPr>
-        <p:style>
-          <a:lnRef idx="2">
-            <a:schemeClr val="accent2"/>
-          </a:lnRef>
-          <a:fillRef idx="1">
-            <a:schemeClr val="lt1"/>
-          </a:fillRef>
-          <a:effectRef idx="0">
-            <a:schemeClr val="accent2"/>
-          </a:effectRef>
-          <a:fontRef idx="minor">
-            <a:schemeClr val="dk1"/>
-          </a:fontRef>
-        </p:style>
-        <p:txBody>
-          <a:bodyPr rtlCol="0" anchor="ctr"/>
-          <a:lstStyle/>
-          <a:p>
-            <a:pPr algn="ctr"/>
-            <a:r>
-              <a:rPr lang="de-DE" sz="1100" dirty="0" err="1" smtClean="0"/>
-              <a:t>methylation</a:t>
-            </a:r>
-            <a:endParaRPr lang="de-DE" sz="1400" dirty="0"/>
-          </a:p>
-        </p:txBody>
-      </p:sp>
       <p:sp>
         <p:nvSpPr>
           <p:cNvPr id="119" name="Abgerundetes Rechteck 118"/>
@@ -7773,7 +5931,7 @@
         </p:nvSpPr>
         <p:spPr>
           <a:xfrm>
-            <a:off x="6945984" y="5870041"/>
+            <a:off x="6948264" y="6021288"/>
             <a:ext cx="2000264" cy="214314"/>
           </a:xfrm>
           <a:prstGeom prst="roundRect">
@@ -7783,7 +5941,7 @@
             <a:srgbClr val="F7FAFF"/>
           </a:solidFill>
           <a:ln>
-            <a:prstDash val="sysDash"/>
+            <a:prstDash val="solid"/>
           </a:ln>
         </p:spPr>
         <p:style>
@@ -7803,13 +5961,6 @@
         <p:txBody>
           <a:bodyPr rtlCol="0" anchor="ctr"/>
           <a:lstStyle/>
-          <a:p>
-            <a:pPr algn="ctr"/>
-            <a:r>
-              <a:rPr lang="de-DE" sz="1200" dirty="0" smtClean="0"/>
-              <a:t>TODO:</a:t>
-            </a:r>
-          </a:p>
           <a:p>
             <a:pPr algn="ctr"/>
             <a:r>
@@ -7824,88 +5975,22 @@
         <p:nvCxnSpPr>
           <p:cNvPr id="146" name="Gerade Verbindung 145"/>
           <p:cNvCxnSpPr>
-            <a:stCxn id="398" idx="3"/>
+            <a:stCxn id="320" idx="3"/>
             <a:endCxn id="13" idx="1"/>
           </p:cNvCxnSpPr>
           <p:nvPr/>
         </p:nvCxnSpPr>
         <p:spPr>
-          <a:xfrm flipV="1">
-            <a:off x="2071670" y="3893347"/>
-            <a:ext cx="5357882" cy="697223"/>
+          <a:xfrm>
+            <a:off x="2476480" y="2600896"/>
+            <a:ext cx="2023512" cy="3239517"/>
           </a:xfrm>
           <a:prstGeom prst="line">
             <a:avLst/>
           </a:prstGeom>
-          <a:ln w="12700"/>
-        </p:spPr>
-        <p:style>
-          <a:lnRef idx="1">
-            <a:schemeClr val="dk1"/>
-          </a:lnRef>
-          <a:fillRef idx="0">
-            <a:schemeClr val="dk1"/>
-          </a:fillRef>
-          <a:effectRef idx="0">
-            <a:schemeClr val="dk1"/>
-          </a:effectRef>
-          <a:fontRef idx="minor">
-            <a:schemeClr val="tx1"/>
-          </a:fontRef>
-        </p:style>
-      </p:cxnSp>
-      <p:cxnSp>
-        <p:nvCxnSpPr>
-          <p:cNvPr id="149" name="Gerade Verbindung 148"/>
-          <p:cNvCxnSpPr>
-            <a:stCxn id="399" idx="3"/>
-            <a:endCxn id="13" idx="1"/>
-          </p:cNvCxnSpPr>
-          <p:nvPr/>
-        </p:nvCxnSpPr>
-        <p:spPr>
-          <a:xfrm flipV="1">
-            <a:off x="2071670" y="3893347"/>
-            <a:ext cx="5357882" cy="911537"/>
-          </a:xfrm>
-          <a:prstGeom prst="line">
-            <a:avLst/>
-          </a:prstGeom>
-          <a:ln w="12700"/>
-        </p:spPr>
-        <p:style>
-          <a:lnRef idx="1">
-            <a:schemeClr val="dk1"/>
-          </a:lnRef>
-          <a:fillRef idx="0">
-            <a:schemeClr val="dk1"/>
-          </a:fillRef>
-          <a:effectRef idx="0">
-            <a:schemeClr val="dk1"/>
-          </a:effectRef>
-          <a:fontRef idx="minor">
-            <a:schemeClr val="tx1"/>
-          </a:fontRef>
-        </p:style>
-      </p:cxnSp>
-      <p:cxnSp>
-        <p:nvCxnSpPr>
-          <p:cNvPr id="152" name="Gerade Verbindung 151"/>
-          <p:cNvCxnSpPr>
-            <a:stCxn id="401" idx="3"/>
-            <a:endCxn id="13" idx="1"/>
-          </p:cNvCxnSpPr>
-          <p:nvPr/>
-        </p:nvCxnSpPr>
-        <p:spPr>
-          <a:xfrm flipV="1">
-            <a:off x="2071670" y="3893347"/>
-            <a:ext cx="5357882" cy="1125851"/>
-          </a:xfrm>
-          <a:prstGeom prst="line">
-            <a:avLst/>
-          </a:prstGeom>
-          <a:ln w="12700"/>
+          <a:ln w="12700">
+            <a:prstDash val="lgDashDot"/>
+          </a:ln>
         </p:spPr>
         <p:style>
           <a:lnRef idx="1">
@@ -7926,87 +6011,15 @@
         <p:nvCxnSpPr>
           <p:cNvPr id="155" name="Gerade Verbindung 154"/>
           <p:cNvCxnSpPr>
-            <a:stCxn id="398" idx="3"/>
+            <a:stCxn id="320" idx="3"/>
             <a:endCxn id="92" idx="1"/>
           </p:cNvCxnSpPr>
           <p:nvPr/>
         </p:nvCxnSpPr>
         <p:spPr>
           <a:xfrm>
-            <a:off x="2071670" y="4590570"/>
-            <a:ext cx="2212298" cy="2658832"/>
-          </a:xfrm>
-          <a:prstGeom prst="line">
-            <a:avLst/>
-          </a:prstGeom>
-          <a:ln w="12700">
-            <a:prstDash val="dash"/>
-          </a:ln>
-        </p:spPr>
-        <p:style>
-          <a:lnRef idx="1">
-            <a:schemeClr val="dk1"/>
-          </a:lnRef>
-          <a:fillRef idx="0">
-            <a:schemeClr val="dk1"/>
-          </a:fillRef>
-          <a:effectRef idx="0">
-            <a:schemeClr val="dk1"/>
-          </a:effectRef>
-          <a:fontRef idx="minor">
-            <a:schemeClr val="tx1"/>
-          </a:fontRef>
-        </p:style>
-      </p:cxnSp>
-      <p:cxnSp>
-        <p:nvCxnSpPr>
-          <p:cNvPr id="158" name="Gerade Verbindung 157"/>
-          <p:cNvCxnSpPr>
-            <a:stCxn id="399" idx="3"/>
-            <a:endCxn id="92" idx="1"/>
-          </p:cNvCxnSpPr>
-          <p:nvPr/>
-        </p:nvCxnSpPr>
-        <p:spPr>
-          <a:xfrm>
-            <a:off x="2071670" y="4804884"/>
-            <a:ext cx="2212298" cy="2444518"/>
-          </a:xfrm>
-          <a:prstGeom prst="line">
-            <a:avLst/>
-          </a:prstGeom>
-          <a:ln w="12700">
-            <a:prstDash val="dash"/>
-          </a:ln>
-        </p:spPr>
-        <p:style>
-          <a:lnRef idx="1">
-            <a:schemeClr val="dk1"/>
-          </a:lnRef>
-          <a:fillRef idx="0">
-            <a:schemeClr val="dk1"/>
-          </a:fillRef>
-          <a:effectRef idx="0">
-            <a:schemeClr val="dk1"/>
-          </a:effectRef>
-          <a:fontRef idx="minor">
-            <a:schemeClr val="tx1"/>
-          </a:fontRef>
-        </p:style>
-      </p:cxnSp>
-      <p:cxnSp>
-        <p:nvCxnSpPr>
-          <p:cNvPr id="161" name="Gerade Verbindung 160"/>
-          <p:cNvCxnSpPr>
-            <a:stCxn id="401" idx="3"/>
-            <a:endCxn id="92" idx="1"/>
-          </p:cNvCxnSpPr>
-          <p:nvPr/>
-        </p:nvCxnSpPr>
-        <p:spPr>
-          <a:xfrm>
-            <a:off x="2071670" y="5019198"/>
-            <a:ext cx="2212298" cy="2230204"/>
+            <a:off x="2476480" y="2600896"/>
+            <a:ext cx="1879496" cy="3599557"/>
           </a:xfrm>
           <a:prstGeom prst="line">
             <a:avLst/>
@@ -8034,15 +6047,15 @@
         <p:nvCxnSpPr>
           <p:cNvPr id="165" name="Gerade Verbindung 164"/>
           <p:cNvCxnSpPr>
-            <a:stCxn id="391" idx="3"/>
+            <a:stCxn id="320" idx="3"/>
             <a:endCxn id="14" idx="1"/>
           </p:cNvCxnSpPr>
           <p:nvPr/>
         </p:nvCxnSpPr>
         <p:spPr>
           <a:xfrm>
-            <a:off x="2071670" y="3090372"/>
-            <a:ext cx="4857784" cy="1160165"/>
+            <a:off x="2476480" y="2600896"/>
+            <a:ext cx="2390962" cy="1799357"/>
           </a:xfrm>
           <a:prstGeom prst="line">
             <a:avLst/>
@@ -8064,6 +6077,355 @@
           </a:fontRef>
         </p:style>
       </p:cxnSp>
+      <p:cxnSp>
+        <p:nvCxnSpPr>
+          <p:cNvPr id="130" name="Gerade Verbindung 129"/>
+          <p:cNvCxnSpPr>
+            <a:stCxn id="131" idx="3"/>
+            <a:endCxn id="119" idx="1"/>
+          </p:cNvCxnSpPr>
+          <p:nvPr/>
+        </p:nvCxnSpPr>
+        <p:spPr>
+          <a:xfrm flipV="1">
+            <a:off x="6472385" y="6128445"/>
+            <a:ext cx="475879" cy="70497"/>
+          </a:xfrm>
+          <a:prstGeom prst="line">
+            <a:avLst/>
+          </a:prstGeom>
+          <a:ln>
+            <a:solidFill>
+              <a:schemeClr val="accent1"/>
+            </a:solidFill>
+            <a:headEnd type="none"/>
+          </a:ln>
+        </p:spPr>
+        <p:style>
+          <a:lnRef idx="2">
+            <a:schemeClr val="accent3"/>
+          </a:lnRef>
+          <a:fillRef idx="1">
+            <a:schemeClr val="lt1"/>
+          </a:fillRef>
+          <a:effectRef idx="0">
+            <a:schemeClr val="accent3"/>
+          </a:effectRef>
+          <a:fontRef idx="minor">
+            <a:schemeClr val="dk1"/>
+          </a:fontRef>
+        </p:style>
+      </p:cxnSp>
+      <p:sp>
+        <p:nvSpPr>
+          <p:cNvPr id="131" name="Raute 130"/>
+          <p:cNvSpPr/>
+          <p:nvPr/>
+        </p:nvSpPr>
+        <p:spPr>
+          <a:xfrm>
+            <a:off x="6364385" y="6144942"/>
+            <a:ext cx="108000" cy="108000"/>
+          </a:xfrm>
+          <a:prstGeom prst="diamond">
+            <a:avLst/>
+          </a:prstGeom>
+          <a:noFill/>
+          <a:ln w="25400">
+            <a:solidFill>
+              <a:schemeClr val="accent1"/>
+            </a:solidFill>
+          </a:ln>
+        </p:spPr>
+        <p:style>
+          <a:lnRef idx="2">
+            <a:schemeClr val="accent1">
+              <a:shade val="50000"/>
+            </a:schemeClr>
+          </a:lnRef>
+          <a:fillRef idx="1">
+            <a:schemeClr val="accent1"/>
+          </a:fillRef>
+          <a:effectRef idx="0">
+            <a:schemeClr val="accent1"/>
+          </a:effectRef>
+          <a:fontRef idx="minor">
+            <a:schemeClr val="lt1"/>
+          </a:fontRef>
+        </p:style>
+        <p:txBody>
+          <a:bodyPr rtlCol="0" anchor="ctr"/>
+          <a:lstStyle/>
+          <a:p>
+            <a:pPr algn="ctr"/>
+            <a:endParaRPr lang="de-DE"/>
+          </a:p>
+        </p:txBody>
+      </p:sp>
+      <p:cxnSp>
+        <p:nvCxnSpPr>
+          <p:cNvPr id="270" name="Gerade Verbindung 269"/>
+          <p:cNvCxnSpPr/>
+          <p:nvPr/>
+        </p:nvCxnSpPr>
+        <p:spPr>
+          <a:xfrm>
+            <a:off x="7164288" y="1088662"/>
+            <a:ext cx="285752" cy="0"/>
+          </a:xfrm>
+          <a:prstGeom prst="line">
+            <a:avLst/>
+          </a:prstGeom>
+          <a:ln w="12700">
+            <a:prstDash val="lgDashDot"/>
+          </a:ln>
+        </p:spPr>
+        <p:style>
+          <a:lnRef idx="1">
+            <a:schemeClr val="dk1"/>
+          </a:lnRef>
+          <a:fillRef idx="0">
+            <a:schemeClr val="dk1"/>
+          </a:fillRef>
+          <a:effectRef idx="0">
+            <a:schemeClr val="dk1"/>
+          </a:effectRef>
+          <a:fontRef idx="minor">
+            <a:schemeClr val="tx1"/>
+          </a:fontRef>
+        </p:style>
+      </p:cxnSp>
+      <p:sp>
+        <p:nvSpPr>
+          <p:cNvPr id="275" name="Textfeld 274"/>
+          <p:cNvSpPr txBox="1"/>
+          <p:nvPr/>
+        </p:nvSpPr>
+        <p:spPr>
+          <a:xfrm>
+            <a:off x="7450040" y="974304"/>
+            <a:ext cx="963725" cy="230832"/>
+          </a:xfrm>
+          <a:prstGeom prst="rect">
+            <a:avLst/>
+          </a:prstGeom>
+          <a:noFill/>
+        </p:spPr>
+        <p:txBody>
+          <a:bodyPr wrap="none" rtlCol="0">
+            <a:spAutoFit/>
+          </a:bodyPr>
+          <a:lstStyle/>
+          <a:p>
+            <a:r>
+              <a:rPr lang="de-DE" sz="900" dirty="0" smtClean="0"/>
+              <a:t>Level </a:t>
+            </a:r>
+            <a:r>
+              <a:rPr lang="de-DE" sz="900" dirty="0" smtClean="0"/>
+              <a:t>2 </a:t>
+            </a:r>
+            <a:r>
+              <a:rPr lang="de-DE" sz="900" dirty="0" err="1" smtClean="0"/>
+              <a:t>exclusive</a:t>
+            </a:r>
+            <a:endParaRPr lang="de-DE" sz="900" dirty="0"/>
+          </a:p>
+        </p:txBody>
+      </p:sp>
+      <p:cxnSp>
+        <p:nvCxnSpPr>
+          <p:cNvPr id="286" name="Gerade Verbindung 285"/>
+          <p:cNvCxnSpPr>
+            <a:stCxn id="167" idx="3"/>
+            <a:endCxn id="14" idx="3"/>
+          </p:cNvCxnSpPr>
+          <p:nvPr/>
+        </p:nvCxnSpPr>
+        <p:spPr>
+          <a:xfrm flipH="1">
+            <a:off x="5796136" y="3120886"/>
+            <a:ext cx="2613048" cy="1279367"/>
+          </a:xfrm>
+          <a:prstGeom prst="line">
+            <a:avLst/>
+          </a:prstGeom>
+          <a:ln>
+            <a:prstDash val="sysDash"/>
+            <a:headEnd type="none"/>
+          </a:ln>
+        </p:spPr>
+        <p:style>
+          <a:lnRef idx="2">
+            <a:schemeClr val="accent1"/>
+          </a:lnRef>
+          <a:fillRef idx="1">
+            <a:schemeClr val="lt1"/>
+          </a:fillRef>
+          <a:effectRef idx="0">
+            <a:schemeClr val="accent1"/>
+          </a:effectRef>
+          <a:fontRef idx="minor">
+            <a:schemeClr val="dk1"/>
+          </a:fontRef>
+        </p:style>
+      </p:cxnSp>
+      <p:cxnSp>
+        <p:nvCxnSpPr>
+          <p:cNvPr id="289" name="Gerade Verbindung 288"/>
+          <p:cNvCxnSpPr>
+            <a:stCxn id="167" idx="3"/>
+            <a:endCxn id="15" idx="3"/>
+          </p:cNvCxnSpPr>
+          <p:nvPr/>
+        </p:nvCxnSpPr>
+        <p:spPr>
+          <a:xfrm flipH="1">
+            <a:off x="7516918" y="3120886"/>
+            <a:ext cx="892266" cy="127239"/>
+          </a:xfrm>
+          <a:prstGeom prst="line">
+            <a:avLst/>
+          </a:prstGeom>
+          <a:ln>
+            <a:prstDash val="sysDash"/>
+            <a:headEnd type="none"/>
+          </a:ln>
+        </p:spPr>
+        <p:style>
+          <a:lnRef idx="2">
+            <a:schemeClr val="accent1"/>
+          </a:lnRef>
+          <a:fillRef idx="1">
+            <a:schemeClr val="lt1"/>
+          </a:fillRef>
+          <a:effectRef idx="0">
+            <a:schemeClr val="accent1"/>
+          </a:effectRef>
+          <a:fontRef idx="minor">
+            <a:schemeClr val="dk1"/>
+          </a:fontRef>
+        </p:style>
+      </p:cxnSp>
+      <p:cxnSp>
+        <p:nvCxnSpPr>
+          <p:cNvPr id="295" name="Gerade Verbindung 294"/>
+          <p:cNvCxnSpPr>
+            <a:stCxn id="314" idx="3"/>
+            <a:endCxn id="6" idx="1"/>
+          </p:cNvCxnSpPr>
+          <p:nvPr/>
+        </p:nvCxnSpPr>
+        <p:spPr>
+          <a:xfrm flipV="1">
+            <a:off x="2477498" y="250009"/>
+            <a:ext cx="1808750" cy="1053900"/>
+          </a:xfrm>
+          <a:prstGeom prst="line">
+            <a:avLst/>
+          </a:prstGeom>
+          <a:ln w="12700"/>
+        </p:spPr>
+        <p:style>
+          <a:lnRef idx="1">
+            <a:schemeClr val="dk1"/>
+          </a:lnRef>
+          <a:fillRef idx="0">
+            <a:schemeClr val="dk1"/>
+          </a:fillRef>
+          <a:effectRef idx="0">
+            <a:schemeClr val="dk1"/>
+          </a:effectRef>
+          <a:fontRef idx="minor">
+            <a:schemeClr val="tx1"/>
+          </a:fontRef>
+        </p:style>
+      </p:cxnSp>
+      <p:cxnSp>
+        <p:nvCxnSpPr>
+          <p:cNvPr id="299" name="Gerade Verbindung 298"/>
+          <p:cNvCxnSpPr>
+            <a:stCxn id="300" idx="3"/>
+            <a:endCxn id="119" idx="1"/>
+          </p:cNvCxnSpPr>
+          <p:nvPr/>
+        </p:nvCxnSpPr>
+        <p:spPr>
+          <a:xfrm>
+            <a:off x="6084168" y="5823272"/>
+            <a:ext cx="864096" cy="305173"/>
+          </a:xfrm>
+          <a:prstGeom prst="line">
+            <a:avLst/>
+          </a:prstGeom>
+          <a:ln>
+            <a:solidFill>
+              <a:schemeClr val="accent1"/>
+            </a:solidFill>
+            <a:headEnd type="none"/>
+          </a:ln>
+        </p:spPr>
+        <p:style>
+          <a:lnRef idx="2">
+            <a:schemeClr val="accent3"/>
+          </a:lnRef>
+          <a:fillRef idx="1">
+            <a:schemeClr val="lt1"/>
+          </a:fillRef>
+          <a:effectRef idx="0">
+            <a:schemeClr val="accent3"/>
+          </a:effectRef>
+          <a:fontRef idx="minor">
+            <a:schemeClr val="dk1"/>
+          </a:fontRef>
+        </p:style>
+      </p:cxnSp>
+      <p:sp>
+        <p:nvSpPr>
+          <p:cNvPr id="300" name="Raute 299"/>
+          <p:cNvSpPr/>
+          <p:nvPr/>
+        </p:nvSpPr>
+        <p:spPr>
+          <a:xfrm>
+            <a:off x="5976168" y="5769272"/>
+            <a:ext cx="108000" cy="108000"/>
+          </a:xfrm>
+          <a:prstGeom prst="diamond">
+            <a:avLst/>
+          </a:prstGeom>
+          <a:noFill/>
+          <a:ln w="25400">
+            <a:solidFill>
+              <a:schemeClr val="accent1"/>
+            </a:solidFill>
+          </a:ln>
+        </p:spPr>
+        <p:style>
+          <a:lnRef idx="2">
+            <a:schemeClr val="accent1">
+              <a:shade val="50000"/>
+            </a:schemeClr>
+          </a:lnRef>
+          <a:fillRef idx="1">
+            <a:schemeClr val="accent1"/>
+          </a:fillRef>
+          <a:effectRef idx="0">
+            <a:schemeClr val="accent1"/>
+          </a:effectRef>
+          <a:fontRef idx="minor">
+            <a:schemeClr val="lt1"/>
+          </a:fontRef>
+        </p:style>
+        <p:txBody>
+          <a:bodyPr rtlCol="0" anchor="ctr"/>
+          <a:lstStyle/>
+          <a:p>
+            <a:pPr algn="ctr"/>
+            <a:endParaRPr lang="de-DE"/>
+          </a:p>
+        </p:txBody>
+      </p:sp>
     </p:spTree>
   </p:cSld>
   <p:clrMapOvr>
@@ -13469,6 +11831,2293 @@
           </a:fontRef>
         </p:style>
       </p:cxnSp>
+    </p:spTree>
+  </p:cSld>
+  <p:clrMapOvr>
+    <a:masterClrMapping/>
+  </p:clrMapOvr>
+</p:sld>
+</file>
+
+<file path=ppt/slides/slide3.xml><?xml version="1.0" encoding="utf-8"?>
+<p:sld xmlns:a="http://schemas.openxmlformats.org/drawingml/2006/main" xmlns:r="http://schemas.openxmlformats.org/officeDocument/2006/relationships" xmlns:p="http://schemas.openxmlformats.org/presentationml/2006/main">
+  <p:cSld>
+    <p:spTree>
+      <p:nvGrpSpPr>
+        <p:cNvPr id="1" name=""/>
+        <p:cNvGrpSpPr/>
+        <p:nvPr/>
+      </p:nvGrpSpPr>
+      <p:grpSpPr>
+        <a:xfrm>
+          <a:off x="0" y="0"/>
+          <a:ext cx="0" cy="0"/>
+          <a:chOff x="0" y="0"/>
+          <a:chExt cx="0" cy="0"/>
+        </a:xfrm>
+      </p:grpSpPr>
+      <p:sp>
+        <p:nvSpPr>
+          <p:cNvPr id="140" name="Abgerundetes Rechteck 139"/>
+          <p:cNvSpPr/>
+          <p:nvPr/>
+        </p:nvSpPr>
+        <p:spPr>
+          <a:xfrm>
+            <a:off x="142844" y="71414"/>
+            <a:ext cx="3929090" cy="3213570"/>
+          </a:xfrm>
+          <a:prstGeom prst="roundRect">
+            <a:avLst>
+              <a:gd name="adj" fmla="val 5553"/>
+            </a:avLst>
+          </a:prstGeom>
+          <a:noFill/>
+          <a:ln w="25400">
+            <a:solidFill>
+              <a:schemeClr val="accent2"/>
+            </a:solidFill>
+          </a:ln>
+        </p:spPr>
+        <p:style>
+          <a:lnRef idx="1">
+            <a:schemeClr val="accent3"/>
+          </a:lnRef>
+          <a:fillRef idx="2">
+            <a:schemeClr val="accent3"/>
+          </a:fillRef>
+          <a:effectRef idx="1">
+            <a:schemeClr val="accent3"/>
+          </a:effectRef>
+          <a:fontRef idx="minor">
+            <a:schemeClr val="dk1"/>
+          </a:fontRef>
+        </p:style>
+        <p:txBody>
+          <a:bodyPr rtlCol="0" anchor="ctr"/>
+          <a:lstStyle/>
+          <a:p>
+            <a:pPr algn="ctr"/>
+            <a:endParaRPr lang="de-DE"/>
+          </a:p>
+        </p:txBody>
+      </p:sp>
+      <p:sp>
+        <p:nvSpPr>
+          <p:cNvPr id="141" name="Abgerundetes Rechteck 140"/>
+          <p:cNvSpPr/>
+          <p:nvPr/>
+        </p:nvSpPr>
+        <p:spPr>
+          <a:xfrm>
+            <a:off x="357158" y="500042"/>
+            <a:ext cx="785818" cy="214314"/>
+          </a:xfrm>
+          <a:prstGeom prst="roundRect">
+            <a:avLst/>
+          </a:prstGeom>
+        </p:spPr>
+        <p:style>
+          <a:lnRef idx="2">
+            <a:schemeClr val="accent2"/>
+          </a:lnRef>
+          <a:fillRef idx="1">
+            <a:schemeClr val="lt1"/>
+          </a:fillRef>
+          <a:effectRef idx="0">
+            <a:schemeClr val="accent2"/>
+          </a:effectRef>
+          <a:fontRef idx="minor">
+            <a:schemeClr val="dk1"/>
+          </a:fontRef>
+        </p:style>
+        <p:txBody>
+          <a:bodyPr rtlCol="0" anchor="ctr"/>
+          <a:lstStyle/>
+          <a:p>
+            <a:pPr algn="ctr"/>
+            <a:r>
+              <a:rPr lang="de-DE" sz="1200" dirty="0" err="1" smtClean="0"/>
+              <a:t>pathway</a:t>
+            </a:r>
+            <a:endParaRPr lang="de-DE" sz="1200" dirty="0"/>
+          </a:p>
+        </p:txBody>
+      </p:sp>
+      <p:sp>
+        <p:nvSpPr>
+          <p:cNvPr id="171" name="Textfeld 170"/>
+          <p:cNvSpPr txBox="1"/>
+          <p:nvPr/>
+        </p:nvSpPr>
+        <p:spPr>
+          <a:xfrm>
+            <a:off x="251520" y="2975211"/>
+            <a:ext cx="1571636" cy="381781"/>
+          </a:xfrm>
+          <a:prstGeom prst="rect">
+            <a:avLst/>
+          </a:prstGeom>
+          <a:noFill/>
+        </p:spPr>
+        <p:txBody>
+          <a:bodyPr wrap="square" rtlCol="0">
+            <a:spAutoFit/>
+          </a:bodyPr>
+          <a:lstStyle/>
+          <a:p>
+            <a:r>
+              <a:rPr lang="de-DE" b="1" dirty="0" smtClean="0">
+                <a:solidFill>
+                  <a:schemeClr val="accent2"/>
+                </a:solidFill>
+              </a:rPr>
+              <a:t>KGML</a:t>
+            </a:r>
+            <a:endParaRPr lang="de-DE" b="1" dirty="0">
+              <a:solidFill>
+                <a:schemeClr val="accent2"/>
+              </a:solidFill>
+            </a:endParaRPr>
+          </a:p>
+        </p:txBody>
+      </p:sp>
+      <p:sp>
+        <p:nvSpPr>
+          <p:cNvPr id="314" name="Abgerundetes Rechteck 313"/>
+          <p:cNvSpPr/>
+          <p:nvPr/>
+        </p:nvSpPr>
+        <p:spPr>
+          <a:xfrm>
+            <a:off x="1619672" y="908720"/>
+            <a:ext cx="785818" cy="214314"/>
+          </a:xfrm>
+          <a:prstGeom prst="roundRect">
+            <a:avLst/>
+          </a:prstGeom>
+        </p:spPr>
+        <p:style>
+          <a:lnRef idx="2">
+            <a:schemeClr val="accent2"/>
+          </a:lnRef>
+          <a:fillRef idx="1">
+            <a:schemeClr val="lt1"/>
+          </a:fillRef>
+          <a:effectRef idx="0">
+            <a:schemeClr val="accent2"/>
+          </a:effectRef>
+          <a:fontRef idx="minor">
+            <a:schemeClr val="dk1"/>
+          </a:fontRef>
+        </p:style>
+        <p:txBody>
+          <a:bodyPr rtlCol="0" anchor="ctr"/>
+          <a:lstStyle/>
+          <a:p>
+            <a:pPr algn="ctr"/>
+            <a:r>
+              <a:rPr lang="de-DE" sz="1200" dirty="0" err="1" smtClean="0"/>
+              <a:t>entry</a:t>
+            </a:r>
+            <a:endParaRPr lang="de-DE" sz="1200" dirty="0"/>
+          </a:p>
+        </p:txBody>
+      </p:sp>
+      <p:sp>
+        <p:nvSpPr>
+          <p:cNvPr id="320" name="Abgerundetes Rechteck 319"/>
+          <p:cNvSpPr/>
+          <p:nvPr/>
+        </p:nvSpPr>
+        <p:spPr>
+          <a:xfrm>
+            <a:off x="1619672" y="1556792"/>
+            <a:ext cx="784800" cy="216000"/>
+          </a:xfrm>
+          <a:prstGeom prst="roundRect">
+            <a:avLst/>
+          </a:prstGeom>
+        </p:spPr>
+        <p:style>
+          <a:lnRef idx="2">
+            <a:schemeClr val="accent2"/>
+          </a:lnRef>
+          <a:fillRef idx="1">
+            <a:schemeClr val="lt1"/>
+          </a:fillRef>
+          <a:effectRef idx="0">
+            <a:schemeClr val="accent2"/>
+          </a:effectRef>
+          <a:fontRef idx="minor">
+            <a:schemeClr val="dk1"/>
+          </a:fontRef>
+        </p:style>
+        <p:txBody>
+          <a:bodyPr rtlCol="0" anchor="ctr"/>
+          <a:lstStyle/>
+          <a:p>
+            <a:pPr algn="ctr"/>
+            <a:r>
+              <a:rPr lang="de-DE" sz="1200" dirty="0" err="1" smtClean="0"/>
+              <a:t>relation</a:t>
+            </a:r>
+            <a:endParaRPr lang="de-DE" sz="1200" dirty="0" smtClean="0"/>
+          </a:p>
+        </p:txBody>
+      </p:sp>
+      <p:sp>
+        <p:nvSpPr>
+          <p:cNvPr id="321" name="Abgerundetes Rechteck 320"/>
+          <p:cNvSpPr/>
+          <p:nvPr/>
+        </p:nvSpPr>
+        <p:spPr>
+          <a:xfrm>
+            <a:off x="1619672" y="1196752"/>
+            <a:ext cx="785818" cy="214314"/>
+          </a:xfrm>
+          <a:prstGeom prst="roundRect">
+            <a:avLst/>
+          </a:prstGeom>
+        </p:spPr>
+        <p:style>
+          <a:lnRef idx="2">
+            <a:schemeClr val="accent2"/>
+          </a:lnRef>
+          <a:fillRef idx="1">
+            <a:schemeClr val="lt1"/>
+          </a:fillRef>
+          <a:effectRef idx="0">
+            <a:schemeClr val="accent2"/>
+          </a:effectRef>
+          <a:fontRef idx="minor">
+            <a:schemeClr val="dk1"/>
+          </a:fontRef>
+        </p:style>
+        <p:txBody>
+          <a:bodyPr rtlCol="0" anchor="ctr"/>
+          <a:lstStyle/>
+          <a:p>
+            <a:pPr algn="ctr"/>
+            <a:r>
+              <a:rPr lang="de-DE" sz="1200" dirty="0" err="1" smtClean="0"/>
+              <a:t>reaction</a:t>
+            </a:r>
+            <a:endParaRPr lang="de-DE" sz="1200" dirty="0"/>
+          </a:p>
+        </p:txBody>
+      </p:sp>
+      <p:cxnSp>
+        <p:nvCxnSpPr>
+          <p:cNvPr id="322" name="Gerade Verbindung 321"/>
+          <p:cNvCxnSpPr>
+            <a:stCxn id="314" idx="1"/>
+            <a:endCxn id="323" idx="2"/>
+          </p:cNvCxnSpPr>
+          <p:nvPr/>
+        </p:nvCxnSpPr>
+        <p:spPr>
+          <a:xfrm flipH="1" flipV="1">
+            <a:off x="696910" y="845801"/>
+            <a:ext cx="922762" cy="170076"/>
+          </a:xfrm>
+          <a:prstGeom prst="line">
+            <a:avLst/>
+          </a:prstGeom>
+        </p:spPr>
+        <p:style>
+          <a:lnRef idx="2">
+            <a:schemeClr val="accent2"/>
+          </a:lnRef>
+          <a:fillRef idx="1">
+            <a:schemeClr val="lt1"/>
+          </a:fillRef>
+          <a:effectRef idx="0">
+            <a:schemeClr val="accent2"/>
+          </a:effectRef>
+          <a:fontRef idx="minor">
+            <a:schemeClr val="dk1"/>
+          </a:fontRef>
+        </p:style>
+      </p:cxnSp>
+      <p:sp>
+        <p:nvSpPr>
+          <p:cNvPr id="323" name="Raute 322"/>
+          <p:cNvSpPr/>
+          <p:nvPr/>
+        </p:nvSpPr>
+        <p:spPr>
+          <a:xfrm>
+            <a:off x="642910" y="737801"/>
+            <a:ext cx="108000" cy="108000"/>
+          </a:xfrm>
+          <a:prstGeom prst="diamond">
+            <a:avLst/>
+          </a:prstGeom>
+        </p:spPr>
+        <p:style>
+          <a:lnRef idx="2">
+            <a:schemeClr val="accent2"/>
+          </a:lnRef>
+          <a:fillRef idx="1">
+            <a:schemeClr val="lt1"/>
+          </a:fillRef>
+          <a:effectRef idx="0">
+            <a:schemeClr val="accent2"/>
+          </a:effectRef>
+          <a:fontRef idx="minor">
+            <a:schemeClr val="dk1"/>
+          </a:fontRef>
+        </p:style>
+        <p:txBody>
+          <a:bodyPr rtlCol="0" anchor="ctr"/>
+          <a:lstStyle/>
+          <a:p>
+            <a:pPr algn="ctr"/>
+            <a:endParaRPr lang="de-DE"/>
+          </a:p>
+        </p:txBody>
+      </p:sp>
+      <p:cxnSp>
+        <p:nvCxnSpPr>
+          <p:cNvPr id="326" name="Gerade Verbindung 325"/>
+          <p:cNvCxnSpPr>
+            <a:stCxn id="321" idx="1"/>
+            <a:endCxn id="323" idx="2"/>
+          </p:cNvCxnSpPr>
+          <p:nvPr/>
+        </p:nvCxnSpPr>
+        <p:spPr>
+          <a:xfrm flipH="1" flipV="1">
+            <a:off x="696910" y="845801"/>
+            <a:ext cx="922762" cy="458108"/>
+          </a:xfrm>
+          <a:prstGeom prst="line">
+            <a:avLst/>
+          </a:prstGeom>
+        </p:spPr>
+        <p:style>
+          <a:lnRef idx="2">
+            <a:schemeClr val="accent2"/>
+          </a:lnRef>
+          <a:fillRef idx="1">
+            <a:schemeClr val="lt1"/>
+          </a:fillRef>
+          <a:effectRef idx="0">
+            <a:schemeClr val="accent2"/>
+          </a:effectRef>
+          <a:fontRef idx="minor">
+            <a:schemeClr val="dk1"/>
+          </a:fontRef>
+        </p:style>
+      </p:cxnSp>
+      <p:cxnSp>
+        <p:nvCxnSpPr>
+          <p:cNvPr id="329" name="Gerade Verbindung 328"/>
+          <p:cNvCxnSpPr>
+            <a:stCxn id="320" idx="1"/>
+            <a:endCxn id="323" idx="2"/>
+          </p:cNvCxnSpPr>
+          <p:nvPr/>
+        </p:nvCxnSpPr>
+        <p:spPr>
+          <a:xfrm flipH="1" flipV="1">
+            <a:off x="696910" y="845801"/>
+            <a:ext cx="922762" cy="818991"/>
+          </a:xfrm>
+          <a:prstGeom prst="line">
+            <a:avLst/>
+          </a:prstGeom>
+        </p:spPr>
+        <p:style>
+          <a:lnRef idx="2">
+            <a:schemeClr val="accent2"/>
+          </a:lnRef>
+          <a:fillRef idx="1">
+            <a:schemeClr val="lt1"/>
+          </a:fillRef>
+          <a:effectRef idx="0">
+            <a:schemeClr val="accent2"/>
+          </a:effectRef>
+          <a:fontRef idx="minor">
+            <a:schemeClr val="dk1"/>
+          </a:fontRef>
+        </p:style>
+      </p:cxnSp>
+      <p:cxnSp>
+        <p:nvCxnSpPr>
+          <p:cNvPr id="332" name="Gerade Verbindung 331"/>
+          <p:cNvCxnSpPr>
+            <a:stCxn id="141" idx="3"/>
+            <a:endCxn id="130" idx="1"/>
+          </p:cNvCxnSpPr>
+          <p:nvPr/>
+        </p:nvCxnSpPr>
+        <p:spPr>
+          <a:xfrm flipV="1">
+            <a:off x="1142976" y="366665"/>
+            <a:ext cx="3241002" cy="240534"/>
+          </a:xfrm>
+          <a:prstGeom prst="line">
+            <a:avLst/>
+          </a:prstGeom>
+          <a:ln w="12700"/>
+        </p:spPr>
+        <p:style>
+          <a:lnRef idx="1">
+            <a:schemeClr val="dk1"/>
+          </a:lnRef>
+          <a:fillRef idx="0">
+            <a:schemeClr val="dk1"/>
+          </a:fillRef>
+          <a:effectRef idx="0">
+            <a:schemeClr val="dk1"/>
+          </a:effectRef>
+          <a:fontRef idx="minor">
+            <a:schemeClr val="tx1"/>
+          </a:fontRef>
+        </p:style>
+      </p:cxnSp>
+      <p:cxnSp>
+        <p:nvCxnSpPr>
+          <p:cNvPr id="352" name="Gerade Verbindung 351"/>
+          <p:cNvCxnSpPr>
+            <a:stCxn id="314" idx="3"/>
+            <a:endCxn id="131" idx="1"/>
+          </p:cNvCxnSpPr>
+          <p:nvPr/>
+        </p:nvCxnSpPr>
+        <p:spPr>
+          <a:xfrm>
+            <a:off x="2405490" y="1015877"/>
+            <a:ext cx="2027054" cy="405258"/>
+          </a:xfrm>
+          <a:prstGeom prst="line">
+            <a:avLst/>
+          </a:prstGeom>
+          <a:ln w="12700"/>
+        </p:spPr>
+        <p:style>
+          <a:lnRef idx="1">
+            <a:schemeClr val="dk1"/>
+          </a:lnRef>
+          <a:fillRef idx="0">
+            <a:schemeClr val="dk1"/>
+          </a:fillRef>
+          <a:effectRef idx="0">
+            <a:schemeClr val="dk1"/>
+          </a:effectRef>
+          <a:fontRef idx="minor">
+            <a:schemeClr val="tx1"/>
+          </a:fontRef>
+        </p:style>
+      </p:cxnSp>
+      <p:cxnSp>
+        <p:nvCxnSpPr>
+          <p:cNvPr id="356" name="Gerade Verbindung 355"/>
+          <p:cNvCxnSpPr>
+            <a:stCxn id="314" idx="3"/>
+            <a:endCxn id="142" idx="1"/>
+          </p:cNvCxnSpPr>
+          <p:nvPr/>
+        </p:nvCxnSpPr>
+        <p:spPr>
+          <a:xfrm>
+            <a:off x="2405490" y="1015877"/>
+            <a:ext cx="2035604" cy="979042"/>
+          </a:xfrm>
+          <a:prstGeom prst="line">
+            <a:avLst/>
+          </a:prstGeom>
+          <a:ln w="12700"/>
+        </p:spPr>
+        <p:style>
+          <a:lnRef idx="1">
+            <a:schemeClr val="dk1"/>
+          </a:lnRef>
+          <a:fillRef idx="0">
+            <a:schemeClr val="dk1"/>
+          </a:fillRef>
+          <a:effectRef idx="0">
+            <a:schemeClr val="dk1"/>
+          </a:effectRef>
+          <a:fontRef idx="minor">
+            <a:schemeClr val="tx1"/>
+          </a:fontRef>
+        </p:style>
+      </p:cxnSp>
+      <p:cxnSp>
+        <p:nvCxnSpPr>
+          <p:cNvPr id="375" name="Gerade Verbindung 374"/>
+          <p:cNvCxnSpPr>
+            <a:stCxn id="321" idx="3"/>
+            <a:endCxn id="133" idx="1"/>
+          </p:cNvCxnSpPr>
+          <p:nvPr/>
+        </p:nvCxnSpPr>
+        <p:spPr>
+          <a:xfrm>
+            <a:off x="2405490" y="1303909"/>
+            <a:ext cx="2683106" cy="1194496"/>
+          </a:xfrm>
+          <a:prstGeom prst="line">
+            <a:avLst/>
+          </a:prstGeom>
+          <a:ln w="12700"/>
+        </p:spPr>
+        <p:style>
+          <a:lnRef idx="1">
+            <a:schemeClr val="dk1"/>
+          </a:lnRef>
+          <a:fillRef idx="0">
+            <a:schemeClr val="dk1"/>
+          </a:fillRef>
+          <a:effectRef idx="0">
+            <a:schemeClr val="dk1"/>
+          </a:effectRef>
+          <a:fontRef idx="minor">
+            <a:schemeClr val="tx1"/>
+          </a:fontRef>
+        </p:style>
+      </p:cxnSp>
+      <p:cxnSp>
+        <p:nvCxnSpPr>
+          <p:cNvPr id="165" name="Gerade Verbindung 164"/>
+          <p:cNvCxnSpPr>
+            <a:stCxn id="320" idx="3"/>
+            <a:endCxn id="145" idx="1"/>
+          </p:cNvCxnSpPr>
+          <p:nvPr/>
+        </p:nvCxnSpPr>
+        <p:spPr>
+          <a:xfrm>
+            <a:off x="2404472" y="1664792"/>
+            <a:ext cx="2684124" cy="1265661"/>
+          </a:xfrm>
+          <a:prstGeom prst="line">
+            <a:avLst/>
+          </a:prstGeom>
+          <a:ln w="12700"/>
+        </p:spPr>
+        <p:style>
+          <a:lnRef idx="1">
+            <a:schemeClr val="dk1"/>
+          </a:lnRef>
+          <a:fillRef idx="0">
+            <a:schemeClr val="dk1"/>
+          </a:fillRef>
+          <a:effectRef idx="0">
+            <a:schemeClr val="dk1"/>
+          </a:effectRef>
+          <a:fontRef idx="minor">
+            <a:schemeClr val="tx1"/>
+          </a:fontRef>
+        </p:style>
+      </p:cxnSp>
+      <p:sp>
+        <p:nvSpPr>
+          <p:cNvPr id="125" name="Abgerundetes Rechteck 124"/>
+          <p:cNvSpPr/>
+          <p:nvPr/>
+        </p:nvSpPr>
+        <p:spPr>
+          <a:xfrm>
+            <a:off x="4283968" y="116632"/>
+            <a:ext cx="3929090" cy="3213570"/>
+          </a:xfrm>
+          <a:prstGeom prst="roundRect">
+            <a:avLst>
+              <a:gd name="adj" fmla="val 5553"/>
+            </a:avLst>
+          </a:prstGeom>
+          <a:noFill/>
+          <a:ln w="25400"/>
+        </p:spPr>
+        <p:style>
+          <a:lnRef idx="1">
+            <a:schemeClr val="accent3"/>
+          </a:lnRef>
+          <a:fillRef idx="2">
+            <a:schemeClr val="accent3"/>
+          </a:fillRef>
+          <a:effectRef idx="1">
+            <a:schemeClr val="accent3"/>
+          </a:effectRef>
+          <a:fontRef idx="minor">
+            <a:schemeClr val="dk1"/>
+          </a:fontRef>
+        </p:style>
+        <p:txBody>
+          <a:bodyPr rtlCol="0" anchor="ctr"/>
+          <a:lstStyle/>
+          <a:p>
+            <a:pPr algn="ctr"/>
+            <a:endParaRPr lang="de-DE"/>
+          </a:p>
+        </p:txBody>
+      </p:sp>
+      <p:sp>
+        <p:nvSpPr>
+          <p:cNvPr id="126" name="Abgerundetes Rechteck 125"/>
+          <p:cNvSpPr/>
+          <p:nvPr/>
+        </p:nvSpPr>
+        <p:spPr>
+          <a:xfrm>
+            <a:off x="7498678" y="1270242"/>
+            <a:ext cx="642942" cy="214314"/>
+          </a:xfrm>
+          <a:prstGeom prst="roundRect">
+            <a:avLst/>
+          </a:prstGeom>
+          <a:solidFill>
+            <a:srgbClr val="F7F9F1"/>
+          </a:solidFill>
+        </p:spPr>
+        <p:style>
+          <a:lnRef idx="2">
+            <a:schemeClr val="accent3"/>
+          </a:lnRef>
+          <a:fillRef idx="1">
+            <a:schemeClr val="lt1"/>
+          </a:fillRef>
+          <a:effectRef idx="0">
+            <a:schemeClr val="accent3"/>
+          </a:effectRef>
+          <a:fontRef idx="minor">
+            <a:schemeClr val="dk1"/>
+          </a:fontRef>
+        </p:style>
+        <p:txBody>
+          <a:bodyPr rtlCol="0" anchor="ctr"/>
+          <a:lstStyle/>
+          <a:p>
+            <a:pPr algn="ctr"/>
+            <a:r>
+              <a:rPr lang="de-DE" sz="1200" dirty="0" err="1" smtClean="0"/>
+              <a:t>SBase</a:t>
+            </a:r>
+            <a:endParaRPr lang="de-DE" sz="1200" dirty="0"/>
+          </a:p>
+        </p:txBody>
+      </p:sp>
+      <p:sp>
+        <p:nvSpPr>
+          <p:cNvPr id="127" name="Abgerundetes Rechteck 126"/>
+          <p:cNvSpPr/>
+          <p:nvPr/>
+        </p:nvSpPr>
+        <p:spPr>
+          <a:xfrm>
+            <a:off x="6075618" y="1313978"/>
+            <a:ext cx="1143008" cy="214314"/>
+          </a:xfrm>
+          <a:prstGeom prst="roundRect">
+            <a:avLst/>
+          </a:prstGeom>
+          <a:solidFill>
+            <a:srgbClr val="F7F9F1"/>
+          </a:solidFill>
+        </p:spPr>
+        <p:style>
+          <a:lnRef idx="2">
+            <a:schemeClr val="accent3"/>
+          </a:lnRef>
+          <a:fillRef idx="1">
+            <a:schemeClr val="lt1"/>
+          </a:fillRef>
+          <a:effectRef idx="0">
+            <a:schemeClr val="accent3"/>
+          </a:effectRef>
+          <a:fontRef idx="minor">
+            <a:schemeClr val="dk1"/>
+          </a:fontRef>
+        </p:style>
+        <p:txBody>
+          <a:bodyPr rtlCol="0" anchor="ctr"/>
+          <a:lstStyle/>
+          <a:p>
+            <a:pPr algn="ctr"/>
+            <a:r>
+              <a:rPr lang="de-DE" sz="1200" dirty="0" err="1" smtClean="0"/>
+              <a:t>listOfSpecies</a:t>
+            </a:r>
+            <a:endParaRPr lang="de-DE" sz="1200" dirty="0"/>
+          </a:p>
+        </p:txBody>
+      </p:sp>
+      <p:sp>
+        <p:nvSpPr>
+          <p:cNvPr id="128" name="Abgerundetes Rechteck 127"/>
+          <p:cNvSpPr/>
+          <p:nvPr/>
+        </p:nvSpPr>
+        <p:spPr>
+          <a:xfrm>
+            <a:off x="6088728" y="2034058"/>
+            <a:ext cx="1143008" cy="214314"/>
+          </a:xfrm>
+          <a:prstGeom prst="roundRect">
+            <a:avLst/>
+          </a:prstGeom>
+          <a:solidFill>
+            <a:srgbClr val="F7F9F1"/>
+          </a:solidFill>
+        </p:spPr>
+        <p:style>
+          <a:lnRef idx="2">
+            <a:schemeClr val="accent3"/>
+          </a:lnRef>
+          <a:fillRef idx="1">
+            <a:schemeClr val="lt1"/>
+          </a:fillRef>
+          <a:effectRef idx="0">
+            <a:schemeClr val="accent3"/>
+          </a:effectRef>
+          <a:fontRef idx="minor">
+            <a:schemeClr val="dk1"/>
+          </a:fontRef>
+        </p:style>
+        <p:txBody>
+          <a:bodyPr rtlCol="0" anchor="ctr"/>
+          <a:lstStyle/>
+          <a:p>
+            <a:pPr algn="ctr"/>
+            <a:r>
+              <a:rPr lang="de-DE" sz="1200" dirty="0" err="1" smtClean="0"/>
+              <a:t>listOfReaction</a:t>
+            </a:r>
+            <a:endParaRPr lang="de-DE" sz="1200" dirty="0"/>
+          </a:p>
+        </p:txBody>
+      </p:sp>
+      <p:sp>
+        <p:nvSpPr>
+          <p:cNvPr id="130" name="Abgerundetes Rechteck 129"/>
+          <p:cNvSpPr/>
+          <p:nvPr/>
+        </p:nvSpPr>
+        <p:spPr>
+          <a:xfrm>
+            <a:off x="4383978" y="259508"/>
+            <a:ext cx="1328750" cy="214314"/>
+          </a:xfrm>
+          <a:prstGeom prst="roundRect">
+            <a:avLst/>
+          </a:prstGeom>
+          <a:solidFill>
+            <a:srgbClr val="F7F9F1"/>
+          </a:solidFill>
+        </p:spPr>
+        <p:style>
+          <a:lnRef idx="2">
+            <a:schemeClr val="accent3"/>
+          </a:lnRef>
+          <a:fillRef idx="1">
+            <a:schemeClr val="lt1"/>
+          </a:fillRef>
+          <a:effectRef idx="0">
+            <a:schemeClr val="accent3"/>
+          </a:effectRef>
+          <a:fontRef idx="minor">
+            <a:schemeClr val="dk1"/>
+          </a:fontRef>
+        </p:style>
+        <p:txBody>
+          <a:bodyPr rtlCol="0" anchor="ctr"/>
+          <a:lstStyle/>
+          <a:p>
+            <a:pPr algn="ctr"/>
+            <a:r>
+              <a:rPr lang="de-DE" sz="1200" dirty="0" smtClean="0"/>
+              <a:t>model</a:t>
+            </a:r>
+            <a:endParaRPr lang="de-DE" sz="1200" dirty="0"/>
+          </a:p>
+        </p:txBody>
+      </p:sp>
+      <p:sp>
+        <p:nvSpPr>
+          <p:cNvPr id="131" name="Abgerundetes Rechteck 130"/>
+          <p:cNvSpPr/>
+          <p:nvPr/>
+        </p:nvSpPr>
+        <p:spPr>
+          <a:xfrm>
+            <a:off x="4432544" y="1313978"/>
+            <a:ext cx="1357322" cy="214314"/>
+          </a:xfrm>
+          <a:prstGeom prst="roundRect">
+            <a:avLst/>
+          </a:prstGeom>
+          <a:solidFill>
+            <a:srgbClr val="F7F9F1"/>
+          </a:solidFill>
+        </p:spPr>
+        <p:style>
+          <a:lnRef idx="2">
+            <a:schemeClr val="accent3"/>
+          </a:lnRef>
+          <a:fillRef idx="1">
+            <a:schemeClr val="lt1"/>
+          </a:fillRef>
+          <a:effectRef idx="0">
+            <a:schemeClr val="accent3"/>
+          </a:effectRef>
+          <a:fontRef idx="minor">
+            <a:schemeClr val="dk1"/>
+          </a:fontRef>
+        </p:style>
+        <p:txBody>
+          <a:bodyPr rtlCol="0" anchor="ctr"/>
+          <a:lstStyle/>
+          <a:p>
+            <a:pPr algn="ctr"/>
+            <a:r>
+              <a:rPr lang="de-DE" sz="1200" dirty="0" err="1" smtClean="0"/>
+              <a:t>species</a:t>
+            </a:r>
+            <a:endParaRPr lang="de-DE" sz="1200" dirty="0"/>
+          </a:p>
+        </p:txBody>
+      </p:sp>
+      <p:sp>
+        <p:nvSpPr>
+          <p:cNvPr id="133" name="Abgerundetes Rechteck 132"/>
+          <p:cNvSpPr/>
+          <p:nvPr/>
+        </p:nvSpPr>
+        <p:spPr>
+          <a:xfrm>
+            <a:off x="5088596" y="2391248"/>
+            <a:ext cx="785818" cy="214314"/>
+          </a:xfrm>
+          <a:prstGeom prst="roundRect">
+            <a:avLst/>
+          </a:prstGeom>
+          <a:solidFill>
+            <a:srgbClr val="F7F9F1"/>
+          </a:solidFill>
+        </p:spPr>
+        <p:style>
+          <a:lnRef idx="2">
+            <a:schemeClr val="accent3"/>
+          </a:lnRef>
+          <a:fillRef idx="1">
+            <a:schemeClr val="lt1"/>
+          </a:fillRef>
+          <a:effectRef idx="0">
+            <a:schemeClr val="accent3"/>
+          </a:effectRef>
+          <a:fontRef idx="minor">
+            <a:schemeClr val="dk1"/>
+          </a:fontRef>
+        </p:style>
+        <p:txBody>
+          <a:bodyPr rtlCol="0" anchor="ctr"/>
+          <a:lstStyle/>
+          <a:p>
+            <a:pPr algn="ctr"/>
+            <a:r>
+              <a:rPr lang="de-DE" sz="1200" dirty="0" err="1" smtClean="0"/>
+              <a:t>reaction</a:t>
+            </a:r>
+            <a:endParaRPr lang="de-DE" sz="1200" dirty="0"/>
+          </a:p>
+        </p:txBody>
+      </p:sp>
+      <p:sp>
+        <p:nvSpPr>
+          <p:cNvPr id="139" name="Abgerundetes Rechteck 138"/>
+          <p:cNvSpPr/>
+          <p:nvPr/>
+        </p:nvSpPr>
+        <p:spPr>
+          <a:xfrm>
+            <a:off x="4383978" y="545260"/>
+            <a:ext cx="1328750" cy="214314"/>
+          </a:xfrm>
+          <a:prstGeom prst="roundRect">
+            <a:avLst/>
+          </a:prstGeom>
+          <a:solidFill>
+            <a:srgbClr val="F7F9F1"/>
+          </a:solidFill>
+          <a:ln>
+            <a:prstDash val="sysDash"/>
+          </a:ln>
+        </p:spPr>
+        <p:style>
+          <a:lnRef idx="2">
+            <a:schemeClr val="accent3"/>
+          </a:lnRef>
+          <a:fillRef idx="1">
+            <a:schemeClr val="lt1"/>
+          </a:fillRef>
+          <a:effectRef idx="0">
+            <a:schemeClr val="accent3"/>
+          </a:effectRef>
+          <a:fontRef idx="minor">
+            <a:schemeClr val="dk1"/>
+          </a:fontRef>
+        </p:style>
+        <p:txBody>
+          <a:bodyPr rtlCol="0" anchor="ctr"/>
+          <a:lstStyle/>
+          <a:p>
+            <a:pPr algn="ctr"/>
+            <a:r>
+              <a:rPr lang="de-DE" sz="1200" dirty="0" err="1" smtClean="0"/>
+              <a:t>qualitativeModel</a:t>
+            </a:r>
+            <a:endParaRPr lang="de-DE" sz="1200" dirty="0"/>
+          </a:p>
+        </p:txBody>
+      </p:sp>
+      <p:sp>
+        <p:nvSpPr>
+          <p:cNvPr id="142" name="Abgerundetes Rechteck 141"/>
+          <p:cNvSpPr/>
+          <p:nvPr/>
+        </p:nvSpPr>
+        <p:spPr>
+          <a:xfrm>
+            <a:off x="4441094" y="1887762"/>
+            <a:ext cx="1357322" cy="214314"/>
+          </a:xfrm>
+          <a:prstGeom prst="roundRect">
+            <a:avLst/>
+          </a:prstGeom>
+          <a:solidFill>
+            <a:srgbClr val="F7F9F1"/>
+          </a:solidFill>
+          <a:ln>
+            <a:prstDash val="sysDash"/>
+          </a:ln>
+        </p:spPr>
+        <p:style>
+          <a:lnRef idx="2">
+            <a:schemeClr val="accent3"/>
+          </a:lnRef>
+          <a:fillRef idx="1">
+            <a:schemeClr val="lt1"/>
+          </a:fillRef>
+          <a:effectRef idx="0">
+            <a:schemeClr val="accent3"/>
+          </a:effectRef>
+          <a:fontRef idx="minor">
+            <a:schemeClr val="dk1"/>
+          </a:fontRef>
+        </p:style>
+        <p:txBody>
+          <a:bodyPr rtlCol="0" anchor="ctr"/>
+          <a:lstStyle/>
+          <a:p>
+            <a:pPr algn="ctr"/>
+            <a:r>
+              <a:rPr lang="de-DE" sz="1200" dirty="0" err="1" smtClean="0"/>
+              <a:t>qualitativeSpecies</a:t>
+            </a:r>
+            <a:endParaRPr lang="de-DE" sz="1200" dirty="0"/>
+          </a:p>
+        </p:txBody>
+      </p:sp>
+      <p:sp>
+        <p:nvSpPr>
+          <p:cNvPr id="143" name="Abgerundetes Rechteck 142"/>
+          <p:cNvSpPr/>
+          <p:nvPr/>
+        </p:nvSpPr>
+        <p:spPr>
+          <a:xfrm>
+            <a:off x="5512664" y="1602010"/>
+            <a:ext cx="1714512" cy="214314"/>
+          </a:xfrm>
+          <a:prstGeom prst="roundRect">
+            <a:avLst/>
+          </a:prstGeom>
+          <a:solidFill>
+            <a:srgbClr val="F7F9F1"/>
+          </a:solidFill>
+          <a:ln>
+            <a:prstDash val="sysDash"/>
+          </a:ln>
+        </p:spPr>
+        <p:style>
+          <a:lnRef idx="2">
+            <a:schemeClr val="accent3"/>
+          </a:lnRef>
+          <a:fillRef idx="1">
+            <a:schemeClr val="lt1"/>
+          </a:fillRef>
+          <a:effectRef idx="0">
+            <a:schemeClr val="accent3"/>
+          </a:effectRef>
+          <a:fontRef idx="minor">
+            <a:schemeClr val="dk1"/>
+          </a:fontRef>
+        </p:style>
+        <p:txBody>
+          <a:bodyPr rtlCol="0" anchor="ctr"/>
+          <a:lstStyle/>
+          <a:p>
+            <a:pPr algn="ctr"/>
+            <a:r>
+              <a:rPr lang="de-DE" sz="1200" dirty="0" err="1" smtClean="0"/>
+              <a:t>listOfQualtiativeSpecies</a:t>
+            </a:r>
+            <a:endParaRPr lang="de-DE" sz="1200" dirty="0"/>
+          </a:p>
+        </p:txBody>
+      </p:sp>
+      <p:sp>
+        <p:nvSpPr>
+          <p:cNvPr id="144" name="Abgerundetes Rechteck 143"/>
+          <p:cNvSpPr/>
+          <p:nvPr/>
+        </p:nvSpPr>
+        <p:spPr>
+          <a:xfrm>
+            <a:off x="6088728" y="2466106"/>
+            <a:ext cx="1143008" cy="214314"/>
+          </a:xfrm>
+          <a:prstGeom prst="roundRect">
+            <a:avLst/>
+          </a:prstGeom>
+          <a:solidFill>
+            <a:srgbClr val="F7F9F1"/>
+          </a:solidFill>
+          <a:ln>
+            <a:prstDash val="sysDash"/>
+          </a:ln>
+        </p:spPr>
+        <p:style>
+          <a:lnRef idx="2">
+            <a:schemeClr val="accent3"/>
+          </a:lnRef>
+          <a:fillRef idx="1">
+            <a:schemeClr val="lt1"/>
+          </a:fillRef>
+          <a:effectRef idx="0">
+            <a:schemeClr val="accent3"/>
+          </a:effectRef>
+          <a:fontRef idx="minor">
+            <a:schemeClr val="dk1"/>
+          </a:fontRef>
+        </p:style>
+        <p:txBody>
+          <a:bodyPr rtlCol="0" anchor="ctr"/>
+          <a:lstStyle/>
+          <a:p>
+            <a:pPr algn="ctr"/>
+            <a:r>
+              <a:rPr lang="de-DE" sz="1200" dirty="0" err="1" smtClean="0"/>
+              <a:t>listOfTransition</a:t>
+            </a:r>
+            <a:endParaRPr lang="de-DE" sz="1200" dirty="0"/>
+          </a:p>
+        </p:txBody>
+      </p:sp>
+      <p:sp>
+        <p:nvSpPr>
+          <p:cNvPr id="145" name="Abgerundetes Rechteck 144"/>
+          <p:cNvSpPr/>
+          <p:nvPr/>
+        </p:nvSpPr>
+        <p:spPr>
+          <a:xfrm>
+            <a:off x="5088596" y="2823296"/>
+            <a:ext cx="857256" cy="214314"/>
+          </a:xfrm>
+          <a:prstGeom prst="roundRect">
+            <a:avLst/>
+          </a:prstGeom>
+          <a:solidFill>
+            <a:srgbClr val="F7F9F1"/>
+          </a:solidFill>
+          <a:ln>
+            <a:prstDash val="sysDash"/>
+          </a:ln>
+        </p:spPr>
+        <p:style>
+          <a:lnRef idx="2">
+            <a:schemeClr val="accent3"/>
+          </a:lnRef>
+          <a:fillRef idx="1">
+            <a:schemeClr val="lt1"/>
+          </a:fillRef>
+          <a:effectRef idx="0">
+            <a:schemeClr val="accent3"/>
+          </a:effectRef>
+          <a:fontRef idx="minor">
+            <a:schemeClr val="dk1"/>
+          </a:fontRef>
+        </p:style>
+        <p:txBody>
+          <a:bodyPr rtlCol="0" anchor="ctr"/>
+          <a:lstStyle/>
+          <a:p>
+            <a:pPr algn="ctr"/>
+            <a:r>
+              <a:rPr lang="de-DE" sz="1200" dirty="0" err="1" smtClean="0"/>
+              <a:t>transition</a:t>
+            </a:r>
+            <a:endParaRPr lang="de-DE" sz="1200" dirty="0"/>
+          </a:p>
+        </p:txBody>
+      </p:sp>
+      <p:cxnSp>
+        <p:nvCxnSpPr>
+          <p:cNvPr id="147" name="Gerade Verbindung 146"/>
+          <p:cNvCxnSpPr>
+            <a:stCxn id="169" idx="3"/>
+            <a:endCxn id="127" idx="3"/>
+          </p:cNvCxnSpPr>
+          <p:nvPr/>
+        </p:nvCxnSpPr>
+        <p:spPr>
+          <a:xfrm flipH="1">
+            <a:off x="7218626" y="1374748"/>
+            <a:ext cx="156422" cy="46387"/>
+          </a:xfrm>
+          <a:prstGeom prst="line">
+            <a:avLst/>
+          </a:prstGeom>
+          <a:ln>
+            <a:headEnd type="none"/>
+          </a:ln>
+        </p:spPr>
+        <p:style>
+          <a:lnRef idx="2">
+            <a:schemeClr val="accent3"/>
+          </a:lnRef>
+          <a:fillRef idx="1">
+            <a:schemeClr val="lt1"/>
+          </a:fillRef>
+          <a:effectRef idx="0">
+            <a:schemeClr val="accent3"/>
+          </a:effectRef>
+          <a:fontRef idx="minor">
+            <a:schemeClr val="dk1"/>
+          </a:fontRef>
+        </p:style>
+      </p:cxnSp>
+      <p:cxnSp>
+        <p:nvCxnSpPr>
+          <p:cNvPr id="148" name="Gerade Verbindung 147"/>
+          <p:cNvCxnSpPr>
+            <a:stCxn id="164" idx="3"/>
+            <a:endCxn id="128" idx="3"/>
+          </p:cNvCxnSpPr>
+          <p:nvPr/>
+        </p:nvCxnSpPr>
+        <p:spPr>
+          <a:xfrm flipH="1">
+            <a:off x="7231736" y="1602853"/>
+            <a:ext cx="485424" cy="538362"/>
+          </a:xfrm>
+          <a:prstGeom prst="line">
+            <a:avLst/>
+          </a:prstGeom>
+          <a:ln>
+            <a:headEnd type="none"/>
+          </a:ln>
+        </p:spPr>
+        <p:style>
+          <a:lnRef idx="2">
+            <a:schemeClr val="accent3"/>
+          </a:lnRef>
+          <a:fillRef idx="1">
+            <a:schemeClr val="lt1"/>
+          </a:fillRef>
+          <a:effectRef idx="0">
+            <a:schemeClr val="accent3"/>
+          </a:effectRef>
+          <a:fontRef idx="minor">
+            <a:schemeClr val="dk1"/>
+          </a:fontRef>
+        </p:style>
+      </p:cxnSp>
+      <p:cxnSp>
+        <p:nvCxnSpPr>
+          <p:cNvPr id="150" name="Gerade Verbindung 149"/>
+          <p:cNvCxnSpPr>
+            <a:stCxn id="169" idx="3"/>
+            <a:endCxn id="130" idx="3"/>
+          </p:cNvCxnSpPr>
+          <p:nvPr/>
+        </p:nvCxnSpPr>
+        <p:spPr>
+          <a:xfrm rot="10800000">
+            <a:off x="5712728" y="366666"/>
+            <a:ext cx="1662320" cy="1008083"/>
+          </a:xfrm>
+          <a:prstGeom prst="line">
+            <a:avLst/>
+          </a:prstGeom>
+          <a:ln>
+            <a:headEnd type="none"/>
+          </a:ln>
+        </p:spPr>
+        <p:style>
+          <a:lnRef idx="2">
+            <a:schemeClr val="accent3"/>
+          </a:lnRef>
+          <a:fillRef idx="1">
+            <a:schemeClr val="lt1"/>
+          </a:fillRef>
+          <a:effectRef idx="0">
+            <a:schemeClr val="accent3"/>
+          </a:effectRef>
+          <a:fontRef idx="minor">
+            <a:schemeClr val="dk1"/>
+          </a:fontRef>
+        </p:style>
+      </p:cxnSp>
+      <p:cxnSp>
+        <p:nvCxnSpPr>
+          <p:cNvPr id="151" name="Gerade Verbindung 150"/>
+          <p:cNvCxnSpPr>
+            <a:stCxn id="169" idx="3"/>
+            <a:endCxn id="139" idx="3"/>
+          </p:cNvCxnSpPr>
+          <p:nvPr/>
+        </p:nvCxnSpPr>
+        <p:spPr>
+          <a:xfrm rot="10800000">
+            <a:off x="5712728" y="652418"/>
+            <a:ext cx="1662320" cy="722331"/>
+          </a:xfrm>
+          <a:prstGeom prst="line">
+            <a:avLst/>
+          </a:prstGeom>
+          <a:ln>
+            <a:headEnd type="none"/>
+          </a:ln>
+        </p:spPr>
+        <p:style>
+          <a:lnRef idx="2">
+            <a:schemeClr val="accent3"/>
+          </a:lnRef>
+          <a:fillRef idx="1">
+            <a:schemeClr val="lt1"/>
+          </a:fillRef>
+          <a:effectRef idx="0">
+            <a:schemeClr val="accent3"/>
+          </a:effectRef>
+          <a:fontRef idx="minor">
+            <a:schemeClr val="dk1"/>
+          </a:fontRef>
+        </p:style>
+      </p:cxnSp>
+      <p:cxnSp>
+        <p:nvCxnSpPr>
+          <p:cNvPr id="153" name="Gerade Verbindung 152"/>
+          <p:cNvCxnSpPr>
+            <a:stCxn id="164" idx="3"/>
+            <a:endCxn id="144" idx="3"/>
+          </p:cNvCxnSpPr>
+          <p:nvPr/>
+        </p:nvCxnSpPr>
+        <p:spPr>
+          <a:xfrm flipH="1">
+            <a:off x="7231736" y="1602853"/>
+            <a:ext cx="485424" cy="970410"/>
+          </a:xfrm>
+          <a:prstGeom prst="line">
+            <a:avLst/>
+          </a:prstGeom>
+          <a:ln>
+            <a:headEnd type="none"/>
+          </a:ln>
+        </p:spPr>
+        <p:style>
+          <a:lnRef idx="2">
+            <a:schemeClr val="accent3"/>
+          </a:lnRef>
+          <a:fillRef idx="1">
+            <a:schemeClr val="lt1"/>
+          </a:fillRef>
+          <a:effectRef idx="0">
+            <a:schemeClr val="accent3"/>
+          </a:effectRef>
+          <a:fontRef idx="minor">
+            <a:schemeClr val="dk1"/>
+          </a:fontRef>
+        </p:style>
+      </p:cxnSp>
+      <p:cxnSp>
+        <p:nvCxnSpPr>
+          <p:cNvPr id="154" name="Gerade Verbindung 153"/>
+          <p:cNvCxnSpPr>
+            <a:stCxn id="169" idx="3"/>
+            <a:endCxn id="143" idx="3"/>
+          </p:cNvCxnSpPr>
+          <p:nvPr/>
+        </p:nvCxnSpPr>
+        <p:spPr>
+          <a:xfrm flipH="1">
+            <a:off x="7227176" y="1374748"/>
+            <a:ext cx="147872" cy="334419"/>
+          </a:xfrm>
+          <a:prstGeom prst="line">
+            <a:avLst/>
+          </a:prstGeom>
+          <a:ln>
+            <a:headEnd type="none"/>
+          </a:ln>
+        </p:spPr>
+        <p:style>
+          <a:lnRef idx="2">
+            <a:schemeClr val="accent3"/>
+          </a:lnRef>
+          <a:fillRef idx="1">
+            <a:schemeClr val="lt1"/>
+          </a:fillRef>
+          <a:effectRef idx="0">
+            <a:schemeClr val="accent3"/>
+          </a:effectRef>
+          <a:fontRef idx="minor">
+            <a:schemeClr val="dk1"/>
+          </a:fontRef>
+        </p:style>
+      </p:cxnSp>
+      <p:cxnSp>
+        <p:nvCxnSpPr>
+          <p:cNvPr id="156" name="Gerade Verbindung 155"/>
+          <p:cNvCxnSpPr>
+            <a:stCxn id="170" idx="1"/>
+            <a:endCxn id="131" idx="3"/>
+          </p:cNvCxnSpPr>
+          <p:nvPr/>
+        </p:nvCxnSpPr>
+        <p:spPr>
+          <a:xfrm rot="10800000">
+            <a:off x="5789866" y="1421136"/>
+            <a:ext cx="158506" cy="2651"/>
+          </a:xfrm>
+          <a:prstGeom prst="line">
+            <a:avLst/>
+          </a:prstGeom>
+          <a:ln>
+            <a:headEnd type="none"/>
+          </a:ln>
+        </p:spPr>
+        <p:style>
+          <a:lnRef idx="2">
+            <a:schemeClr val="accent3"/>
+          </a:lnRef>
+          <a:fillRef idx="1">
+            <a:schemeClr val="lt1"/>
+          </a:fillRef>
+          <a:effectRef idx="0">
+            <a:schemeClr val="accent3"/>
+          </a:effectRef>
+          <a:fontRef idx="minor">
+            <a:schemeClr val="dk1"/>
+          </a:fontRef>
+        </p:style>
+      </p:cxnSp>
+      <p:cxnSp>
+        <p:nvCxnSpPr>
+          <p:cNvPr id="157" name="Gerade Verbindung 156"/>
+          <p:cNvCxnSpPr>
+            <a:stCxn id="175" idx="1"/>
+            <a:endCxn id="133" idx="3"/>
+          </p:cNvCxnSpPr>
+          <p:nvPr/>
+        </p:nvCxnSpPr>
+        <p:spPr>
+          <a:xfrm rot="10800000" flipV="1">
+            <a:off x="5874414" y="2318001"/>
+            <a:ext cx="714380" cy="180403"/>
+          </a:xfrm>
+          <a:prstGeom prst="line">
+            <a:avLst/>
+          </a:prstGeom>
+          <a:ln>
+            <a:headEnd type="none"/>
+          </a:ln>
+        </p:spPr>
+        <p:style>
+          <a:lnRef idx="2">
+            <a:schemeClr val="accent3"/>
+          </a:lnRef>
+          <a:fillRef idx="1">
+            <a:schemeClr val="lt1"/>
+          </a:fillRef>
+          <a:effectRef idx="0">
+            <a:schemeClr val="accent3"/>
+          </a:effectRef>
+          <a:fontRef idx="minor">
+            <a:schemeClr val="dk1"/>
+          </a:fontRef>
+        </p:style>
+      </p:cxnSp>
+      <p:cxnSp>
+        <p:nvCxnSpPr>
+          <p:cNvPr id="159" name="Gerade Verbindung 158"/>
+          <p:cNvCxnSpPr/>
+          <p:nvPr/>
+        </p:nvCxnSpPr>
+        <p:spPr>
+          <a:xfrm rot="10800000" flipV="1">
+            <a:off x="5798416" y="1887762"/>
+            <a:ext cx="500066" cy="97534"/>
+          </a:xfrm>
+          <a:prstGeom prst="line">
+            <a:avLst/>
+          </a:prstGeom>
+          <a:ln>
+            <a:headEnd type="none"/>
+          </a:ln>
+        </p:spPr>
+        <p:style>
+          <a:lnRef idx="2">
+            <a:schemeClr val="accent3"/>
+          </a:lnRef>
+          <a:fillRef idx="1">
+            <a:schemeClr val="lt1"/>
+          </a:fillRef>
+          <a:effectRef idx="0">
+            <a:schemeClr val="accent3"/>
+          </a:effectRef>
+          <a:fontRef idx="minor">
+            <a:schemeClr val="dk1"/>
+          </a:fontRef>
+        </p:style>
+      </p:cxnSp>
+      <p:cxnSp>
+        <p:nvCxnSpPr>
+          <p:cNvPr id="160" name="Gerade Verbindung 159"/>
+          <p:cNvCxnSpPr>
+            <a:stCxn id="176" idx="1"/>
+            <a:endCxn id="145" idx="3"/>
+          </p:cNvCxnSpPr>
+          <p:nvPr/>
+        </p:nvCxnSpPr>
+        <p:spPr>
+          <a:xfrm rot="10800000" flipV="1">
+            <a:off x="5945852" y="2750049"/>
+            <a:ext cx="642942" cy="180403"/>
+          </a:xfrm>
+          <a:prstGeom prst="line">
+            <a:avLst/>
+          </a:prstGeom>
+          <a:ln>
+            <a:headEnd type="none"/>
+          </a:ln>
+        </p:spPr>
+        <p:style>
+          <a:lnRef idx="2">
+            <a:schemeClr val="accent3"/>
+          </a:lnRef>
+          <a:fillRef idx="1">
+            <a:schemeClr val="lt1"/>
+          </a:fillRef>
+          <a:effectRef idx="0">
+            <a:schemeClr val="accent3"/>
+          </a:effectRef>
+          <a:fontRef idx="minor">
+            <a:schemeClr val="dk1"/>
+          </a:fontRef>
+        </p:style>
+      </p:cxnSp>
+      <p:sp>
+        <p:nvSpPr>
+          <p:cNvPr id="162" name="Textfeld 161"/>
+          <p:cNvSpPr txBox="1"/>
+          <p:nvPr/>
+        </p:nvSpPr>
+        <p:spPr>
+          <a:xfrm>
+            <a:off x="6592784" y="3020429"/>
+            <a:ext cx="1571636" cy="381781"/>
+          </a:xfrm>
+          <a:prstGeom prst="rect">
+            <a:avLst/>
+          </a:prstGeom>
+          <a:noFill/>
+        </p:spPr>
+        <p:txBody>
+          <a:bodyPr wrap="square" rtlCol="0">
+            <a:spAutoFit/>
+          </a:bodyPr>
+          <a:lstStyle/>
+          <a:p>
+            <a:pPr algn="r"/>
+            <a:r>
+              <a:rPr lang="de-DE" b="1" dirty="0" smtClean="0">
+                <a:solidFill>
+                  <a:schemeClr val="accent3"/>
+                </a:solidFill>
+              </a:rPr>
+              <a:t>SBML</a:t>
+            </a:r>
+            <a:endParaRPr lang="de-DE" b="1" dirty="0">
+              <a:solidFill>
+                <a:schemeClr val="accent3"/>
+              </a:solidFill>
+            </a:endParaRPr>
+          </a:p>
+        </p:txBody>
+      </p:sp>
+      <p:sp>
+        <p:nvSpPr>
+          <p:cNvPr id="164" name="Gleichschenkliges Dreieck 163"/>
+          <p:cNvSpPr/>
+          <p:nvPr/>
+        </p:nvSpPr>
+        <p:spPr>
+          <a:xfrm rot="22500000">
+            <a:off x="7677136" y="1496693"/>
+            <a:ext cx="108000" cy="108000"/>
+          </a:xfrm>
+          <a:prstGeom prst="triangle">
+            <a:avLst/>
+          </a:prstGeom>
+          <a:ln/>
+        </p:spPr>
+        <p:style>
+          <a:lnRef idx="2">
+            <a:schemeClr val="accent3"/>
+          </a:lnRef>
+          <a:fillRef idx="1">
+            <a:schemeClr val="lt1"/>
+          </a:fillRef>
+          <a:effectRef idx="0">
+            <a:schemeClr val="accent3"/>
+          </a:effectRef>
+          <a:fontRef idx="minor">
+            <a:schemeClr val="dk1"/>
+          </a:fontRef>
+        </p:style>
+        <p:txBody>
+          <a:bodyPr rtlCol="0" anchor="ctr"/>
+          <a:lstStyle/>
+          <a:p>
+            <a:pPr algn="ctr"/>
+            <a:endParaRPr lang="de-DE" b="1" dirty="0"/>
+          </a:p>
+        </p:txBody>
+      </p:sp>
+      <p:sp>
+        <p:nvSpPr>
+          <p:cNvPr id="169" name="Gleichschenkliges Dreieck 168"/>
+          <p:cNvSpPr/>
+          <p:nvPr/>
+        </p:nvSpPr>
+        <p:spPr>
+          <a:xfrm rot="5400000" flipH="1">
+            <a:off x="7375048" y="1320748"/>
+            <a:ext cx="108000" cy="108000"/>
+          </a:xfrm>
+          <a:prstGeom prst="triangle">
+            <a:avLst/>
+          </a:prstGeom>
+          <a:ln/>
+        </p:spPr>
+        <p:style>
+          <a:lnRef idx="2">
+            <a:schemeClr val="accent3"/>
+          </a:lnRef>
+          <a:fillRef idx="1">
+            <a:schemeClr val="lt1"/>
+          </a:fillRef>
+          <a:effectRef idx="0">
+            <a:schemeClr val="accent3"/>
+          </a:effectRef>
+          <a:fontRef idx="minor">
+            <a:schemeClr val="dk1"/>
+          </a:fontRef>
+        </p:style>
+        <p:txBody>
+          <a:bodyPr rtlCol="0" anchor="ctr"/>
+          <a:lstStyle/>
+          <a:p>
+            <a:pPr algn="ctr"/>
+            <a:endParaRPr lang="de-DE" b="1" dirty="0"/>
+          </a:p>
+        </p:txBody>
+      </p:sp>
+      <p:sp>
+        <p:nvSpPr>
+          <p:cNvPr id="170" name="Raute 169"/>
+          <p:cNvSpPr/>
+          <p:nvPr/>
+        </p:nvSpPr>
+        <p:spPr>
+          <a:xfrm>
+            <a:off x="5948372" y="1369786"/>
+            <a:ext cx="108000" cy="108000"/>
+          </a:xfrm>
+          <a:prstGeom prst="diamond">
+            <a:avLst/>
+          </a:prstGeom>
+          <a:noFill/>
+          <a:ln w="25400">
+            <a:solidFill>
+              <a:schemeClr val="accent3"/>
+            </a:solidFill>
+          </a:ln>
+        </p:spPr>
+        <p:style>
+          <a:lnRef idx="2">
+            <a:schemeClr val="accent1">
+              <a:shade val="50000"/>
+            </a:schemeClr>
+          </a:lnRef>
+          <a:fillRef idx="1">
+            <a:schemeClr val="accent1"/>
+          </a:fillRef>
+          <a:effectRef idx="0">
+            <a:schemeClr val="accent1"/>
+          </a:effectRef>
+          <a:fontRef idx="minor">
+            <a:schemeClr val="lt1"/>
+          </a:fontRef>
+        </p:style>
+        <p:txBody>
+          <a:bodyPr rtlCol="0" anchor="ctr"/>
+          <a:lstStyle/>
+          <a:p>
+            <a:pPr algn="ctr"/>
+            <a:endParaRPr lang="de-DE"/>
+          </a:p>
+        </p:txBody>
+      </p:sp>
+      <p:sp>
+        <p:nvSpPr>
+          <p:cNvPr id="172" name="Raute 171"/>
+          <p:cNvSpPr/>
+          <p:nvPr/>
+        </p:nvSpPr>
+        <p:spPr>
+          <a:xfrm>
+            <a:off x="6298482" y="1843385"/>
+            <a:ext cx="108000" cy="108000"/>
+          </a:xfrm>
+          <a:prstGeom prst="diamond">
+            <a:avLst/>
+          </a:prstGeom>
+          <a:noFill/>
+          <a:ln w="25400">
+            <a:solidFill>
+              <a:schemeClr val="accent3"/>
+            </a:solidFill>
+          </a:ln>
+        </p:spPr>
+        <p:style>
+          <a:lnRef idx="2">
+            <a:schemeClr val="accent1">
+              <a:shade val="50000"/>
+            </a:schemeClr>
+          </a:lnRef>
+          <a:fillRef idx="1">
+            <a:schemeClr val="accent1"/>
+          </a:fillRef>
+          <a:effectRef idx="0">
+            <a:schemeClr val="accent1"/>
+          </a:effectRef>
+          <a:fontRef idx="minor">
+            <a:schemeClr val="lt1"/>
+          </a:fontRef>
+        </p:style>
+        <p:txBody>
+          <a:bodyPr rtlCol="0" anchor="ctr"/>
+          <a:lstStyle/>
+          <a:p>
+            <a:pPr algn="ctr"/>
+            <a:endParaRPr lang="de-DE"/>
+          </a:p>
+        </p:txBody>
+      </p:sp>
+      <p:sp>
+        <p:nvSpPr>
+          <p:cNvPr id="175" name="Raute 174"/>
+          <p:cNvSpPr/>
+          <p:nvPr/>
+        </p:nvSpPr>
+        <p:spPr>
+          <a:xfrm>
+            <a:off x="6588794" y="2264002"/>
+            <a:ext cx="108000" cy="108000"/>
+          </a:xfrm>
+          <a:prstGeom prst="diamond">
+            <a:avLst/>
+          </a:prstGeom>
+          <a:noFill/>
+          <a:ln w="25400">
+            <a:solidFill>
+              <a:schemeClr val="accent3"/>
+            </a:solidFill>
+          </a:ln>
+        </p:spPr>
+        <p:style>
+          <a:lnRef idx="2">
+            <a:schemeClr val="accent1">
+              <a:shade val="50000"/>
+            </a:schemeClr>
+          </a:lnRef>
+          <a:fillRef idx="1">
+            <a:schemeClr val="accent1"/>
+          </a:fillRef>
+          <a:effectRef idx="0">
+            <a:schemeClr val="accent1"/>
+          </a:effectRef>
+          <a:fontRef idx="minor">
+            <a:schemeClr val="lt1"/>
+          </a:fontRef>
+        </p:style>
+        <p:txBody>
+          <a:bodyPr rtlCol="0" anchor="ctr"/>
+          <a:lstStyle/>
+          <a:p>
+            <a:pPr algn="ctr"/>
+            <a:endParaRPr lang="de-DE"/>
+          </a:p>
+        </p:txBody>
+      </p:sp>
+      <p:sp>
+        <p:nvSpPr>
+          <p:cNvPr id="176" name="Raute 175"/>
+          <p:cNvSpPr/>
+          <p:nvPr/>
+        </p:nvSpPr>
+        <p:spPr>
+          <a:xfrm>
+            <a:off x="6588794" y="2696050"/>
+            <a:ext cx="108000" cy="108000"/>
+          </a:xfrm>
+          <a:prstGeom prst="diamond">
+            <a:avLst/>
+          </a:prstGeom>
+          <a:noFill/>
+          <a:ln w="25400">
+            <a:solidFill>
+              <a:schemeClr val="accent3"/>
+            </a:solidFill>
+          </a:ln>
+        </p:spPr>
+        <p:style>
+          <a:lnRef idx="2">
+            <a:schemeClr val="accent1">
+              <a:shade val="50000"/>
+            </a:schemeClr>
+          </a:lnRef>
+          <a:fillRef idx="1">
+            <a:schemeClr val="accent1"/>
+          </a:fillRef>
+          <a:effectRef idx="0">
+            <a:schemeClr val="accent1"/>
+          </a:effectRef>
+          <a:fontRef idx="minor">
+            <a:schemeClr val="lt1"/>
+          </a:fontRef>
+        </p:style>
+        <p:txBody>
+          <a:bodyPr rtlCol="0" anchor="ctr"/>
+          <a:lstStyle/>
+          <a:p>
+            <a:pPr algn="ctr"/>
+            <a:endParaRPr lang="de-DE"/>
+          </a:p>
+        </p:txBody>
+      </p:sp>
+      <p:cxnSp>
+        <p:nvCxnSpPr>
+          <p:cNvPr id="184" name="Gerade Verbindung 183"/>
+          <p:cNvCxnSpPr>
+            <a:stCxn id="141" idx="3"/>
+            <a:endCxn id="139" idx="1"/>
+          </p:cNvCxnSpPr>
+          <p:nvPr/>
+        </p:nvCxnSpPr>
+        <p:spPr>
+          <a:xfrm>
+            <a:off x="1142976" y="607199"/>
+            <a:ext cx="3241002" cy="45218"/>
+          </a:xfrm>
+          <a:prstGeom prst="line">
+            <a:avLst/>
+          </a:prstGeom>
+          <a:ln w="12700"/>
+        </p:spPr>
+        <p:style>
+          <a:lnRef idx="1">
+            <a:schemeClr val="dk1"/>
+          </a:lnRef>
+          <a:fillRef idx="0">
+            <a:schemeClr val="dk1"/>
+          </a:fillRef>
+          <a:effectRef idx="0">
+            <a:schemeClr val="dk1"/>
+          </a:effectRef>
+          <a:fontRef idx="minor">
+            <a:schemeClr val="tx1"/>
+          </a:fontRef>
+        </p:style>
+      </p:cxnSp>
+      <p:cxnSp>
+        <p:nvCxnSpPr>
+          <p:cNvPr id="229" name="Gerade Verbindung 228"/>
+          <p:cNvCxnSpPr/>
+          <p:nvPr/>
+        </p:nvCxnSpPr>
+        <p:spPr>
+          <a:xfrm>
+            <a:off x="253800" y="2846666"/>
+            <a:ext cx="285752" cy="0"/>
+          </a:xfrm>
+          <a:prstGeom prst="line">
+            <a:avLst/>
+          </a:prstGeom>
+          <a:ln w="12700"/>
+        </p:spPr>
+        <p:style>
+          <a:lnRef idx="1">
+            <a:schemeClr val="dk1"/>
+          </a:lnRef>
+          <a:fillRef idx="0">
+            <a:schemeClr val="dk1"/>
+          </a:fillRef>
+          <a:effectRef idx="0">
+            <a:schemeClr val="dk1"/>
+          </a:effectRef>
+          <a:fontRef idx="minor">
+            <a:schemeClr val="tx1"/>
+          </a:fontRef>
+        </p:style>
+      </p:cxnSp>
+      <p:sp>
+        <p:nvSpPr>
+          <p:cNvPr id="232" name="Textfeld 231"/>
+          <p:cNvSpPr txBox="1"/>
+          <p:nvPr/>
+        </p:nvSpPr>
+        <p:spPr>
+          <a:xfrm>
+            <a:off x="539552" y="2703790"/>
+            <a:ext cx="982961" cy="230832"/>
+          </a:xfrm>
+          <a:prstGeom prst="rect">
+            <a:avLst/>
+          </a:prstGeom>
+          <a:noFill/>
+        </p:spPr>
+        <p:txBody>
+          <a:bodyPr wrap="square" rtlCol="0">
+            <a:spAutoFit/>
+          </a:bodyPr>
+          <a:lstStyle/>
+          <a:p>
+            <a:r>
+              <a:rPr lang="de-DE" sz="900" dirty="0" err="1" smtClean="0"/>
+              <a:t>Direct</a:t>
+            </a:r>
+            <a:r>
+              <a:rPr lang="de-DE" sz="900" dirty="0" smtClean="0"/>
+              <a:t> </a:t>
+            </a:r>
+            <a:r>
+              <a:rPr lang="de-DE" sz="900" dirty="0" err="1" smtClean="0"/>
+              <a:t>mapping</a:t>
+            </a:r>
+            <a:endParaRPr lang="de-DE" sz="900" dirty="0"/>
+          </a:p>
+        </p:txBody>
+      </p:sp>
+      <p:sp>
+        <p:nvSpPr>
+          <p:cNvPr id="235" name="Textfeld 234"/>
+          <p:cNvSpPr txBox="1"/>
+          <p:nvPr/>
+        </p:nvSpPr>
+        <p:spPr>
+          <a:xfrm>
+            <a:off x="539552" y="2418038"/>
+            <a:ext cx="720069" cy="230832"/>
+          </a:xfrm>
+          <a:prstGeom prst="rect">
+            <a:avLst/>
+          </a:prstGeom>
+          <a:noFill/>
+        </p:spPr>
+        <p:txBody>
+          <a:bodyPr wrap="none" rtlCol="0">
+            <a:spAutoFit/>
+          </a:bodyPr>
+          <a:lstStyle/>
+          <a:p>
+            <a:r>
+              <a:rPr lang="de-DE" sz="900" dirty="0" err="1" smtClean="0"/>
+              <a:t>Inheritance</a:t>
+            </a:r>
+            <a:endParaRPr lang="de-DE" sz="900" dirty="0"/>
+          </a:p>
+        </p:txBody>
+      </p:sp>
+      <p:sp>
+        <p:nvSpPr>
+          <p:cNvPr id="236" name="Abgerundetes Rechteck 235"/>
+          <p:cNvSpPr/>
+          <p:nvPr/>
+        </p:nvSpPr>
+        <p:spPr>
+          <a:xfrm>
+            <a:off x="253800" y="2307069"/>
+            <a:ext cx="285752" cy="110969"/>
+          </a:xfrm>
+          <a:prstGeom prst="roundRect">
+            <a:avLst/>
+          </a:prstGeom>
+          <a:solidFill>
+            <a:srgbClr val="F7FAFF"/>
+          </a:solidFill>
+          <a:ln>
+            <a:prstDash val="sysDash"/>
+          </a:ln>
+        </p:spPr>
+        <p:style>
+          <a:lnRef idx="2">
+            <a:schemeClr val="accent1"/>
+          </a:lnRef>
+          <a:fillRef idx="1">
+            <a:schemeClr val="lt1"/>
+          </a:fillRef>
+          <a:effectRef idx="0">
+            <a:schemeClr val="accent1"/>
+          </a:effectRef>
+          <a:fontRef idx="minor">
+            <a:schemeClr val="dk1"/>
+          </a:fontRef>
+        </p:style>
+        <p:txBody>
+          <a:bodyPr rtlCol="0" anchor="ctr"/>
+          <a:lstStyle/>
+          <a:p>
+            <a:pPr algn="ctr"/>
+            <a:endParaRPr lang="de-DE" sz="1200" dirty="0"/>
+          </a:p>
+        </p:txBody>
+      </p:sp>
+      <p:sp>
+        <p:nvSpPr>
+          <p:cNvPr id="238" name="Abgerundetes Rechteck 237"/>
+          <p:cNvSpPr/>
+          <p:nvPr/>
+        </p:nvSpPr>
+        <p:spPr>
+          <a:xfrm>
+            <a:off x="253800" y="2124662"/>
+            <a:ext cx="285752" cy="110969"/>
+          </a:xfrm>
+          <a:prstGeom prst="roundRect">
+            <a:avLst/>
+          </a:prstGeom>
+          <a:solidFill>
+            <a:srgbClr val="F7FAFF"/>
+          </a:solidFill>
+        </p:spPr>
+        <p:style>
+          <a:lnRef idx="2">
+            <a:schemeClr val="accent1"/>
+          </a:lnRef>
+          <a:fillRef idx="1">
+            <a:schemeClr val="lt1"/>
+          </a:fillRef>
+          <a:effectRef idx="0">
+            <a:schemeClr val="accent1"/>
+          </a:effectRef>
+          <a:fontRef idx="minor">
+            <a:schemeClr val="dk1"/>
+          </a:fontRef>
+        </p:style>
+        <p:txBody>
+          <a:bodyPr rtlCol="0" anchor="ctr"/>
+          <a:lstStyle/>
+          <a:p>
+            <a:pPr algn="ctr"/>
+            <a:endParaRPr lang="de-DE" sz="1200" dirty="0"/>
+          </a:p>
+        </p:txBody>
+      </p:sp>
+      <p:sp>
+        <p:nvSpPr>
+          <p:cNvPr id="239" name="Textfeld 238"/>
+          <p:cNvSpPr txBox="1"/>
+          <p:nvPr/>
+        </p:nvSpPr>
+        <p:spPr>
+          <a:xfrm>
+            <a:off x="539552" y="2243255"/>
+            <a:ext cx="1095172" cy="230832"/>
+          </a:xfrm>
+          <a:prstGeom prst="rect">
+            <a:avLst/>
+          </a:prstGeom>
+          <a:noFill/>
+        </p:spPr>
+        <p:txBody>
+          <a:bodyPr wrap="none" rtlCol="0">
+            <a:spAutoFit/>
+          </a:bodyPr>
+          <a:lstStyle/>
+          <a:p>
+            <a:r>
+              <a:rPr lang="de-DE" sz="900" dirty="0" smtClean="0"/>
+              <a:t>SBML </a:t>
+            </a:r>
+            <a:r>
+              <a:rPr lang="de-DE" sz="900" dirty="0" err="1" smtClean="0"/>
+              <a:t>qual</a:t>
+            </a:r>
+            <a:r>
+              <a:rPr lang="de-DE" sz="900" dirty="0" smtClean="0"/>
+              <a:t> </a:t>
+            </a:r>
+            <a:r>
+              <a:rPr lang="de-DE" sz="900" dirty="0" err="1" smtClean="0"/>
+              <a:t>element</a:t>
+            </a:r>
+            <a:endParaRPr lang="de-DE" sz="900" dirty="0"/>
+          </a:p>
+        </p:txBody>
+      </p:sp>
+      <p:sp>
+        <p:nvSpPr>
+          <p:cNvPr id="240" name="Textfeld 239"/>
+          <p:cNvSpPr txBox="1"/>
+          <p:nvPr/>
+        </p:nvSpPr>
+        <p:spPr>
+          <a:xfrm>
+            <a:off x="539552" y="2060848"/>
+            <a:ext cx="1098378" cy="230832"/>
+          </a:xfrm>
+          <a:prstGeom prst="rect">
+            <a:avLst/>
+          </a:prstGeom>
+          <a:noFill/>
+        </p:spPr>
+        <p:txBody>
+          <a:bodyPr wrap="none" rtlCol="0">
+            <a:spAutoFit/>
+          </a:bodyPr>
+          <a:lstStyle/>
+          <a:p>
+            <a:r>
+              <a:rPr lang="de-DE" sz="900" dirty="0" smtClean="0"/>
+              <a:t>SBML </a:t>
+            </a:r>
+            <a:r>
+              <a:rPr lang="de-DE" sz="900" dirty="0" err="1" smtClean="0"/>
+              <a:t>core</a:t>
+            </a:r>
+            <a:r>
+              <a:rPr lang="de-DE" sz="900" dirty="0" smtClean="0"/>
+              <a:t> </a:t>
+            </a:r>
+            <a:r>
+              <a:rPr lang="de-DE" sz="900" dirty="0" err="1" smtClean="0"/>
+              <a:t>element</a:t>
+            </a:r>
+            <a:endParaRPr lang="de-DE" sz="900" dirty="0"/>
+          </a:p>
+        </p:txBody>
+      </p:sp>
+      <p:grpSp>
+        <p:nvGrpSpPr>
+          <p:cNvPr id="241" name="Gruppieren 240"/>
+          <p:cNvGrpSpPr/>
+          <p:nvPr/>
+        </p:nvGrpSpPr>
+        <p:grpSpPr>
+          <a:xfrm>
+            <a:off x="249272" y="2511837"/>
+            <a:ext cx="290280" cy="71438"/>
+            <a:chOff x="209754" y="1071546"/>
+            <a:chExt cx="290280" cy="71438"/>
+          </a:xfrm>
+        </p:grpSpPr>
+        <p:sp>
+          <p:nvSpPr>
+            <p:cNvPr id="242" name="Gleichschenkliges Dreieck 241"/>
+            <p:cNvSpPr/>
+            <p:nvPr/>
+          </p:nvSpPr>
+          <p:spPr>
+            <a:xfrm rot="16200000">
+              <a:off x="209754" y="1071546"/>
+              <a:ext cx="71438" cy="71438"/>
+            </a:xfrm>
+            <a:prstGeom prst="triangle">
+              <a:avLst/>
+            </a:prstGeom>
+            <a:noFill/>
+            <a:ln w="12700"/>
+          </p:spPr>
+          <p:style>
+            <a:lnRef idx="2">
+              <a:schemeClr val="accent1">
+                <a:shade val="50000"/>
+              </a:schemeClr>
+            </a:lnRef>
+            <a:fillRef idx="1">
+              <a:schemeClr val="accent1"/>
+            </a:fillRef>
+            <a:effectRef idx="0">
+              <a:schemeClr val="accent1"/>
+            </a:effectRef>
+            <a:fontRef idx="minor">
+              <a:schemeClr val="lt1"/>
+            </a:fontRef>
+          </p:style>
+          <p:txBody>
+            <a:bodyPr rtlCol="0" anchor="ctr"/>
+            <a:lstStyle/>
+            <a:p>
+              <a:pPr algn="ctr"/>
+              <a:endParaRPr lang="de-DE"/>
+            </a:p>
+          </p:txBody>
+        </p:sp>
+        <p:cxnSp>
+          <p:nvCxnSpPr>
+            <p:cNvPr id="243" name="Gerade Verbindung 242"/>
+            <p:cNvCxnSpPr/>
+            <p:nvPr/>
+          </p:nvCxnSpPr>
+          <p:spPr>
+            <a:xfrm>
+              <a:off x="284034" y="1108800"/>
+              <a:ext cx="216000" cy="0"/>
+            </a:xfrm>
+            <a:prstGeom prst="line">
+              <a:avLst/>
+            </a:prstGeom>
+            <a:ln w="12700"/>
+          </p:spPr>
+          <p:style>
+            <a:lnRef idx="1">
+              <a:schemeClr val="accent1"/>
+            </a:lnRef>
+            <a:fillRef idx="0">
+              <a:schemeClr val="accent1"/>
+            </a:fillRef>
+            <a:effectRef idx="0">
+              <a:schemeClr val="accent1"/>
+            </a:effectRef>
+            <a:fontRef idx="minor">
+              <a:schemeClr val="tx1"/>
+            </a:fontRef>
+          </p:style>
+        </p:cxnSp>
+      </p:grpSp>
+      <p:cxnSp>
+        <p:nvCxnSpPr>
+          <p:cNvPr id="244" name="Gerade Verbindung 243"/>
+          <p:cNvCxnSpPr/>
+          <p:nvPr/>
+        </p:nvCxnSpPr>
+        <p:spPr>
+          <a:xfrm>
+            <a:off x="351638" y="2711037"/>
+            <a:ext cx="198000" cy="0"/>
+          </a:xfrm>
+          <a:prstGeom prst="line">
+            <a:avLst/>
+          </a:prstGeom>
+          <a:ln w="12700"/>
+        </p:spPr>
+        <p:style>
+          <a:lnRef idx="1">
+            <a:schemeClr val="accent1"/>
+          </a:lnRef>
+          <a:fillRef idx="0">
+            <a:schemeClr val="accent1"/>
+          </a:fillRef>
+          <a:effectRef idx="0">
+            <a:schemeClr val="accent1"/>
+          </a:effectRef>
+          <a:fontRef idx="minor">
+            <a:schemeClr val="tx1"/>
+          </a:fontRef>
+        </p:style>
+      </p:cxnSp>
+      <p:sp>
+        <p:nvSpPr>
+          <p:cNvPr id="247" name="Raute 246"/>
+          <p:cNvSpPr/>
+          <p:nvPr/>
+        </p:nvSpPr>
+        <p:spPr>
+          <a:xfrm>
+            <a:off x="253800" y="2664259"/>
+            <a:ext cx="90000" cy="90000"/>
+          </a:xfrm>
+          <a:prstGeom prst="diamond">
+            <a:avLst/>
+          </a:prstGeom>
+          <a:noFill/>
+          <a:ln w="12700"/>
+        </p:spPr>
+        <p:style>
+          <a:lnRef idx="2">
+            <a:schemeClr val="accent1">
+              <a:shade val="50000"/>
+            </a:schemeClr>
+          </a:lnRef>
+          <a:fillRef idx="1">
+            <a:schemeClr val="accent1"/>
+          </a:fillRef>
+          <a:effectRef idx="0">
+            <a:schemeClr val="accent1"/>
+          </a:effectRef>
+          <a:fontRef idx="minor">
+            <a:schemeClr val="lt1"/>
+          </a:fontRef>
+        </p:style>
+        <p:txBody>
+          <a:bodyPr rtlCol="0" anchor="ctr"/>
+          <a:lstStyle/>
+          <a:p>
+            <a:pPr algn="ctr"/>
+            <a:endParaRPr lang="de-DE"/>
+          </a:p>
+        </p:txBody>
+      </p:sp>
+      <p:sp>
+        <p:nvSpPr>
+          <p:cNvPr id="248" name="Textfeld 247"/>
+          <p:cNvSpPr txBox="1"/>
+          <p:nvPr/>
+        </p:nvSpPr>
+        <p:spPr>
+          <a:xfrm>
+            <a:off x="533863" y="2570438"/>
+            <a:ext cx="798617" cy="230832"/>
+          </a:xfrm>
+          <a:prstGeom prst="rect">
+            <a:avLst/>
+          </a:prstGeom>
+          <a:noFill/>
+        </p:spPr>
+        <p:txBody>
+          <a:bodyPr wrap="none" rtlCol="0">
+            <a:spAutoFit/>
+          </a:bodyPr>
+          <a:lstStyle/>
+          <a:p>
+            <a:r>
+              <a:rPr lang="de-DE" sz="900" dirty="0" smtClean="0"/>
+              <a:t>Containment</a:t>
+            </a:r>
+            <a:endParaRPr lang="de-DE" sz="900" dirty="0"/>
+          </a:p>
+        </p:txBody>
+      </p:sp>
     </p:spTree>
   </p:cSld>
   <p:clrMapOvr>
@@ -13758,4 +14407,287 @@
   <a:objectDefaults/>
   <a:extraClrSchemeLst/>
 </a:theme>
+</file>
+
+<file path=ppt/theme/theme2.xml><?xml version="1.0" encoding="utf-8"?>
+<a:theme xmlns:a="http://schemas.openxmlformats.org/drawingml/2006/main" name="Larissa-Design">
+  <a:themeElements>
+    <a:clrScheme name="Larissa">
+      <a:dk1>
+        <a:sysClr val="windowText" lastClr="000000"/>
+      </a:dk1>
+      <a:lt1>
+        <a:sysClr val="window" lastClr="FFFFFF"/>
+      </a:lt1>
+      <a:dk2>
+        <a:srgbClr val="1F497D"/>
+      </a:dk2>
+      <a:lt2>
+        <a:srgbClr val="EEECE1"/>
+      </a:lt2>
+      <a:accent1>
+        <a:srgbClr val="4F81BD"/>
+      </a:accent1>
+      <a:accent2>
+        <a:srgbClr val="C0504D"/>
+      </a:accent2>
+      <a:accent3>
+        <a:srgbClr val="9BBB59"/>
+      </a:accent3>
+      <a:accent4>
+        <a:srgbClr val="8064A2"/>
+      </a:accent4>
+      <a:accent5>
+        <a:srgbClr val="4BACC6"/>
+      </a:accent5>
+      <a:accent6>
+        <a:srgbClr val="F79646"/>
+      </a:accent6>
+      <a:hlink>
+        <a:srgbClr val="0000FF"/>
+      </a:hlink>
+      <a:folHlink>
+        <a:srgbClr val="800080"/>
+      </a:folHlink>
+    </a:clrScheme>
+    <a:fontScheme name="Larissa">
+      <a:majorFont>
+        <a:latin typeface="Calibri"/>
+        <a:ea typeface=""/>
+        <a:cs typeface=""/>
+        <a:font script="Jpan" typeface="ＭＳ Ｐゴシック"/>
+        <a:font script="Hang" typeface="맑은 고딕"/>
+        <a:font script="Hans" typeface="宋体"/>
+        <a:font script="Hant" typeface="新細明體"/>
+        <a:font script="Arab" typeface="Times New Roman"/>
+        <a:font script="Hebr" typeface="Times New Roman"/>
+        <a:font script="Thai" typeface="Angsana New"/>
+        <a:font script="Ethi" typeface="Nyala"/>
+        <a:font script="Beng" typeface="Vrinda"/>
+        <a:font script="Gujr" typeface="Shruti"/>
+        <a:font script="Khmr" typeface="MoolBoran"/>
+        <a:font script="Knda" typeface="Tunga"/>
+        <a:font script="Guru" typeface="Raavi"/>
+        <a:font script="Cans" typeface="Euphemia"/>
+        <a:font script="Cher" typeface="Plantagenet Cherokee"/>
+        <a:font script="Yiii" typeface="Microsoft Yi Baiti"/>
+        <a:font script="Tibt" typeface="Microsoft Himalaya"/>
+        <a:font script="Thaa" typeface="MV Boli"/>
+        <a:font script="Deva" typeface="Mangal"/>
+        <a:font script="Telu" typeface="Gautami"/>
+        <a:font script="Taml" typeface="Latha"/>
+        <a:font script="Syrc" typeface="Estrangelo Edessa"/>
+        <a:font script="Orya" typeface="Kalinga"/>
+        <a:font script="Mlym" typeface="Kartika"/>
+        <a:font script="Laoo" typeface="DokChampa"/>
+        <a:font script="Sinh" typeface="Iskoola Pota"/>
+        <a:font script="Mong" typeface="Mongolian Baiti"/>
+        <a:font script="Viet" typeface="Times New Roman"/>
+        <a:font script="Uigh" typeface="Microsoft Uighur"/>
+      </a:majorFont>
+      <a:minorFont>
+        <a:latin typeface="Calibri"/>
+        <a:ea typeface=""/>
+        <a:cs typeface=""/>
+        <a:font script="Jpan" typeface="ＭＳ Ｐゴシック"/>
+        <a:font script="Hang" typeface="맑은 고딕"/>
+        <a:font script="Hans" typeface="宋体"/>
+        <a:font script="Hant" typeface="新細明體"/>
+        <a:font script="Arab" typeface="Arial"/>
+        <a:font script="Hebr" typeface="Arial"/>
+        <a:font script="Thai" typeface="Cordia New"/>
+        <a:font script="Ethi" typeface="Nyala"/>
+        <a:font script="Beng" typeface="Vrinda"/>
+        <a:font script="Gujr" typeface="Shruti"/>
+        <a:font script="Khmr" typeface="DaunPenh"/>
+        <a:font script="Knda" typeface="Tunga"/>
+        <a:font script="Guru" typeface="Raavi"/>
+        <a:font script="Cans" typeface="Euphemia"/>
+        <a:font script="Cher" typeface="Plantagenet Cherokee"/>
+        <a:font script="Yiii" typeface="Microsoft Yi Baiti"/>
+        <a:font script="Tibt" typeface="Microsoft Himalaya"/>
+        <a:font script="Thaa" typeface="MV Boli"/>
+        <a:font script="Deva" typeface="Mangal"/>
+        <a:font script="Telu" typeface="Gautami"/>
+        <a:font script="Taml" typeface="Latha"/>
+        <a:font script="Syrc" typeface="Estrangelo Edessa"/>
+        <a:font script="Orya" typeface="Kalinga"/>
+        <a:font script="Mlym" typeface="Kartika"/>
+        <a:font script="Laoo" typeface="DokChampa"/>
+        <a:font script="Sinh" typeface="Iskoola Pota"/>
+        <a:font script="Mong" typeface="Mongolian Baiti"/>
+        <a:font script="Viet" typeface="Arial"/>
+        <a:font script="Uigh" typeface="Microsoft Uighur"/>
+      </a:minorFont>
+    </a:fontScheme>
+    <a:fmtScheme name="Larissa">
+      <a:fillStyleLst>
+        <a:solidFill>
+          <a:schemeClr val="phClr"/>
+        </a:solidFill>
+        <a:gradFill rotWithShape="1">
+          <a:gsLst>
+            <a:gs pos="0">
+              <a:schemeClr val="phClr">
+                <a:tint val="50000"/>
+                <a:satMod val="300000"/>
+              </a:schemeClr>
+            </a:gs>
+            <a:gs pos="35000">
+              <a:schemeClr val="phClr">
+                <a:tint val="37000"/>
+                <a:satMod val="300000"/>
+              </a:schemeClr>
+            </a:gs>
+            <a:gs pos="100000">
+              <a:schemeClr val="phClr">
+                <a:tint val="15000"/>
+                <a:satMod val="350000"/>
+              </a:schemeClr>
+            </a:gs>
+          </a:gsLst>
+          <a:lin ang="16200000" scaled="1"/>
+        </a:gradFill>
+        <a:gradFill rotWithShape="1">
+          <a:gsLst>
+            <a:gs pos="0">
+              <a:schemeClr val="phClr">
+                <a:shade val="51000"/>
+                <a:satMod val="130000"/>
+              </a:schemeClr>
+            </a:gs>
+            <a:gs pos="80000">
+              <a:schemeClr val="phClr">
+                <a:shade val="93000"/>
+                <a:satMod val="130000"/>
+              </a:schemeClr>
+            </a:gs>
+            <a:gs pos="100000">
+              <a:schemeClr val="phClr">
+                <a:shade val="94000"/>
+                <a:satMod val="135000"/>
+              </a:schemeClr>
+            </a:gs>
+          </a:gsLst>
+          <a:lin ang="16200000" scaled="0"/>
+        </a:gradFill>
+      </a:fillStyleLst>
+      <a:lnStyleLst>
+        <a:ln w="9525" cap="flat" cmpd="sng" algn="ctr">
+          <a:solidFill>
+            <a:schemeClr val="phClr">
+              <a:shade val="95000"/>
+              <a:satMod val="105000"/>
+            </a:schemeClr>
+          </a:solidFill>
+          <a:prstDash val="solid"/>
+        </a:ln>
+        <a:ln w="25400" cap="flat" cmpd="sng" algn="ctr">
+          <a:solidFill>
+            <a:schemeClr val="phClr"/>
+          </a:solidFill>
+          <a:prstDash val="solid"/>
+        </a:ln>
+        <a:ln w="38100" cap="flat" cmpd="sng" algn="ctr">
+          <a:solidFill>
+            <a:schemeClr val="phClr"/>
+          </a:solidFill>
+          <a:prstDash val="solid"/>
+        </a:ln>
+      </a:lnStyleLst>
+      <a:effectStyleLst>
+        <a:effectStyle>
+          <a:effectLst>
+            <a:outerShdw blurRad="40000" dist="20000" dir="5400000" rotWithShape="0">
+              <a:srgbClr val="000000">
+                <a:alpha val="38000"/>
+              </a:srgbClr>
+            </a:outerShdw>
+          </a:effectLst>
+        </a:effectStyle>
+        <a:effectStyle>
+          <a:effectLst>
+            <a:outerShdw blurRad="40000" dist="23000" dir="5400000" rotWithShape="0">
+              <a:srgbClr val="000000">
+                <a:alpha val="35000"/>
+              </a:srgbClr>
+            </a:outerShdw>
+          </a:effectLst>
+        </a:effectStyle>
+        <a:effectStyle>
+          <a:effectLst>
+            <a:outerShdw blurRad="40000" dist="23000" dir="5400000" rotWithShape="0">
+              <a:srgbClr val="000000">
+                <a:alpha val="35000"/>
+              </a:srgbClr>
+            </a:outerShdw>
+          </a:effectLst>
+          <a:scene3d>
+            <a:camera prst="orthographicFront">
+              <a:rot lat="0" lon="0" rev="0"/>
+            </a:camera>
+            <a:lightRig rig="threePt" dir="t">
+              <a:rot lat="0" lon="0" rev="1200000"/>
+            </a:lightRig>
+          </a:scene3d>
+          <a:sp3d>
+            <a:bevelT w="63500" h="25400"/>
+          </a:sp3d>
+        </a:effectStyle>
+      </a:effectStyleLst>
+      <a:bgFillStyleLst>
+        <a:solidFill>
+          <a:schemeClr val="phClr"/>
+        </a:solidFill>
+        <a:gradFill rotWithShape="1">
+          <a:gsLst>
+            <a:gs pos="0">
+              <a:schemeClr val="phClr">
+                <a:tint val="40000"/>
+                <a:satMod val="350000"/>
+              </a:schemeClr>
+            </a:gs>
+            <a:gs pos="40000">
+              <a:schemeClr val="phClr">
+                <a:tint val="45000"/>
+                <a:shade val="99000"/>
+                <a:satMod val="350000"/>
+              </a:schemeClr>
+            </a:gs>
+            <a:gs pos="100000">
+              <a:schemeClr val="phClr">
+                <a:shade val="20000"/>
+                <a:satMod val="255000"/>
+              </a:schemeClr>
+            </a:gs>
+          </a:gsLst>
+          <a:path path="circle">
+            <a:fillToRect l="50000" t="-80000" r="50000" b="180000"/>
+          </a:path>
+        </a:gradFill>
+        <a:gradFill rotWithShape="1">
+          <a:gsLst>
+            <a:gs pos="0">
+              <a:schemeClr val="phClr">
+                <a:tint val="80000"/>
+                <a:satMod val="300000"/>
+              </a:schemeClr>
+            </a:gs>
+            <a:gs pos="100000">
+              <a:schemeClr val="phClr">
+                <a:shade val="30000"/>
+                <a:satMod val="200000"/>
+              </a:schemeClr>
+            </a:gs>
+          </a:gsLst>
+          <a:path path="circle">
+            <a:fillToRect l="50000" t="50000" r="50000" b="50000"/>
+          </a:path>
+        </a:gradFill>
+      </a:bgFillStyleLst>
+    </a:fmtScheme>
+  </a:themeElements>
+  <a:objectDefaults/>
+  <a:extraClrSchemeLst/>
+</a:theme>
 </file>
--- a/doc/publications/2012-04_CMSB2012/figures/Conversion.pptx
+++ b/doc/publications/2012-04_CMSB2012/figures/Conversion.pptx
@@ -195,7 +195,7 @@
             <a:fld id="{AEBA95E1-29A5-4C92-A114-356173FFE1B7}" type="datetimeFigureOut">
               <a:rPr lang="en-US" smtClean="0"/>
               <a:pPr/>
-              <a:t>4/18/2012</a:t>
+              <a:t>4/19/2012</a:t>
             </a:fld>
             <a:endParaRPr lang="en-US"/>
           </a:p>
@@ -830,7 +830,7 @@
             <a:fld id="{7FFB8D8C-A3C7-4ABD-A7A4-8E27FCE4E604}" type="datetimeFigureOut">
               <a:rPr lang="de-DE" smtClean="0"/>
               <a:pPr/>
-              <a:t>18.04.2012</a:t>
+              <a:t>19.04.2012</a:t>
             </a:fld>
             <a:endParaRPr lang="de-DE"/>
           </a:p>
@@ -997,7 +997,7 @@
             <a:fld id="{7FFB8D8C-A3C7-4ABD-A7A4-8E27FCE4E604}" type="datetimeFigureOut">
               <a:rPr lang="de-DE" smtClean="0"/>
               <a:pPr/>
-              <a:t>18.04.2012</a:t>
+              <a:t>19.04.2012</a:t>
             </a:fld>
             <a:endParaRPr lang="de-DE"/>
           </a:p>
@@ -1174,7 +1174,7 @@
             <a:fld id="{7FFB8D8C-A3C7-4ABD-A7A4-8E27FCE4E604}" type="datetimeFigureOut">
               <a:rPr lang="de-DE" smtClean="0"/>
               <a:pPr/>
-              <a:t>18.04.2012</a:t>
+              <a:t>19.04.2012</a:t>
             </a:fld>
             <a:endParaRPr lang="de-DE"/>
           </a:p>
@@ -1341,7 +1341,7 @@
             <a:fld id="{7FFB8D8C-A3C7-4ABD-A7A4-8E27FCE4E604}" type="datetimeFigureOut">
               <a:rPr lang="de-DE" smtClean="0"/>
               <a:pPr/>
-              <a:t>18.04.2012</a:t>
+              <a:t>19.04.2012</a:t>
             </a:fld>
             <a:endParaRPr lang="de-DE"/>
           </a:p>
@@ -1584,7 +1584,7 @@
             <a:fld id="{7FFB8D8C-A3C7-4ABD-A7A4-8E27FCE4E604}" type="datetimeFigureOut">
               <a:rPr lang="de-DE" smtClean="0"/>
               <a:pPr/>
-              <a:t>18.04.2012</a:t>
+              <a:t>19.04.2012</a:t>
             </a:fld>
             <a:endParaRPr lang="de-DE"/>
           </a:p>
@@ -1869,7 +1869,7 @@
             <a:fld id="{7FFB8D8C-A3C7-4ABD-A7A4-8E27FCE4E604}" type="datetimeFigureOut">
               <a:rPr lang="de-DE" smtClean="0"/>
               <a:pPr/>
-              <a:t>18.04.2012</a:t>
+              <a:t>19.04.2012</a:t>
             </a:fld>
             <a:endParaRPr lang="de-DE"/>
           </a:p>
@@ -2288,7 +2288,7 @@
             <a:fld id="{7FFB8D8C-A3C7-4ABD-A7A4-8E27FCE4E604}" type="datetimeFigureOut">
               <a:rPr lang="de-DE" smtClean="0"/>
               <a:pPr/>
-              <a:t>18.04.2012</a:t>
+              <a:t>19.04.2012</a:t>
             </a:fld>
             <a:endParaRPr lang="de-DE"/>
           </a:p>
@@ -2403,7 +2403,7 @@
             <a:fld id="{7FFB8D8C-A3C7-4ABD-A7A4-8E27FCE4E604}" type="datetimeFigureOut">
               <a:rPr lang="de-DE" smtClean="0"/>
               <a:pPr/>
-              <a:t>18.04.2012</a:t>
+              <a:t>19.04.2012</a:t>
             </a:fld>
             <a:endParaRPr lang="de-DE"/>
           </a:p>
@@ -2495,7 +2495,7 @@
             <a:fld id="{7FFB8D8C-A3C7-4ABD-A7A4-8E27FCE4E604}" type="datetimeFigureOut">
               <a:rPr lang="de-DE" smtClean="0"/>
               <a:pPr/>
-              <a:t>18.04.2012</a:t>
+              <a:t>19.04.2012</a:t>
             </a:fld>
             <a:endParaRPr lang="de-DE"/>
           </a:p>
@@ -2769,7 +2769,7 @@
             <a:fld id="{7FFB8D8C-A3C7-4ABD-A7A4-8E27FCE4E604}" type="datetimeFigureOut">
               <a:rPr lang="de-DE" smtClean="0"/>
               <a:pPr/>
-              <a:t>18.04.2012</a:t>
+              <a:t>19.04.2012</a:t>
             </a:fld>
             <a:endParaRPr lang="de-DE"/>
           </a:p>
@@ -3019,7 +3019,7 @@
             <a:fld id="{7FFB8D8C-A3C7-4ABD-A7A4-8E27FCE4E604}" type="datetimeFigureOut">
               <a:rPr lang="de-DE" smtClean="0"/>
               <a:pPr/>
-              <a:t>18.04.2012</a:t>
+              <a:t>19.04.2012</a:t>
             </a:fld>
             <a:endParaRPr lang="de-DE"/>
           </a:p>
@@ -3229,7 +3229,7 @@
             <a:fld id="{7FFB8D8C-A3C7-4ABD-A7A4-8E27FCE4E604}" type="datetimeFigureOut">
               <a:rPr lang="de-DE" smtClean="0"/>
               <a:pPr/>
-              <a:t>18.04.2012</a:t>
+              <a:t>19.04.2012</a:t>
             </a:fld>
             <a:endParaRPr lang="de-DE"/>
           </a:p>
@@ -9149,7 +9149,7 @@
         </p:nvSpPr>
         <p:spPr>
           <a:xfrm>
-            <a:off x="3933618" y="142852"/>
+            <a:off x="3934800" y="142852"/>
             <a:ext cx="1571636" cy="214314"/>
           </a:xfrm>
           <a:prstGeom prst="roundRect">
@@ -9243,7 +9243,7 @@
         </p:nvSpPr>
         <p:spPr>
           <a:xfrm>
-            <a:off x="3933618" y="500042"/>
+            <a:off x="3934800" y="500042"/>
             <a:ext cx="1571636" cy="214314"/>
           </a:xfrm>
           <a:prstGeom prst="roundRect">
@@ -9288,7 +9288,7 @@
         </p:nvSpPr>
         <p:spPr>
           <a:xfrm>
-            <a:off x="3933618" y="785794"/>
+            <a:off x="3934800" y="785794"/>
             <a:ext cx="1571636" cy="214314"/>
           </a:xfrm>
           <a:prstGeom prst="roundRect">
@@ -9333,8 +9333,8 @@
         </p:nvSpPr>
         <p:spPr>
           <a:xfrm>
-            <a:off x="4005658" y="2643182"/>
-            <a:ext cx="1571034" cy="214314"/>
+            <a:off x="3934800" y="2643182"/>
+            <a:ext cx="1573200" cy="214314"/>
           </a:xfrm>
           <a:prstGeom prst="roundRect">
             <a:avLst/>
@@ -9471,7 +9471,7 @@
         </p:nvSpPr>
         <p:spPr>
           <a:xfrm>
-            <a:off x="3931338" y="1761378"/>
+            <a:off x="3934800" y="1761378"/>
             <a:ext cx="2000264" cy="214314"/>
           </a:xfrm>
           <a:prstGeom prst="roundRect">
@@ -9516,7 +9516,7 @@
         </p:nvSpPr>
         <p:spPr>
           <a:xfrm>
-            <a:off x="3929058" y="1475626"/>
+            <a:off x="3934800" y="1475626"/>
             <a:ext cx="2000264" cy="214314"/>
           </a:xfrm>
           <a:prstGeom prst="roundRect">
@@ -9601,7 +9601,7 @@
         </p:nvSpPr>
         <p:spPr>
           <a:xfrm>
-            <a:off x="4005056" y="2928934"/>
+            <a:off x="3934800" y="2928934"/>
             <a:ext cx="1573346" cy="214314"/>
           </a:xfrm>
           <a:prstGeom prst="roundRect">
@@ -9611,7 +9611,7 @@
             <a:srgbClr val="F7FAFF"/>
           </a:solidFill>
           <a:ln>
-            <a:prstDash val="sysDash"/>
+            <a:prstDash val="sysDot"/>
           </a:ln>
         </p:spPr>
         <p:style>
@@ -9684,7 +9684,7 @@
         </p:nvSpPr>
         <p:spPr>
           <a:xfrm>
-            <a:off x="3931338" y="1071546"/>
+            <a:off x="3934800" y="1071546"/>
             <a:ext cx="1571636" cy="214314"/>
           </a:xfrm>
           <a:prstGeom prst="roundRect">
@@ -9806,7 +9806,7 @@
             <a:avLst/>
           </a:prstGeom>
           <a:ln w="12700">
-            <a:prstDash val="dash"/>
+            <a:prstDash val="sysDot"/>
           </a:ln>
         </p:spPr>
         <p:style>
@@ -10490,8 +10490,8 @@
         </p:nvCxnSpPr>
         <p:spPr>
           <a:xfrm>
-            <a:off x="5505254" y="250009"/>
-            <a:ext cx="2281456" cy="1069191"/>
+            <a:off x="5506436" y="250009"/>
+            <a:ext cx="2280274" cy="1069191"/>
           </a:xfrm>
           <a:prstGeom prst="line">
             <a:avLst/>
@@ -10526,8 +10526,8 @@
         </p:nvCxnSpPr>
         <p:spPr>
           <a:xfrm>
-            <a:off x="5505254" y="607199"/>
-            <a:ext cx="363789" cy="572605"/>
+            <a:off x="5506436" y="607199"/>
+            <a:ext cx="362607" cy="572605"/>
           </a:xfrm>
           <a:prstGeom prst="line">
             <a:avLst/>
@@ -10604,8 +10604,8 @@
         </p:nvCxnSpPr>
         <p:spPr>
           <a:xfrm>
-            <a:off x="5505254" y="892951"/>
-            <a:ext cx="363789" cy="286853"/>
+            <a:off x="5506436" y="892951"/>
+            <a:ext cx="362607" cy="286853"/>
           </a:xfrm>
           <a:prstGeom prst="line">
             <a:avLst/>
@@ -10640,8 +10640,8 @@
         </p:nvCxnSpPr>
         <p:spPr>
           <a:xfrm>
-            <a:off x="5502974" y="1178703"/>
-            <a:ext cx="366069" cy="1101"/>
+            <a:off x="5506436" y="1178703"/>
+            <a:ext cx="362607" cy="1101"/>
           </a:xfrm>
           <a:prstGeom prst="line">
             <a:avLst/>
@@ -10717,9 +10717,9 @@
           <p:nvPr/>
         </p:nvCxnSpPr>
         <p:spPr>
-          <a:xfrm rot="16200000" flipH="1">
-            <a:off x="4991107" y="1916054"/>
-            <a:ext cx="134831" cy="254105"/>
+          <a:xfrm>
+            <a:off x="4934932" y="1975692"/>
+            <a:ext cx="250643" cy="134831"/>
           </a:xfrm>
           <a:prstGeom prst="line">
             <a:avLst/>
@@ -11018,7 +11018,7 @@
         <p:spPr>
           <a:xfrm>
             <a:off x="1857356" y="250009"/>
-            <a:ext cx="2076262" cy="0"/>
+            <a:ext cx="2077444" cy="0"/>
           </a:xfrm>
           <a:prstGeom prst="line">
             <a:avLst/>
@@ -11052,7 +11052,7 @@
         <p:spPr>
           <a:xfrm flipV="1">
             <a:off x="3000364" y="607199"/>
-            <a:ext cx="933254" cy="142876"/>
+            <a:ext cx="934436" cy="142876"/>
           </a:xfrm>
           <a:prstGeom prst="line">
             <a:avLst/>
@@ -11086,7 +11086,7 @@
         <p:spPr>
           <a:xfrm>
             <a:off x="3000364" y="750075"/>
-            <a:ext cx="933254" cy="142876"/>
+            <a:ext cx="934436" cy="142876"/>
           </a:xfrm>
           <a:prstGeom prst="line">
             <a:avLst/>
@@ -11120,7 +11120,7 @@
         <p:spPr>
           <a:xfrm>
             <a:off x="3000364" y="750075"/>
-            <a:ext cx="930974" cy="428628"/>
+            <a:ext cx="934436" cy="428628"/>
           </a:xfrm>
           <a:prstGeom prst="line">
             <a:avLst/>
@@ -11154,7 +11154,7 @@
         <p:spPr>
           <a:xfrm>
             <a:off x="2998616" y="1582783"/>
-            <a:ext cx="932722" cy="285752"/>
+            <a:ext cx="936184" cy="285752"/>
           </a:xfrm>
           <a:prstGeom prst="line">
             <a:avLst/>
@@ -11188,7 +11188,7 @@
         <p:spPr>
           <a:xfrm>
             <a:off x="2998616" y="1582783"/>
-            <a:ext cx="930442" cy="0"/>
+            <a:ext cx="936184" cy="0"/>
           </a:xfrm>
           <a:prstGeom prst="line">
             <a:avLst/>
@@ -11270,7 +11270,7 @@
         <p:spPr>
           <a:xfrm>
             <a:off x="2999346" y="2312294"/>
-            <a:ext cx="1006312" cy="438045"/>
+            <a:ext cx="935454" cy="438045"/>
           </a:xfrm>
           <a:prstGeom prst="line">
             <a:avLst/>
@@ -11306,13 +11306,13 @@
         <p:spPr>
           <a:xfrm>
             <a:off x="2999346" y="2312294"/>
-            <a:ext cx="1005710" cy="723797"/>
+            <a:ext cx="935454" cy="723797"/>
           </a:xfrm>
           <a:prstGeom prst="line">
             <a:avLst/>
           </a:prstGeom>
           <a:ln w="12700">
-            <a:prstDash val="dash"/>
+            <a:prstDash val="sysDot"/>
           </a:ln>
         </p:spPr>
         <p:style>
@@ -11375,8 +11375,8 @@
         </p:nvCxnSpPr>
         <p:spPr>
           <a:xfrm>
-            <a:off x="5700322" y="2768620"/>
-            <a:ext cx="443314" cy="410347"/>
+            <a:off x="5616104" y="2762920"/>
+            <a:ext cx="527532" cy="416047"/>
           </a:xfrm>
           <a:prstGeom prst="line">
             <a:avLst/>
@@ -11411,7 +11411,7 @@
         </p:nvSpPr>
         <p:spPr>
           <a:xfrm>
-            <a:off x="5592322" y="2714620"/>
+            <a:off x="5508104" y="2708920"/>
             <a:ext cx="108000" cy="108000"/>
           </a:xfrm>
           <a:prstGeom prst="diamond">
@@ -11534,7 +11534,7 @@
             <a:avLst/>
           </a:prstGeom>
           <a:ln>
-            <a:prstDash val="sysDash"/>
+            <a:prstDash val="sysDot"/>
             <a:headEnd type="none"/>
           </a:ln>
         </p:spPr>
@@ -11571,7 +11571,7 @@
             <a:avLst/>
           </a:prstGeom>
           <a:ln>
-            <a:prstDash val="sysDash"/>
+            <a:prstDash val="sysDot"/>
             <a:headEnd type="none"/>
           </a:ln>
         </p:spPr>
@@ -11602,7 +11602,7 @@
         <p:spPr>
           <a:xfrm flipV="1">
             <a:off x="3000364" y="250009"/>
-            <a:ext cx="933254" cy="500066"/>
+            <a:ext cx="934436" cy="500066"/>
           </a:xfrm>
           <a:prstGeom prst="line">
             <a:avLst/>
@@ -11635,8 +11635,8 @@
         </p:nvCxnSpPr>
         <p:spPr>
           <a:xfrm>
-            <a:off x="5700322" y="3038742"/>
-            <a:ext cx="443314" cy="140225"/>
+            <a:off x="5636490" y="3038742"/>
+            <a:ext cx="507146" cy="140225"/>
           </a:xfrm>
           <a:prstGeom prst="line">
             <a:avLst/>
@@ -11671,7 +11671,7 @@
         </p:nvSpPr>
         <p:spPr>
           <a:xfrm>
-            <a:off x="5592322" y="2984742"/>
+            <a:off x="5528490" y="2984742"/>
             <a:ext cx="108000" cy="108000"/>
           </a:xfrm>
           <a:prstGeom prst="diamond">
@@ -11804,8 +11804,8 @@
         </p:nvCxnSpPr>
         <p:spPr>
           <a:xfrm>
-            <a:off x="5929322" y="1582783"/>
-            <a:ext cx="464514" cy="225819"/>
+            <a:off x="5935064" y="1582783"/>
+            <a:ext cx="458772" cy="225819"/>
           </a:xfrm>
           <a:prstGeom prst="line">
             <a:avLst/>
@@ -14429,7 +14429,38 @@
       </a:bgFillStyleLst>
     </a:fmtScheme>
   </a:themeElements>
-  <a:objectDefaults/>
+  <a:objectDefaults>
+    <a:spDef>
+      <a:spPr>
+        <a:solidFill>
+          <a:srgbClr val="F7FAFF"/>
+        </a:solidFill>
+        <a:ln>
+          <a:prstDash val="sysDash"/>
+        </a:ln>
+      </a:spPr>
+      <a:bodyPr rtlCol="0" anchor="ctr"/>
+      <a:lstStyle>
+        <a:defPPr algn="ctr">
+          <a:defRPr sz="1200" dirty="0" err="1" smtClean="0"/>
+        </a:defPPr>
+      </a:lstStyle>
+      <a:style>
+        <a:lnRef idx="2">
+          <a:schemeClr val="accent1"/>
+        </a:lnRef>
+        <a:fillRef idx="1">
+          <a:schemeClr val="lt1"/>
+        </a:fillRef>
+        <a:effectRef idx="0">
+          <a:schemeClr val="accent1"/>
+        </a:effectRef>
+        <a:fontRef idx="minor">
+          <a:schemeClr val="dk1"/>
+        </a:fontRef>
+      </a:style>
+    </a:spDef>
+  </a:objectDefaults>
   <a:extraClrSchemeLst/>
 </a:theme>
 </file>

--- a/doc/publications/2012-04_CMSB2012/figures/Conversion.pptx
+++ b/doc/publications/2012-04_CMSB2012/figures/Conversion.pptx
@@ -195,7 +195,7 @@
             <a:fld id="{AEBA95E1-29A5-4C92-A114-356173FFE1B7}" type="datetimeFigureOut">
               <a:rPr lang="en-US" smtClean="0"/>
               <a:pPr/>
-              <a:t>4/19/2012</a:t>
+              <a:t>5/25/2012</a:t>
             </a:fld>
             <a:endParaRPr lang="en-US"/>
           </a:p>
@@ -830,7 +830,7 @@
             <a:fld id="{7FFB8D8C-A3C7-4ABD-A7A4-8E27FCE4E604}" type="datetimeFigureOut">
               <a:rPr lang="de-DE" smtClean="0"/>
               <a:pPr/>
-              <a:t>19.04.2012</a:t>
+              <a:t>25.05.2012</a:t>
             </a:fld>
             <a:endParaRPr lang="de-DE"/>
           </a:p>
@@ -997,7 +997,7 @@
             <a:fld id="{7FFB8D8C-A3C7-4ABD-A7A4-8E27FCE4E604}" type="datetimeFigureOut">
               <a:rPr lang="de-DE" smtClean="0"/>
               <a:pPr/>
-              <a:t>19.04.2012</a:t>
+              <a:t>25.05.2012</a:t>
             </a:fld>
             <a:endParaRPr lang="de-DE"/>
           </a:p>
@@ -1174,7 +1174,7 @@
             <a:fld id="{7FFB8D8C-A3C7-4ABD-A7A4-8E27FCE4E604}" type="datetimeFigureOut">
               <a:rPr lang="de-DE" smtClean="0"/>
               <a:pPr/>
-              <a:t>19.04.2012</a:t>
+              <a:t>25.05.2012</a:t>
             </a:fld>
             <a:endParaRPr lang="de-DE"/>
           </a:p>
@@ -1341,7 +1341,7 @@
             <a:fld id="{7FFB8D8C-A3C7-4ABD-A7A4-8E27FCE4E604}" type="datetimeFigureOut">
               <a:rPr lang="de-DE" smtClean="0"/>
               <a:pPr/>
-              <a:t>19.04.2012</a:t>
+              <a:t>25.05.2012</a:t>
             </a:fld>
             <a:endParaRPr lang="de-DE"/>
           </a:p>
@@ -1584,7 +1584,7 @@
             <a:fld id="{7FFB8D8C-A3C7-4ABD-A7A4-8E27FCE4E604}" type="datetimeFigureOut">
               <a:rPr lang="de-DE" smtClean="0"/>
               <a:pPr/>
-              <a:t>19.04.2012</a:t>
+              <a:t>25.05.2012</a:t>
             </a:fld>
             <a:endParaRPr lang="de-DE"/>
           </a:p>
@@ -1869,7 +1869,7 @@
             <a:fld id="{7FFB8D8C-A3C7-4ABD-A7A4-8E27FCE4E604}" type="datetimeFigureOut">
               <a:rPr lang="de-DE" smtClean="0"/>
               <a:pPr/>
-              <a:t>19.04.2012</a:t>
+              <a:t>25.05.2012</a:t>
             </a:fld>
             <a:endParaRPr lang="de-DE"/>
           </a:p>
@@ -2288,7 +2288,7 @@
             <a:fld id="{7FFB8D8C-A3C7-4ABD-A7A4-8E27FCE4E604}" type="datetimeFigureOut">
               <a:rPr lang="de-DE" smtClean="0"/>
               <a:pPr/>
-              <a:t>19.04.2012</a:t>
+              <a:t>25.05.2012</a:t>
             </a:fld>
             <a:endParaRPr lang="de-DE"/>
           </a:p>
@@ -2403,7 +2403,7 @@
             <a:fld id="{7FFB8D8C-A3C7-4ABD-A7A4-8E27FCE4E604}" type="datetimeFigureOut">
               <a:rPr lang="de-DE" smtClean="0"/>
               <a:pPr/>
-              <a:t>19.04.2012</a:t>
+              <a:t>25.05.2012</a:t>
             </a:fld>
             <a:endParaRPr lang="de-DE"/>
           </a:p>
@@ -2495,7 +2495,7 @@
             <a:fld id="{7FFB8D8C-A3C7-4ABD-A7A4-8E27FCE4E604}" type="datetimeFigureOut">
               <a:rPr lang="de-DE" smtClean="0"/>
               <a:pPr/>
-              <a:t>19.04.2012</a:t>
+              <a:t>25.05.2012</a:t>
             </a:fld>
             <a:endParaRPr lang="de-DE"/>
           </a:p>
@@ -2769,7 +2769,7 @@
             <a:fld id="{7FFB8D8C-A3C7-4ABD-A7A4-8E27FCE4E604}" type="datetimeFigureOut">
               <a:rPr lang="de-DE" smtClean="0"/>
               <a:pPr/>
-              <a:t>19.04.2012</a:t>
+              <a:t>25.05.2012</a:t>
             </a:fld>
             <a:endParaRPr lang="de-DE"/>
           </a:p>
@@ -3019,7 +3019,7 @@
             <a:fld id="{7FFB8D8C-A3C7-4ABD-A7A4-8E27FCE4E604}" type="datetimeFigureOut">
               <a:rPr lang="de-DE" smtClean="0"/>
               <a:pPr/>
-              <a:t>19.04.2012</a:t>
+              <a:t>25.05.2012</a:t>
             </a:fld>
             <a:endParaRPr lang="de-DE"/>
           </a:p>
@@ -3229,7 +3229,7 @@
             <a:fld id="{7FFB8D8C-A3C7-4ABD-A7A4-8E27FCE4E604}" type="datetimeFigureOut">
               <a:rPr lang="de-DE" smtClean="0"/>
               <a:pPr/>
-              <a:t>19.04.2012</a:t>
+              <a:t>25.05.2012</a:t>
             </a:fld>
             <a:endParaRPr lang="de-DE"/>
           </a:p>
@@ -9832,7 +9832,7 @@
         </p:nvSpPr>
         <p:spPr>
           <a:xfrm>
-            <a:off x="7608184" y="564913"/>
+            <a:off x="7606800" y="583961"/>
             <a:ext cx="982961" cy="230832"/>
           </a:xfrm>
           <a:prstGeom prst="rect">
@@ -9870,7 +9870,7 @@
         </p:nvSpPr>
         <p:spPr>
           <a:xfrm>
-            <a:off x="7608184" y="736307"/>
+            <a:off x="7606800" y="736307"/>
             <a:ext cx="963725" cy="230832"/>
           </a:xfrm>
           <a:prstGeom prst="rect">
@@ -9904,7 +9904,7 @@
         </p:nvSpPr>
         <p:spPr>
           <a:xfrm>
-            <a:off x="7608184" y="279161"/>
+            <a:off x="7606800" y="279161"/>
             <a:ext cx="720069" cy="230832"/>
           </a:xfrm>
           <a:prstGeom prst="rect">
@@ -9975,7 +9975,7 @@
         </p:nvSpPr>
         <p:spPr>
           <a:xfrm>
-            <a:off x="7608184" y="128693"/>
+            <a:off x="7606800" y="128693"/>
             <a:ext cx="1484702" cy="230832"/>
           </a:xfrm>
           <a:prstGeom prst="rect">
@@ -10178,7 +10178,7 @@
         </p:nvSpPr>
         <p:spPr>
           <a:xfrm>
-            <a:off x="7602495" y="431561"/>
+            <a:off x="7606800" y="431561"/>
             <a:ext cx="798617" cy="230832"/>
           </a:xfrm>
           <a:prstGeom prst="rect">
@@ -11490,7 +11490,7 @@
         </p:nvSpPr>
         <p:spPr>
           <a:xfrm>
-            <a:off x="7613208" y="888707"/>
+            <a:off x="7606800" y="888707"/>
             <a:ext cx="963725" cy="230832"/>
           </a:xfrm>
           <a:prstGeom prst="rect">
@@ -12509,7 +12509,7 @@
         <p:spPr>
           <a:xfrm>
             <a:off x="6143636" y="1214422"/>
-            <a:ext cx="1143008" cy="214314"/>
+            <a:ext cx="1357200" cy="214314"/>
           </a:xfrm>
           <a:prstGeom prst="roundRect">
             <a:avLst/>
@@ -12554,7 +12554,7 @@
         <p:spPr>
           <a:xfrm>
             <a:off x="6143636" y="2000240"/>
-            <a:ext cx="1143008" cy="214314"/>
+            <a:ext cx="1357200" cy="214314"/>
           </a:xfrm>
           <a:prstGeom prst="roundRect">
             <a:avLst/>
@@ -12584,7 +12584,7 @@
             <a:pPr algn="ctr"/>
             <a:r>
               <a:rPr lang="de-DE" sz="1200" dirty="0" err="1" smtClean="0"/>
-              <a:t>listOfReaction</a:t>
+              <a:t>listOfReactions</a:t>
             </a:r>
             <a:endParaRPr lang="de-DE" sz="1200" dirty="0"/>
           </a:p>
@@ -12878,7 +12878,7 @@
         <p:spPr>
           <a:xfrm>
             <a:off x="6143636" y="2349615"/>
-            <a:ext cx="1143008" cy="214314"/>
+            <a:ext cx="1357200" cy="214314"/>
           </a:xfrm>
           <a:prstGeom prst="roundRect">
             <a:avLst/>
@@ -12911,7 +12911,7 @@
             <a:pPr algn="ctr"/>
             <a:r>
               <a:rPr lang="de-DE" sz="1200" dirty="0" err="1" smtClean="0"/>
-              <a:t>listOfTransition</a:t>
+              <a:t>listOfTransitions</a:t>
             </a:r>
             <a:endParaRPr lang="de-DE" sz="1200" dirty="0"/>
           </a:p>
@@ -12975,9 +12975,9 @@
           <p:nvPr/>
         </p:nvCxnSpPr>
         <p:spPr>
-          <a:xfrm rot="10800000">
-            <a:off x="7286644" y="1321579"/>
-            <a:ext cx="801448" cy="65716"/>
+          <a:xfrm flipH="1" flipV="1">
+            <a:off x="7500836" y="1321579"/>
+            <a:ext cx="587256" cy="65716"/>
           </a:xfrm>
           <a:prstGeom prst="line">
             <a:avLst/>
@@ -13011,9 +13011,9 @@
           <p:nvPr/>
         </p:nvCxnSpPr>
         <p:spPr>
-          <a:xfrm rot="5400000">
-            <a:off x="7597604" y="1291187"/>
-            <a:ext cx="505251" cy="1127169"/>
+          <a:xfrm flipH="1">
+            <a:off x="7500836" y="1602146"/>
+            <a:ext cx="912977" cy="505251"/>
           </a:xfrm>
           <a:prstGeom prst="line">
             <a:avLst/>
@@ -13119,9 +13119,9 @@
           <p:nvPr/>
         </p:nvCxnSpPr>
         <p:spPr>
-          <a:xfrm rot="5400000">
-            <a:off x="7422916" y="1465875"/>
-            <a:ext cx="854626" cy="1127169"/>
+          <a:xfrm flipH="1">
+            <a:off x="7500836" y="1602146"/>
+            <a:ext cx="912977" cy="854626"/>
           </a:xfrm>
           <a:prstGeom prst="line">
             <a:avLst/>
@@ -13617,7 +13617,7 @@
         </p:nvSpPr>
         <p:spPr>
           <a:xfrm>
-            <a:off x="7902778" y="769276"/>
+            <a:off x="7898400" y="778800"/>
             <a:ext cx="982961" cy="230832"/>
           </a:xfrm>
           <a:prstGeom prst="rect">
@@ -13655,7 +13655,7 @@
         </p:nvSpPr>
         <p:spPr>
           <a:xfrm>
-            <a:off x="7902778" y="483524"/>
+            <a:off x="7898400" y="483524"/>
             <a:ext cx="720069" cy="230832"/>
           </a:xfrm>
           <a:prstGeom prst="rect">
@@ -13778,8 +13778,8 @@
         </p:nvSpPr>
         <p:spPr>
           <a:xfrm>
-            <a:off x="7902778" y="308741"/>
-            <a:ext cx="1095172" cy="230832"/>
+            <a:off x="7898400" y="308741"/>
+            <a:ext cx="1350050" cy="230832"/>
           </a:xfrm>
           <a:prstGeom prst="rect">
             <a:avLst/>
@@ -13798,7 +13798,7 @@
             </a:r>
             <a:r>
               <a:rPr lang="de-DE" sz="900" dirty="0" err="1" smtClean="0"/>
-              <a:t>qual</a:t>
+              <a:t>extension</a:t>
             </a:r>
             <a:r>
               <a:rPr lang="de-DE" sz="900" dirty="0" smtClean="0"/>
@@ -13820,7 +13820,7 @@
         </p:nvSpPr>
         <p:spPr>
           <a:xfrm>
-            <a:off x="7902778" y="126334"/>
+            <a:off x="7898400" y="126334"/>
             <a:ext cx="1098378" cy="230832"/>
           </a:xfrm>
           <a:prstGeom prst="rect">
@@ -14039,7 +14039,7 @@
         </p:nvSpPr>
         <p:spPr>
           <a:xfrm>
-            <a:off x="7897089" y="635924"/>
+            <a:off x="7898400" y="635924"/>
             <a:ext cx="798617" cy="230832"/>
           </a:xfrm>
           <a:prstGeom prst="rect">
@@ -14143,6 +14143,218 @@
           </a:p>
         </p:txBody>
       </p:sp>
+      <p:sp>
+        <p:nvSpPr>
+          <p:cNvPr id="62" name="Abgerundetes Rechteck 61"/>
+          <p:cNvSpPr/>
+          <p:nvPr/>
+        </p:nvSpPr>
+        <p:spPr>
+          <a:xfrm>
+            <a:off x="6139076" y="908720"/>
+            <a:ext cx="1357200" cy="214314"/>
+          </a:xfrm>
+          <a:prstGeom prst="roundRect">
+            <a:avLst/>
+          </a:prstGeom>
+          <a:solidFill>
+            <a:srgbClr val="F7F9F1"/>
+          </a:solidFill>
+          <a:ln>
+            <a:prstDash val="sysDash"/>
+          </a:ln>
+        </p:spPr>
+        <p:style>
+          <a:lnRef idx="2">
+            <a:schemeClr val="accent3"/>
+          </a:lnRef>
+          <a:fillRef idx="1">
+            <a:schemeClr val="lt1"/>
+          </a:fillRef>
+          <a:effectRef idx="0">
+            <a:schemeClr val="accent3"/>
+          </a:effectRef>
+          <a:fontRef idx="minor">
+            <a:schemeClr val="dk1"/>
+          </a:fontRef>
+        </p:style>
+        <p:txBody>
+          <a:bodyPr rtlCol="0" anchor="ctr"/>
+          <a:lstStyle/>
+          <a:p>
+            <a:pPr algn="ctr"/>
+            <a:r>
+              <a:rPr lang="en-US" sz="1200" dirty="0" err="1" smtClean="0"/>
+              <a:t>listOfGroups</a:t>
+            </a:r>
+            <a:endParaRPr lang="de-DE" sz="1200" dirty="0"/>
+          </a:p>
+        </p:txBody>
+      </p:sp>
+      <p:sp>
+        <p:nvSpPr>
+          <p:cNvPr id="63" name="Abgerundetes Rechteck 62"/>
+          <p:cNvSpPr/>
+          <p:nvPr/>
+        </p:nvSpPr>
+        <p:spPr>
+          <a:xfrm>
+            <a:off x="4427984" y="908720"/>
+            <a:ext cx="1357322" cy="214314"/>
+          </a:xfrm>
+          <a:prstGeom prst="roundRect">
+            <a:avLst/>
+          </a:prstGeom>
+          <a:solidFill>
+            <a:srgbClr val="F7F9F1"/>
+          </a:solidFill>
+          <a:ln>
+            <a:prstDash val="sysDash"/>
+          </a:ln>
+        </p:spPr>
+        <p:style>
+          <a:lnRef idx="2">
+            <a:schemeClr val="accent3"/>
+          </a:lnRef>
+          <a:fillRef idx="1">
+            <a:schemeClr val="lt1"/>
+          </a:fillRef>
+          <a:effectRef idx="0">
+            <a:schemeClr val="accent3"/>
+          </a:effectRef>
+          <a:fontRef idx="minor">
+            <a:schemeClr val="dk1"/>
+          </a:fontRef>
+        </p:style>
+        <p:txBody>
+          <a:bodyPr rtlCol="0" anchor="ctr"/>
+          <a:lstStyle/>
+          <a:p>
+            <a:pPr algn="ctr"/>
+            <a:r>
+              <a:rPr lang="de-DE" sz="1200" dirty="0" err="1" smtClean="0"/>
+              <a:t>group</a:t>
+            </a:r>
+            <a:endParaRPr lang="de-DE" sz="1200" dirty="0"/>
+          </a:p>
+        </p:txBody>
+      </p:sp>
+      <p:cxnSp>
+        <p:nvCxnSpPr>
+          <p:cNvPr id="64" name="Gerade Verbindung 63"/>
+          <p:cNvCxnSpPr>
+            <a:stCxn id="65" idx="1"/>
+            <a:endCxn id="63" idx="3"/>
+          </p:cNvCxnSpPr>
+          <p:nvPr/>
+        </p:nvCxnSpPr>
+        <p:spPr>
+          <a:xfrm rot="10800000">
+            <a:off x="5785306" y="1015878"/>
+            <a:ext cx="226524" cy="2651"/>
+          </a:xfrm>
+          <a:prstGeom prst="line">
+            <a:avLst/>
+          </a:prstGeom>
+          <a:ln>
+            <a:headEnd type="none"/>
+          </a:ln>
+        </p:spPr>
+        <p:style>
+          <a:lnRef idx="2">
+            <a:schemeClr val="accent3"/>
+          </a:lnRef>
+          <a:fillRef idx="1">
+            <a:schemeClr val="lt1"/>
+          </a:fillRef>
+          <a:effectRef idx="0">
+            <a:schemeClr val="accent3"/>
+          </a:effectRef>
+          <a:fontRef idx="minor">
+            <a:schemeClr val="dk1"/>
+          </a:fontRef>
+        </p:style>
+      </p:cxnSp>
+      <p:sp>
+        <p:nvSpPr>
+          <p:cNvPr id="65" name="Raute 64"/>
+          <p:cNvSpPr/>
+          <p:nvPr/>
+        </p:nvSpPr>
+        <p:spPr>
+          <a:xfrm>
+            <a:off x="6011830" y="964528"/>
+            <a:ext cx="108000" cy="108000"/>
+          </a:xfrm>
+          <a:prstGeom prst="diamond">
+            <a:avLst/>
+          </a:prstGeom>
+          <a:noFill/>
+          <a:ln w="25400">
+            <a:solidFill>
+              <a:schemeClr val="accent3"/>
+            </a:solidFill>
+          </a:ln>
+        </p:spPr>
+        <p:style>
+          <a:lnRef idx="2">
+            <a:schemeClr val="accent1">
+              <a:shade val="50000"/>
+            </a:schemeClr>
+          </a:lnRef>
+          <a:fillRef idx="1">
+            <a:schemeClr val="accent1"/>
+          </a:fillRef>
+          <a:effectRef idx="0">
+            <a:schemeClr val="accent1"/>
+          </a:effectRef>
+          <a:fontRef idx="minor">
+            <a:schemeClr val="lt1"/>
+          </a:fontRef>
+        </p:style>
+        <p:txBody>
+          <a:bodyPr rtlCol="0" anchor="ctr"/>
+          <a:lstStyle/>
+          <a:p>
+            <a:pPr algn="ctr"/>
+            <a:endParaRPr lang="de-DE"/>
+          </a:p>
+        </p:txBody>
+      </p:sp>
+      <p:cxnSp>
+        <p:nvCxnSpPr>
+          <p:cNvPr id="66" name="Gerade Verbindung 65"/>
+          <p:cNvCxnSpPr>
+            <a:stCxn id="314" idx="3"/>
+            <a:endCxn id="63" idx="1"/>
+          </p:cNvCxnSpPr>
+          <p:nvPr/>
+        </p:nvCxnSpPr>
+        <p:spPr>
+          <a:xfrm flipV="1">
+            <a:off x="3714744" y="1015877"/>
+            <a:ext cx="713240" cy="305702"/>
+          </a:xfrm>
+          <a:prstGeom prst="line">
+            <a:avLst/>
+          </a:prstGeom>
+          <a:ln w="12700"/>
+        </p:spPr>
+        <p:style>
+          <a:lnRef idx="1">
+            <a:schemeClr val="dk1"/>
+          </a:lnRef>
+          <a:fillRef idx="0">
+            <a:schemeClr val="dk1"/>
+          </a:fillRef>
+          <a:effectRef idx="0">
+            <a:schemeClr val="dk1"/>
+          </a:effectRef>
+          <a:fontRef idx="minor">
+            <a:schemeClr val="tx1"/>
+          </a:fontRef>
+        </p:style>
+      </p:cxnSp>
     </p:spTree>
   </p:cSld>
   <p:clrMapOvr>

--- a/doc/publications/2012-04_CMSB2012/figures/Conversion.pptx
+++ b/doc/publications/2012-04_CMSB2012/figures/Conversion.pptx
@@ -195,7 +195,7 @@
             <a:fld id="{AEBA95E1-29A5-4C92-A114-356173FFE1B7}" type="datetimeFigureOut">
               <a:rPr lang="en-US" smtClean="0"/>
               <a:pPr/>
-              <a:t>5/25/2012</a:t>
+              <a:t>5/29/2012</a:t>
             </a:fld>
             <a:endParaRPr lang="en-US"/>
           </a:p>
@@ -830,7 +830,7 @@
             <a:fld id="{7FFB8D8C-A3C7-4ABD-A7A4-8E27FCE4E604}" type="datetimeFigureOut">
               <a:rPr lang="de-DE" smtClean="0"/>
               <a:pPr/>
-              <a:t>25.05.2012</a:t>
+              <a:t>29.05.2012</a:t>
             </a:fld>
             <a:endParaRPr lang="de-DE"/>
           </a:p>
@@ -997,7 +997,7 @@
             <a:fld id="{7FFB8D8C-A3C7-4ABD-A7A4-8E27FCE4E604}" type="datetimeFigureOut">
               <a:rPr lang="de-DE" smtClean="0"/>
               <a:pPr/>
-              <a:t>25.05.2012</a:t>
+              <a:t>29.05.2012</a:t>
             </a:fld>
             <a:endParaRPr lang="de-DE"/>
           </a:p>
@@ -1174,7 +1174,7 @@
             <a:fld id="{7FFB8D8C-A3C7-4ABD-A7A4-8E27FCE4E604}" type="datetimeFigureOut">
               <a:rPr lang="de-DE" smtClean="0"/>
               <a:pPr/>
-              <a:t>25.05.2012</a:t>
+              <a:t>29.05.2012</a:t>
             </a:fld>
             <a:endParaRPr lang="de-DE"/>
           </a:p>
@@ -1341,7 +1341,7 @@
             <a:fld id="{7FFB8D8C-A3C7-4ABD-A7A4-8E27FCE4E604}" type="datetimeFigureOut">
               <a:rPr lang="de-DE" smtClean="0"/>
               <a:pPr/>
-              <a:t>25.05.2012</a:t>
+              <a:t>29.05.2012</a:t>
             </a:fld>
             <a:endParaRPr lang="de-DE"/>
           </a:p>
@@ -1584,7 +1584,7 @@
             <a:fld id="{7FFB8D8C-A3C7-4ABD-A7A4-8E27FCE4E604}" type="datetimeFigureOut">
               <a:rPr lang="de-DE" smtClean="0"/>
               <a:pPr/>
-              <a:t>25.05.2012</a:t>
+              <a:t>29.05.2012</a:t>
             </a:fld>
             <a:endParaRPr lang="de-DE"/>
           </a:p>
@@ -1869,7 +1869,7 @@
             <a:fld id="{7FFB8D8C-A3C7-4ABD-A7A4-8E27FCE4E604}" type="datetimeFigureOut">
               <a:rPr lang="de-DE" smtClean="0"/>
               <a:pPr/>
-              <a:t>25.05.2012</a:t>
+              <a:t>29.05.2012</a:t>
             </a:fld>
             <a:endParaRPr lang="de-DE"/>
           </a:p>
@@ -2288,7 +2288,7 @@
             <a:fld id="{7FFB8D8C-A3C7-4ABD-A7A4-8E27FCE4E604}" type="datetimeFigureOut">
               <a:rPr lang="de-DE" smtClean="0"/>
               <a:pPr/>
-              <a:t>25.05.2012</a:t>
+              <a:t>29.05.2012</a:t>
             </a:fld>
             <a:endParaRPr lang="de-DE"/>
           </a:p>
@@ -2403,7 +2403,7 @@
             <a:fld id="{7FFB8D8C-A3C7-4ABD-A7A4-8E27FCE4E604}" type="datetimeFigureOut">
               <a:rPr lang="de-DE" smtClean="0"/>
               <a:pPr/>
-              <a:t>25.05.2012</a:t>
+              <a:t>29.05.2012</a:t>
             </a:fld>
             <a:endParaRPr lang="de-DE"/>
           </a:p>
@@ -2495,7 +2495,7 @@
             <a:fld id="{7FFB8D8C-A3C7-4ABD-A7A4-8E27FCE4E604}" type="datetimeFigureOut">
               <a:rPr lang="de-DE" smtClean="0"/>
               <a:pPr/>
-              <a:t>25.05.2012</a:t>
+              <a:t>29.05.2012</a:t>
             </a:fld>
             <a:endParaRPr lang="de-DE"/>
           </a:p>
@@ -2769,7 +2769,7 @@
             <a:fld id="{7FFB8D8C-A3C7-4ABD-A7A4-8E27FCE4E604}" type="datetimeFigureOut">
               <a:rPr lang="de-DE" smtClean="0"/>
               <a:pPr/>
-              <a:t>25.05.2012</a:t>
+              <a:t>29.05.2012</a:t>
             </a:fld>
             <a:endParaRPr lang="de-DE"/>
           </a:p>
@@ -3019,7 +3019,7 @@
             <a:fld id="{7FFB8D8C-A3C7-4ABD-A7A4-8E27FCE4E604}" type="datetimeFigureOut">
               <a:rPr lang="de-DE" smtClean="0"/>
               <a:pPr/>
-              <a:t>25.05.2012</a:t>
+              <a:t>29.05.2012</a:t>
             </a:fld>
             <a:endParaRPr lang="de-DE"/>
           </a:p>
@@ -3229,7 +3229,7 @@
             <a:fld id="{7FFB8D8C-A3C7-4ABD-A7A4-8E27FCE4E604}" type="datetimeFigureOut">
               <a:rPr lang="de-DE" smtClean="0"/>
               <a:pPr/>
-              <a:t>25.05.2012</a:t>
+              <a:t>29.05.2012</a:t>
             </a:fld>
             <a:endParaRPr lang="de-DE"/>
           </a:p>
@@ -11863,7 +11863,7 @@
         <p:spPr>
           <a:xfrm>
             <a:off x="1428728" y="71414"/>
-            <a:ext cx="2643206" cy="2714644"/>
+            <a:ext cx="2643206" cy="2786082"/>
           </a:xfrm>
           <a:prstGeom prst="roundRect">
             <a:avLst>
@@ -11950,7 +11950,7 @@
         </p:nvSpPr>
         <p:spPr>
           <a:xfrm>
-            <a:off x="1500166" y="2404277"/>
+            <a:off x="1500166" y="2500306"/>
             <a:ext cx="1571636" cy="381781"/>
           </a:xfrm>
           <a:prstGeom prst="rect">
@@ -11988,7 +11988,7 @@
         </p:nvSpPr>
         <p:spPr>
           <a:xfrm>
-            <a:off x="2928926" y="1214422"/>
+            <a:off x="2928926" y="1448686"/>
             <a:ext cx="785818" cy="214314"/>
           </a:xfrm>
           <a:prstGeom prst="roundRect">
@@ -12030,7 +12030,7 @@
         </p:nvSpPr>
         <p:spPr>
           <a:xfrm>
-            <a:off x="2928926" y="2348512"/>
+            <a:off x="2928926" y="2427182"/>
             <a:ext cx="784800" cy="216000"/>
           </a:xfrm>
           <a:prstGeom prst="roundRect">
@@ -12072,7 +12072,7 @@
         </p:nvSpPr>
         <p:spPr>
           <a:xfrm>
-            <a:off x="2928926" y="1984610"/>
+            <a:off x="2928926" y="2063280"/>
             <a:ext cx="785818" cy="214314"/>
           </a:xfrm>
           <a:prstGeom prst="roundRect">
@@ -12118,7 +12118,7 @@
         <p:spPr>
           <a:xfrm rot="10800000">
             <a:off x="1998350" y="552235"/>
-            <a:ext cx="930577" cy="769345"/>
+            <a:ext cx="930577" cy="1003609"/>
           </a:xfrm>
           <a:prstGeom prst="line">
             <a:avLst/>
@@ -12189,7 +12189,7 @@
         <p:spPr>
           <a:xfrm rot="10800000">
             <a:off x="1998350" y="552235"/>
-            <a:ext cx="930577" cy="1539533"/>
+            <a:ext cx="930577" cy="1618203"/>
           </a:xfrm>
           <a:prstGeom prst="line">
             <a:avLst/>
@@ -12222,7 +12222,7 @@
         <p:spPr>
           <a:xfrm rot="10800000">
             <a:off x="1998350" y="552234"/>
-            <a:ext cx="930577" cy="1904278"/>
+            <a:ext cx="930577" cy="1982948"/>
           </a:xfrm>
           <a:prstGeom prst="line">
             <a:avLst/>
@@ -12288,7 +12288,7 @@
         </p:nvCxnSpPr>
         <p:spPr>
           <a:xfrm>
-            <a:off x="3714744" y="1321579"/>
+            <a:off x="3714744" y="1555843"/>
             <a:ext cx="717800" cy="0"/>
           </a:xfrm>
           <a:prstGeom prst="line">
@@ -12322,8 +12322,8 @@
         </p:nvCxnSpPr>
         <p:spPr>
           <a:xfrm>
-            <a:off x="3714744" y="1321579"/>
-            <a:ext cx="726350" cy="357190"/>
+            <a:off x="3714744" y="1555843"/>
+            <a:ext cx="726350" cy="288662"/>
           </a:xfrm>
           <a:prstGeom prst="line">
             <a:avLst/>
@@ -12356,7 +12356,7 @@
         </p:nvCxnSpPr>
         <p:spPr>
           <a:xfrm>
-            <a:off x="3714744" y="2091767"/>
+            <a:off x="3714744" y="2170437"/>
             <a:ext cx="714380" cy="0"/>
           </a:xfrm>
           <a:prstGeom prst="line">
@@ -12390,7 +12390,7 @@
         </p:nvCxnSpPr>
         <p:spPr>
           <a:xfrm flipV="1">
-            <a:off x="3713726" y="2455669"/>
+            <a:off x="3713726" y="2534339"/>
             <a:ext cx="715398" cy="843"/>
           </a:xfrm>
           <a:prstGeom prst="line">
@@ -12422,7 +12422,7 @@
         <p:spPr>
           <a:xfrm>
             <a:off x="4286248" y="71414"/>
-            <a:ext cx="4717188" cy="2714644"/>
+            <a:ext cx="4786346" cy="2786082"/>
           </a:xfrm>
           <a:prstGeom prst="roundRect">
             <a:avLst>
@@ -12463,7 +12463,7 @@
         </p:nvSpPr>
         <p:spPr>
           <a:xfrm>
-            <a:off x="8215338" y="1269672"/>
+            <a:off x="8286776" y="1142984"/>
             <a:ext cx="642942" cy="214314"/>
           </a:xfrm>
           <a:prstGeom prst="roundRect">
@@ -12508,8 +12508,8 @@
         </p:nvSpPr>
         <p:spPr>
           <a:xfrm>
-            <a:off x="6143636" y="1214422"/>
-            <a:ext cx="1357200" cy="214314"/>
+            <a:off x="6143636" y="1448686"/>
+            <a:ext cx="1428760" cy="214314"/>
           </a:xfrm>
           <a:prstGeom prst="roundRect">
             <a:avLst/>
@@ -12553,8 +12553,8 @@
         </p:nvSpPr>
         <p:spPr>
           <a:xfrm>
-            <a:off x="6143636" y="2000240"/>
-            <a:ext cx="1357200" cy="214314"/>
+            <a:off x="6143636" y="2078910"/>
+            <a:ext cx="1714512" cy="214314"/>
           </a:xfrm>
           <a:prstGeom prst="roundRect">
             <a:avLst/>
@@ -12643,7 +12643,7 @@
         </p:nvSpPr>
         <p:spPr>
           <a:xfrm>
-            <a:off x="4432544" y="1214422"/>
+            <a:off x="4432544" y="1448686"/>
             <a:ext cx="1357322" cy="214314"/>
           </a:xfrm>
           <a:prstGeom prst="roundRect">
@@ -12688,7 +12688,7 @@
         </p:nvSpPr>
         <p:spPr>
           <a:xfrm>
-            <a:off x="4429124" y="1984610"/>
+            <a:off x="4429124" y="2063280"/>
             <a:ext cx="857256" cy="214314"/>
           </a:xfrm>
           <a:prstGeom prst="roundRect">
@@ -12781,7 +12781,7 @@
         </p:nvSpPr>
         <p:spPr>
           <a:xfrm>
-            <a:off x="4441094" y="1571612"/>
+            <a:off x="4441094" y="1737348"/>
             <a:ext cx="1345352" cy="214314"/>
           </a:xfrm>
           <a:prstGeom prst="roundRect">
@@ -12829,7 +12829,7 @@
         </p:nvSpPr>
         <p:spPr>
           <a:xfrm>
-            <a:off x="6143636" y="1571612"/>
+            <a:off x="6143636" y="1737348"/>
             <a:ext cx="1714512" cy="214314"/>
           </a:xfrm>
           <a:prstGeom prst="roundRect">
@@ -12877,8 +12877,8 @@
         </p:nvSpPr>
         <p:spPr>
           <a:xfrm>
-            <a:off x="6143636" y="2349615"/>
-            <a:ext cx="1357200" cy="214314"/>
+            <a:off x="6143636" y="2428285"/>
+            <a:ext cx="1714512" cy="214314"/>
           </a:xfrm>
           <a:prstGeom prst="roundRect">
             <a:avLst/>
@@ -12925,7 +12925,7 @@
         </p:nvSpPr>
         <p:spPr>
           <a:xfrm>
-            <a:off x="4429124" y="2348512"/>
+            <a:off x="4429124" y="2427182"/>
             <a:ext cx="857256" cy="214314"/>
           </a:xfrm>
           <a:prstGeom prst="roundRect">
@@ -12975,9 +12975,9 @@
           <p:nvPr/>
         </p:nvCxnSpPr>
         <p:spPr>
-          <a:xfrm flipH="1" flipV="1">
-            <a:off x="7500836" y="1321579"/>
-            <a:ext cx="587256" cy="65716"/>
+          <a:xfrm rot="10800000" flipV="1">
+            <a:off x="7572396" y="1260607"/>
+            <a:ext cx="587134" cy="295236"/>
           </a:xfrm>
           <a:prstGeom prst="line">
             <a:avLst/>
@@ -13011,9 +13011,9 @@
           <p:nvPr/>
         </p:nvCxnSpPr>
         <p:spPr>
-          <a:xfrm flipH="1">
-            <a:off x="7500836" y="1602146"/>
-            <a:ext cx="912977" cy="505251"/>
+          <a:xfrm rot="5400000">
+            <a:off x="7812586" y="1505781"/>
+            <a:ext cx="725849" cy="634723"/>
           </a:xfrm>
           <a:prstGeom prst="line">
             <a:avLst/>
@@ -13049,7 +13049,7 @@
         <p:spPr>
           <a:xfrm rot="10800000">
             <a:off x="5757874" y="321447"/>
-            <a:ext cx="2330218" cy="1065848"/>
+            <a:ext cx="2401656" cy="939160"/>
           </a:xfrm>
           <a:prstGeom prst="line">
             <a:avLst/>
@@ -13085,7 +13085,7 @@
         <p:spPr>
           <a:xfrm rot="10800000">
             <a:off x="5770816" y="599385"/>
-            <a:ext cx="2317276" cy="787911"/>
+            <a:ext cx="2388714" cy="661223"/>
           </a:xfrm>
           <a:prstGeom prst="line">
             <a:avLst/>
@@ -13119,9 +13119,9 @@
           <p:nvPr/>
         </p:nvCxnSpPr>
         <p:spPr>
-          <a:xfrm flipH="1">
-            <a:off x="7500836" y="1602146"/>
-            <a:ext cx="912977" cy="854626"/>
+          <a:xfrm rot="5400000">
+            <a:off x="7637898" y="1680469"/>
+            <a:ext cx="1075224" cy="634723"/>
           </a:xfrm>
           <a:prstGeom prst="line">
             <a:avLst/>
@@ -13156,8 +13156,8 @@
         </p:nvCxnSpPr>
         <p:spPr>
           <a:xfrm rot="10800000" flipV="1">
-            <a:off x="7858148" y="1387295"/>
-            <a:ext cx="229944" cy="291474"/>
+            <a:off x="7858148" y="1260607"/>
+            <a:ext cx="301382" cy="583898"/>
           </a:xfrm>
           <a:prstGeom prst="line">
             <a:avLst/>
@@ -13186,13 +13186,12 @@
           <p:cNvPr id="156" name="Gerade Verbindung 155"/>
           <p:cNvCxnSpPr>
             <a:stCxn id="170" idx="1"/>
-            <a:endCxn id="131" idx="3"/>
           </p:cNvCxnSpPr>
           <p:nvPr/>
         </p:nvCxnSpPr>
         <p:spPr>
           <a:xfrm rot="10800000">
-            <a:off x="5789866" y="1321580"/>
+            <a:off x="5789866" y="1555844"/>
             <a:ext cx="226524" cy="2651"/>
           </a:xfrm>
           <a:prstGeom prst="line">
@@ -13222,13 +13221,12 @@
           <p:cNvPr id="157" name="Gerade Verbindung 156"/>
           <p:cNvCxnSpPr>
             <a:stCxn id="175" idx="1"/>
-            <a:endCxn id="133" idx="3"/>
           </p:cNvCxnSpPr>
           <p:nvPr/>
         </p:nvCxnSpPr>
         <p:spPr>
           <a:xfrm rot="10800000">
-            <a:off x="5286381" y="2091768"/>
+            <a:off x="5286381" y="2170438"/>
             <a:ext cx="730213" cy="93"/>
           </a:xfrm>
           <a:prstGeom prst="line">
@@ -13258,13 +13256,12 @@
           <p:cNvPr id="160" name="Gerade Verbindung 159"/>
           <p:cNvCxnSpPr>
             <a:stCxn id="176" idx="1"/>
-            <a:endCxn id="145" idx="3"/>
           </p:cNvCxnSpPr>
           <p:nvPr/>
         </p:nvCxnSpPr>
         <p:spPr>
           <a:xfrm rot="10800000">
-            <a:off x="5286380" y="2455670"/>
+            <a:off x="5286380" y="2534340"/>
             <a:ext cx="722398" cy="3349"/>
           </a:xfrm>
           <a:prstGeom prst="line">
@@ -13297,7 +13294,7 @@
         </p:nvSpPr>
         <p:spPr>
           <a:xfrm>
-            <a:off x="7358082" y="2404277"/>
+            <a:off x="7429520" y="2500306"/>
             <a:ext cx="1571636" cy="381781"/>
           </a:xfrm>
           <a:prstGeom prst="rect">
@@ -13336,7 +13333,7 @@
         </p:nvSpPr>
         <p:spPr>
           <a:xfrm rot="23940000">
-            <a:off x="8393796" y="1506180"/>
+            <a:off x="8472854" y="1364252"/>
             <a:ext cx="108000" cy="108000"/>
           </a:xfrm>
           <a:prstGeom prst="triangle">
@@ -13375,7 +13372,7 @@
         </p:nvSpPr>
         <p:spPr>
           <a:xfrm rot="5400000" flipH="1">
-            <a:off x="8088092" y="1333295"/>
+            <a:off x="8159530" y="1206607"/>
             <a:ext cx="108000" cy="108000"/>
           </a:xfrm>
           <a:prstGeom prst="triangle">
@@ -13414,7 +13411,7 @@
         </p:nvSpPr>
         <p:spPr>
           <a:xfrm>
-            <a:off x="6016390" y="1270230"/>
+            <a:off x="6016390" y="1504494"/>
             <a:ext cx="108000" cy="108000"/>
           </a:xfrm>
           <a:prstGeom prst="diamond">
@@ -13460,7 +13457,7 @@
         </p:nvSpPr>
         <p:spPr>
           <a:xfrm>
-            <a:off x="6016593" y="2037860"/>
+            <a:off x="6016593" y="2116530"/>
             <a:ext cx="108000" cy="108000"/>
           </a:xfrm>
           <a:prstGeom prst="diamond">
@@ -13506,7 +13503,7 @@
         </p:nvSpPr>
         <p:spPr>
           <a:xfrm>
-            <a:off x="6008778" y="2405018"/>
+            <a:off x="6008778" y="2483688"/>
             <a:ext cx="108000" cy="108000"/>
           </a:xfrm>
           <a:prstGeom prst="diamond">
@@ -13586,7 +13583,7 @@
         </p:nvCxnSpPr>
         <p:spPr>
           <a:xfrm>
-            <a:off x="7617026" y="912152"/>
+            <a:off x="7441170" y="912152"/>
             <a:ext cx="285752" cy="0"/>
           </a:xfrm>
           <a:prstGeom prst="line">
@@ -13617,7 +13614,7 @@
         </p:nvSpPr>
         <p:spPr>
           <a:xfrm>
-            <a:off x="7898400" y="778800"/>
+            <a:off x="7722544" y="778800"/>
             <a:ext cx="982961" cy="230832"/>
           </a:xfrm>
           <a:prstGeom prst="rect">
@@ -13655,7 +13652,7 @@
         </p:nvSpPr>
         <p:spPr>
           <a:xfrm>
-            <a:off x="7898400" y="483524"/>
+            <a:off x="7722544" y="483524"/>
             <a:ext cx="720069" cy="230832"/>
           </a:xfrm>
           <a:prstGeom prst="rect">
@@ -13685,7 +13682,7 @@
         </p:nvSpPr>
         <p:spPr>
           <a:xfrm>
-            <a:off x="7617026" y="372555"/>
+            <a:off x="7441170" y="372555"/>
             <a:ext cx="285752" cy="110969"/>
           </a:xfrm>
           <a:prstGeom prst="roundRect">
@@ -13732,7 +13729,7 @@
         </p:nvSpPr>
         <p:spPr>
           <a:xfrm>
-            <a:off x="7617026" y="190148"/>
+            <a:off x="7441170" y="190148"/>
             <a:ext cx="285752" cy="110969"/>
           </a:xfrm>
           <a:prstGeom prst="roundRect">
@@ -13778,7 +13775,7 @@
         </p:nvSpPr>
         <p:spPr>
           <a:xfrm>
-            <a:off x="7898400" y="308741"/>
+            <a:off x="7722544" y="308741"/>
             <a:ext cx="1350050" cy="230832"/>
           </a:xfrm>
           <a:prstGeom prst="rect">
@@ -13820,7 +13817,7 @@
         </p:nvSpPr>
         <p:spPr>
           <a:xfrm>
-            <a:off x="7898400" y="126334"/>
+            <a:off x="7722544" y="126334"/>
             <a:ext cx="1098378" cy="230832"/>
           </a:xfrm>
           <a:prstGeom prst="rect">
@@ -13862,7 +13859,7 @@
         </p:nvGrpSpPr>
         <p:grpSpPr>
           <a:xfrm>
-            <a:off x="7612498" y="577323"/>
+            <a:off x="7436642" y="577323"/>
             <a:ext cx="290280" cy="71438"/>
             <a:chOff x="209754" y="1071546"/>
             <a:chExt cx="290280" cy="71438"/>
@@ -13958,7 +13955,7 @@
         </p:nvCxnSpPr>
         <p:spPr>
           <a:xfrm>
-            <a:off x="7714864" y="776523"/>
+            <a:off x="7539008" y="776523"/>
             <a:ext cx="198000" cy="0"/>
           </a:xfrm>
           <a:prstGeom prst="line">
@@ -13993,7 +13990,7 @@
         </p:nvSpPr>
         <p:spPr>
           <a:xfrm>
-            <a:off x="7617026" y="729745"/>
+            <a:off x="7441170" y="729745"/>
             <a:ext cx="90000" cy="90000"/>
           </a:xfrm>
           <a:prstGeom prst="diamond">
@@ -14039,7 +14036,7 @@
         </p:nvSpPr>
         <p:spPr>
           <a:xfrm>
-            <a:off x="7898400" y="635924"/>
+            <a:off x="7722544" y="635924"/>
             <a:ext cx="798617" cy="230832"/>
           </a:xfrm>
           <a:prstGeom prst="rect">
@@ -14066,13 +14063,12 @@
           <p:cNvPr id="109" name="Gerade Verbindung 108"/>
           <p:cNvCxnSpPr>
             <a:stCxn id="110" idx="1"/>
-            <a:endCxn id="142" idx="3"/>
           </p:cNvCxnSpPr>
           <p:nvPr/>
         </p:nvCxnSpPr>
         <p:spPr>
           <a:xfrm rot="10800000" flipV="1">
-            <a:off x="5786447" y="1676117"/>
+            <a:off x="5786447" y="1841853"/>
             <a:ext cx="222129" cy="2651"/>
           </a:xfrm>
           <a:prstGeom prst="line">
@@ -14105,7 +14101,7 @@
         </p:nvSpPr>
         <p:spPr>
           <a:xfrm>
-            <a:off x="6008575" y="1622118"/>
+            <a:off x="6008575" y="1787854"/>
             <a:ext cx="108000" cy="108000"/>
           </a:xfrm>
           <a:prstGeom prst="diamond">
@@ -14151,8 +14147,8 @@
         </p:nvSpPr>
         <p:spPr>
           <a:xfrm>
-            <a:off x="6139076" y="908720"/>
-            <a:ext cx="1357200" cy="214314"/>
+            <a:off x="6139076" y="1142984"/>
+            <a:ext cx="1428760" cy="214314"/>
           </a:xfrm>
           <a:prstGeom prst="roundRect">
             <a:avLst/>
@@ -14199,7 +14195,7 @@
         </p:nvSpPr>
         <p:spPr>
           <a:xfrm>
-            <a:off x="4427984" y="908720"/>
+            <a:off x="4427984" y="1142984"/>
             <a:ext cx="1357322" cy="214314"/>
           </a:xfrm>
           <a:prstGeom prst="roundRect">
@@ -14244,13 +14240,12 @@
           <p:cNvPr id="64" name="Gerade Verbindung 63"/>
           <p:cNvCxnSpPr>
             <a:stCxn id="65" idx="1"/>
-            <a:endCxn id="63" idx="3"/>
           </p:cNvCxnSpPr>
           <p:nvPr/>
         </p:nvCxnSpPr>
         <p:spPr>
           <a:xfrm rot="10800000">
-            <a:off x="5785306" y="1015878"/>
+            <a:off x="5785306" y="1250142"/>
             <a:ext cx="226524" cy="2651"/>
           </a:xfrm>
           <a:prstGeom prst="line">
@@ -14283,7 +14278,7 @@
         </p:nvSpPr>
         <p:spPr>
           <a:xfrm>
-            <a:off x="6011830" y="964528"/>
+            <a:off x="6011830" y="1198792"/>
             <a:ext cx="108000" cy="108000"/>
           </a:xfrm>
           <a:prstGeom prst="diamond">
@@ -14332,7 +14327,7 @@
         </p:nvCxnSpPr>
         <p:spPr>
           <a:xfrm flipV="1">
-            <a:off x="3714744" y="1015877"/>
+            <a:off x="3714744" y="1250141"/>
             <a:ext cx="713240" cy="305702"/>
           </a:xfrm>
           <a:prstGeom prst="line">
@@ -14352,6 +14347,42 @@
           </a:effectRef>
           <a:fontRef idx="minor">
             <a:schemeClr val="tx1"/>
+          </a:fontRef>
+        </p:style>
+      </p:cxnSp>
+      <p:cxnSp>
+        <p:nvCxnSpPr>
+          <p:cNvPr id="69" name="Gerade Verbindung 68"/>
+          <p:cNvCxnSpPr>
+            <a:stCxn id="169" idx="3"/>
+            <a:endCxn id="62" idx="3"/>
+          </p:cNvCxnSpPr>
+          <p:nvPr/>
+        </p:nvCxnSpPr>
+        <p:spPr>
+          <a:xfrm rot="10800000">
+            <a:off x="7567836" y="1250141"/>
+            <a:ext cx="591694" cy="10466"/>
+          </a:xfrm>
+          <a:prstGeom prst="line">
+            <a:avLst/>
+          </a:prstGeom>
+          <a:ln>
+            <a:headEnd type="none"/>
+          </a:ln>
+        </p:spPr>
+        <p:style>
+          <a:lnRef idx="2">
+            <a:schemeClr val="accent3"/>
+          </a:lnRef>
+          <a:fillRef idx="1">
+            <a:schemeClr val="lt1"/>
+          </a:fillRef>
+          <a:effectRef idx="0">
+            <a:schemeClr val="accent3"/>
+          </a:effectRef>
+          <a:fontRef idx="minor">
+            <a:schemeClr val="dk1"/>
           </a:fontRef>
         </p:style>
       </p:cxnSp>

--- a/doc/publications/2012-04_CMSB2012/figures/Conversion.pptx
+++ b/doc/publications/2012-04_CMSB2012/figures/Conversion.pptx
@@ -12255,7 +12255,7 @@
         <p:spPr>
           <a:xfrm>
             <a:off x="2452230" y="321447"/>
-            <a:ext cx="1976894" cy="0"/>
+            <a:ext cx="1975770" cy="0"/>
           </a:xfrm>
           <a:prstGeom prst="line">
             <a:avLst/>
@@ -12289,7 +12289,7 @@
         <p:spPr>
           <a:xfrm>
             <a:off x="3714744" y="1555843"/>
-            <a:ext cx="717800" cy="0"/>
+            <a:ext cx="713256" cy="0"/>
           </a:xfrm>
           <a:prstGeom prst="line">
             <a:avLst/>
@@ -12323,7 +12323,7 @@
         <p:spPr>
           <a:xfrm>
             <a:off x="3714744" y="1555843"/>
-            <a:ext cx="726350" cy="288662"/>
+            <a:ext cx="713256" cy="288662"/>
           </a:xfrm>
           <a:prstGeom prst="line">
             <a:avLst/>
@@ -12357,7 +12357,7 @@
         <p:spPr>
           <a:xfrm>
             <a:off x="3714744" y="2170437"/>
-            <a:ext cx="714380" cy="0"/>
+            <a:ext cx="713256" cy="0"/>
           </a:xfrm>
           <a:prstGeom prst="line">
             <a:avLst/>
@@ -12391,7 +12391,7 @@
         <p:spPr>
           <a:xfrm flipV="1">
             <a:off x="3713726" y="2534339"/>
-            <a:ext cx="715398" cy="843"/>
+            <a:ext cx="714274" cy="843"/>
           </a:xfrm>
           <a:prstGeom prst="line">
             <a:avLst/>
@@ -12508,7 +12508,7 @@
         </p:nvSpPr>
         <p:spPr>
           <a:xfrm>
-            <a:off x="6143636" y="1448686"/>
+            <a:off x="6145200" y="1448686"/>
             <a:ext cx="1428760" cy="214314"/>
           </a:xfrm>
           <a:prstGeom prst="roundRect">
@@ -12553,7 +12553,7 @@
         </p:nvSpPr>
         <p:spPr>
           <a:xfrm>
-            <a:off x="6143636" y="2078910"/>
+            <a:off x="6145200" y="2078910"/>
             <a:ext cx="1714512" cy="214314"/>
           </a:xfrm>
           <a:prstGeom prst="roundRect">
@@ -12598,7 +12598,7 @@
         </p:nvSpPr>
         <p:spPr>
           <a:xfrm>
-            <a:off x="4429124" y="214290"/>
+            <a:off x="4428000" y="214290"/>
             <a:ext cx="1328750" cy="214314"/>
           </a:xfrm>
           <a:prstGeom prst="roundRect">
@@ -12643,7 +12643,7 @@
         </p:nvSpPr>
         <p:spPr>
           <a:xfrm>
-            <a:off x="4432544" y="1448686"/>
+            <a:off x="4428000" y="1448686"/>
             <a:ext cx="1357322" cy="214314"/>
           </a:xfrm>
           <a:prstGeom prst="roundRect">
@@ -12688,7 +12688,7 @@
         </p:nvSpPr>
         <p:spPr>
           <a:xfrm>
-            <a:off x="4429124" y="2063280"/>
+            <a:off x="4428000" y="2063280"/>
             <a:ext cx="857256" cy="214314"/>
           </a:xfrm>
           <a:prstGeom prst="roundRect">
@@ -12733,7 +12733,7 @@
         </p:nvSpPr>
         <p:spPr>
           <a:xfrm>
-            <a:off x="4442066" y="492227"/>
+            <a:off x="4428000" y="492227"/>
             <a:ext cx="1328750" cy="214314"/>
           </a:xfrm>
           <a:prstGeom prst="roundRect">
@@ -12781,7 +12781,7 @@
         </p:nvSpPr>
         <p:spPr>
           <a:xfrm>
-            <a:off x="4441094" y="1737348"/>
+            <a:off x="4428000" y="1737348"/>
             <a:ext cx="1345352" cy="214314"/>
           </a:xfrm>
           <a:prstGeom prst="roundRect">
@@ -12829,7 +12829,7 @@
         </p:nvSpPr>
         <p:spPr>
           <a:xfrm>
-            <a:off x="6143636" y="1737348"/>
+            <a:off x="6145200" y="1737348"/>
             <a:ext cx="1714512" cy="214314"/>
           </a:xfrm>
           <a:prstGeom prst="roundRect">
@@ -12877,7 +12877,7 @@
         </p:nvSpPr>
         <p:spPr>
           <a:xfrm>
-            <a:off x="6143636" y="2428285"/>
+            <a:off x="6145200" y="2428285"/>
             <a:ext cx="1714512" cy="214314"/>
           </a:xfrm>
           <a:prstGeom prst="roundRect">
@@ -12925,7 +12925,7 @@
         </p:nvSpPr>
         <p:spPr>
           <a:xfrm>
-            <a:off x="4429124" y="2427182"/>
+            <a:off x="4428000" y="2427182"/>
             <a:ext cx="857256" cy="214314"/>
           </a:xfrm>
           <a:prstGeom prst="roundRect">
@@ -12975,9 +12975,9 @@
           <p:nvPr/>
         </p:nvCxnSpPr>
         <p:spPr>
-          <a:xfrm rot="10800000" flipV="1">
-            <a:off x="7572396" y="1260607"/>
-            <a:ext cx="587134" cy="295236"/>
+          <a:xfrm flipH="1">
+            <a:off x="7573960" y="1260607"/>
+            <a:ext cx="585570" cy="295236"/>
           </a:xfrm>
           <a:prstGeom prst="line">
             <a:avLst/>
@@ -13011,9 +13011,9 @@
           <p:nvPr/>
         </p:nvCxnSpPr>
         <p:spPr>
-          <a:xfrm rot="5400000">
-            <a:off x="7812586" y="1505781"/>
-            <a:ext cx="725849" cy="634723"/>
+          <a:xfrm flipH="1">
+            <a:off x="7859712" y="1460218"/>
+            <a:ext cx="633159" cy="725849"/>
           </a:xfrm>
           <a:prstGeom prst="line">
             <a:avLst/>
@@ -13047,9 +13047,9 @@
           <p:nvPr/>
         </p:nvCxnSpPr>
         <p:spPr>
-          <a:xfrm rot="10800000">
-            <a:off x="5757874" y="321447"/>
-            <a:ext cx="2401656" cy="939160"/>
+          <a:xfrm flipH="1" flipV="1">
+            <a:off x="5756750" y="321447"/>
+            <a:ext cx="2402780" cy="939160"/>
           </a:xfrm>
           <a:prstGeom prst="line">
             <a:avLst/>
@@ -13083,9 +13083,9 @@
           <p:nvPr/>
         </p:nvCxnSpPr>
         <p:spPr>
-          <a:xfrm rot="10800000">
-            <a:off x="5770816" y="599385"/>
-            <a:ext cx="2388714" cy="661223"/>
+          <a:xfrm flipH="1" flipV="1">
+            <a:off x="5756750" y="599384"/>
+            <a:ext cx="2402780" cy="661223"/>
           </a:xfrm>
           <a:prstGeom prst="line">
             <a:avLst/>
@@ -13119,9 +13119,9 @@
           <p:nvPr/>
         </p:nvCxnSpPr>
         <p:spPr>
-          <a:xfrm rot="5400000">
-            <a:off x="7637898" y="1680469"/>
-            <a:ext cx="1075224" cy="634723"/>
+          <a:xfrm flipH="1">
+            <a:off x="7859712" y="1460218"/>
+            <a:ext cx="633159" cy="1075224"/>
           </a:xfrm>
           <a:prstGeom prst="line">
             <a:avLst/>
@@ -13155,9 +13155,9 @@
           <p:nvPr/>
         </p:nvCxnSpPr>
         <p:spPr>
-          <a:xfrm rot="10800000" flipV="1">
-            <a:off x="7858148" y="1260607"/>
-            <a:ext cx="301382" cy="583898"/>
+          <a:xfrm flipH="1">
+            <a:off x="7859712" y="1260607"/>
+            <a:ext cx="299818" cy="583898"/>
           </a:xfrm>
           <a:prstGeom prst="line">
             <a:avLst/>
@@ -13553,7 +13553,7 @@
         <p:spPr>
           <a:xfrm>
             <a:off x="2452230" y="321447"/>
-            <a:ext cx="1989836" cy="277937"/>
+            <a:ext cx="1975770" cy="277937"/>
           </a:xfrm>
           <a:prstGeom prst="line">
             <a:avLst/>
@@ -14147,7 +14147,7 @@
         </p:nvSpPr>
         <p:spPr>
           <a:xfrm>
-            <a:off x="6139076" y="1142984"/>
+            <a:off x="6145200" y="1142984"/>
             <a:ext cx="1428760" cy="214314"/>
           </a:xfrm>
           <a:prstGeom prst="roundRect">
@@ -14195,7 +14195,7 @@
         </p:nvSpPr>
         <p:spPr>
           <a:xfrm>
-            <a:off x="4427984" y="1142984"/>
+            <a:off x="4428000" y="1142984"/>
             <a:ext cx="1357322" cy="214314"/>
           </a:xfrm>
           <a:prstGeom prst="roundRect">
@@ -14328,7 +14328,7 @@
         <p:spPr>
           <a:xfrm flipV="1">
             <a:off x="3714744" y="1250141"/>
-            <a:ext cx="713240" cy="305702"/>
+            <a:ext cx="713256" cy="305702"/>
           </a:xfrm>
           <a:prstGeom prst="line">
             <a:avLst/>
@@ -14360,9 +14360,9 @@
           <p:nvPr/>
         </p:nvCxnSpPr>
         <p:spPr>
-          <a:xfrm rot="10800000">
-            <a:off x="7567836" y="1250141"/>
-            <a:ext cx="591694" cy="10466"/>
+          <a:xfrm flipH="1" flipV="1">
+            <a:off x="7573960" y="1250141"/>
+            <a:ext cx="585570" cy="10466"/>
           </a:xfrm>
           <a:prstGeom prst="line">
             <a:avLst/>
